--- a/pics/2020-08-22-stokes_theorem/pics.pptx
+++ b/pics/2020-08-22-stokes_theorem/pics.pptx
@@ -6,6 +6,7 @@
   </p:sldMasterIdLst>
   <p:sldIdLst>
     <p:sldId id="256" r:id="rId2"/>
+    <p:sldId id="257" r:id="rId3"/>
   </p:sldIdLst>
   <p:sldSz cx="12192000" cy="6858000"/>
   <p:notesSz cx="6858000" cy="9144000"/>
@@ -3350,139 +3351,118 @@
           </a:prstGeom>
         </p:spPr>
       </p:pic>
-      <p:grpSp>
-        <p:nvGrpSpPr>
-          <p:cNvPr id="10" name="그룹 9">
-            <a:extLst>
-              <a:ext uri="{FF2B5EF4-FFF2-40B4-BE49-F238E27FC236}">
-                <a16:creationId xmlns:a16="http://schemas.microsoft.com/office/drawing/2014/main" id="{38537745-DDC9-4331-A268-05ABB25FE56F}"/>
-              </a:ext>
-            </a:extLst>
-          </p:cNvPr>
-          <p:cNvGrpSpPr/>
+      <p:sp>
+        <p:nvSpPr>
+          <p:cNvPr id="6" name="갈매기형 수장 9">
+            <a:extLst>
+              <a:ext uri="{FF2B5EF4-FFF2-40B4-BE49-F238E27FC236}">
+                <a16:creationId xmlns:a16="http://schemas.microsoft.com/office/drawing/2014/main" id="{59471948-17BA-4FC1-ADCB-3D4E58006BB6}"/>
+              </a:ext>
+            </a:extLst>
+          </p:cNvPr>
+          <p:cNvSpPr/>
           <p:nvPr/>
-        </p:nvGrpSpPr>
-        <p:grpSpPr>
-          <a:xfrm>
-            <a:off x="4284284" y="1670512"/>
-            <a:ext cx="466824" cy="2974892"/>
-            <a:chOff x="4284284" y="1670512"/>
-            <a:chExt cx="466824" cy="2974892"/>
+        </p:nvSpPr>
+        <p:spPr>
+          <a:xfrm rot="7168053">
+            <a:off x="4512022" y="1615984"/>
+            <a:ext cx="184558" cy="293614"/>
           </a:xfrm>
-        </p:grpSpPr>
-        <p:sp>
-          <p:nvSpPr>
-            <p:cNvPr id="6" name="갈매기형 수장 9">
-              <a:extLst>
-                <a:ext uri="{FF2B5EF4-FFF2-40B4-BE49-F238E27FC236}">
-                  <a16:creationId xmlns:a16="http://schemas.microsoft.com/office/drawing/2014/main" id="{59471948-17BA-4FC1-ADCB-3D4E58006BB6}"/>
-                </a:ext>
-              </a:extLst>
-            </p:cNvPr>
-            <p:cNvSpPr/>
-            <p:nvPr/>
-          </p:nvSpPr>
-          <p:spPr>
-            <a:xfrm rot="7168053">
-              <a:off x="4512022" y="1615984"/>
-              <a:ext cx="184558" cy="293614"/>
-            </a:xfrm>
-            <a:prstGeom prst="chevron">
-              <a:avLst/>
-            </a:prstGeom>
-            <a:solidFill>
-              <a:srgbClr val="FF0000"/>
-            </a:solidFill>
-            <a:ln>
-              <a:noFill/>
-            </a:ln>
-          </p:spPr>
-          <p:style>
-            <a:lnRef idx="2">
-              <a:schemeClr val="accent1">
-                <a:shade val="50000"/>
-              </a:schemeClr>
-            </a:lnRef>
-            <a:fillRef idx="1">
-              <a:schemeClr val="accent1"/>
-            </a:fillRef>
-            <a:effectRef idx="0">
-              <a:schemeClr val="accent1"/>
-            </a:effectRef>
-            <a:fontRef idx="minor">
-              <a:schemeClr val="lt1"/>
-            </a:fontRef>
-          </p:style>
-          <p:txBody>
-            <a:bodyPr rtlCol="0" anchor="ctr"/>
-            <a:lstStyle/>
-            <a:p>
-              <a:pPr algn="ctr"/>
-              <a:endParaRPr lang="ko-KR" altLang="en-US">
-                <a:solidFill>
-                  <a:schemeClr val="tx1"/>
-                </a:solidFill>
-              </a:endParaRPr>
-            </a:p>
-          </p:txBody>
-        </p:sp>
-        <p:sp>
-          <p:nvSpPr>
-            <p:cNvPr id="7" name="갈매기형 수장 9">
-              <a:extLst>
-                <a:ext uri="{FF2B5EF4-FFF2-40B4-BE49-F238E27FC236}">
-                  <a16:creationId xmlns:a16="http://schemas.microsoft.com/office/drawing/2014/main" id="{44BA70E0-8806-4B7B-BE23-0BA57491D8C7}"/>
-                </a:ext>
-              </a:extLst>
-            </p:cNvPr>
-            <p:cNvSpPr/>
-            <p:nvPr/>
-          </p:nvSpPr>
-          <p:spPr>
-            <a:xfrm rot="3547600">
-              <a:off x="4338812" y="4406318"/>
-              <a:ext cx="184558" cy="293614"/>
-            </a:xfrm>
-            <a:prstGeom prst="chevron">
-              <a:avLst/>
-            </a:prstGeom>
-            <a:solidFill>
-              <a:srgbClr val="FF0000"/>
-            </a:solidFill>
-            <a:ln>
-              <a:noFill/>
-            </a:ln>
-          </p:spPr>
-          <p:style>
-            <a:lnRef idx="2">
-              <a:schemeClr val="accent1">
-                <a:shade val="50000"/>
-              </a:schemeClr>
-            </a:lnRef>
-            <a:fillRef idx="1">
-              <a:schemeClr val="accent1"/>
-            </a:fillRef>
-            <a:effectRef idx="0">
-              <a:schemeClr val="accent1"/>
-            </a:effectRef>
-            <a:fontRef idx="minor">
-              <a:schemeClr val="lt1"/>
-            </a:fontRef>
-          </p:style>
-          <p:txBody>
-            <a:bodyPr rtlCol="0" anchor="ctr"/>
-            <a:lstStyle/>
-            <a:p>
-              <a:pPr algn="ctr"/>
-              <a:endParaRPr lang="ko-KR" altLang="en-US">
-                <a:solidFill>
-                  <a:schemeClr val="tx1"/>
-                </a:solidFill>
-              </a:endParaRPr>
-            </a:p>
-          </p:txBody>
-        </p:sp>
-      </p:grpSp>
+          <a:prstGeom prst="chevron">
+            <a:avLst/>
+          </a:prstGeom>
+          <a:solidFill>
+            <a:srgbClr val="FF0000"/>
+          </a:solidFill>
+          <a:ln>
+            <a:noFill/>
+          </a:ln>
+        </p:spPr>
+        <p:style>
+          <a:lnRef idx="2">
+            <a:schemeClr val="accent1">
+              <a:shade val="50000"/>
+            </a:schemeClr>
+          </a:lnRef>
+          <a:fillRef idx="1">
+            <a:schemeClr val="accent1"/>
+          </a:fillRef>
+          <a:effectRef idx="0">
+            <a:schemeClr val="accent1"/>
+          </a:effectRef>
+          <a:fontRef idx="minor">
+            <a:schemeClr val="lt1"/>
+          </a:fontRef>
+        </p:style>
+        <p:txBody>
+          <a:bodyPr rtlCol="0" anchor="ctr"/>
+          <a:lstStyle/>
+          <a:p>
+            <a:pPr algn="ctr"/>
+            <a:endParaRPr lang="ko-KR" altLang="en-US">
+              <a:solidFill>
+                <a:schemeClr val="tx1"/>
+              </a:solidFill>
+            </a:endParaRPr>
+          </a:p>
+        </p:txBody>
+      </p:sp>
+      <p:sp>
+        <p:nvSpPr>
+          <p:cNvPr id="7" name="갈매기형 수장 9">
+            <a:extLst>
+              <a:ext uri="{FF2B5EF4-FFF2-40B4-BE49-F238E27FC236}">
+                <a16:creationId xmlns:a16="http://schemas.microsoft.com/office/drawing/2014/main" id="{44BA70E0-8806-4B7B-BE23-0BA57491D8C7}"/>
+              </a:ext>
+            </a:extLst>
+          </p:cNvPr>
+          <p:cNvSpPr/>
+          <p:nvPr/>
+        </p:nvSpPr>
+        <p:spPr>
+          <a:xfrm rot="3547600">
+            <a:off x="4338812" y="4406318"/>
+            <a:ext cx="184558" cy="293614"/>
+          </a:xfrm>
+          <a:prstGeom prst="chevron">
+            <a:avLst/>
+          </a:prstGeom>
+          <a:solidFill>
+            <a:srgbClr val="FF0000"/>
+          </a:solidFill>
+          <a:ln>
+            <a:noFill/>
+          </a:ln>
+        </p:spPr>
+        <p:style>
+          <a:lnRef idx="2">
+            <a:schemeClr val="accent1">
+              <a:shade val="50000"/>
+            </a:schemeClr>
+          </a:lnRef>
+          <a:fillRef idx="1">
+            <a:schemeClr val="accent1"/>
+          </a:fillRef>
+          <a:effectRef idx="0">
+            <a:schemeClr val="accent1"/>
+          </a:effectRef>
+          <a:fontRef idx="minor">
+            <a:schemeClr val="lt1"/>
+          </a:fontRef>
+        </p:style>
+        <p:txBody>
+          <a:bodyPr rtlCol="0" anchor="ctr"/>
+          <a:lstStyle/>
+          <a:p>
+            <a:pPr algn="ctr"/>
+            <a:endParaRPr lang="ko-KR" altLang="en-US">
+              <a:solidFill>
+                <a:schemeClr val="tx1"/>
+              </a:solidFill>
+            </a:endParaRPr>
+          </a:p>
+        </p:txBody>
+      </p:sp>
       <p:sp>
         <p:nvSpPr>
           <p:cNvPr id="8" name="갈매기형 수장 9">
@@ -3985,6 +3965,1267 @@
     <p:extLst>
       <p:ext uri="{BB962C8B-B14F-4D97-AF65-F5344CB8AC3E}">
         <p14:creationId xmlns:p14="http://schemas.microsoft.com/office/powerpoint/2010/main" val="2742465579"/>
+      </p:ext>
+    </p:extLst>
+  </p:cSld>
+  <p:clrMapOvr>
+    <a:masterClrMapping/>
+  </p:clrMapOvr>
+</p:sld>
+</file>
+
+<file path=ppt/slides/slide2.xml><?xml version="1.0" encoding="utf-8"?>
+<p:sld xmlns:a="http://schemas.openxmlformats.org/drawingml/2006/main" xmlns:r="http://schemas.openxmlformats.org/officeDocument/2006/relationships" xmlns:p="http://schemas.openxmlformats.org/presentationml/2006/main">
+  <p:cSld>
+    <p:spTree>
+      <p:nvGrpSpPr>
+        <p:cNvPr id="1" name=""/>
+        <p:cNvGrpSpPr/>
+        <p:nvPr/>
+      </p:nvGrpSpPr>
+      <p:grpSpPr>
+        <a:xfrm>
+          <a:off x="0" y="0"/>
+          <a:ext cx="0" cy="0"/>
+          <a:chOff x="0" y="0"/>
+          <a:chExt cx="0" cy="0"/>
+        </a:xfrm>
+      </p:grpSpPr>
+      <p:pic>
+        <p:nvPicPr>
+          <p:cNvPr id="5" name="그림 4">
+            <a:extLst>
+              <a:ext uri="{FF2B5EF4-FFF2-40B4-BE49-F238E27FC236}">
+                <a16:creationId xmlns:a16="http://schemas.microsoft.com/office/drawing/2014/main" id="{345E1001-2BAF-49C7-9F18-BB276BE5EB8F}"/>
+              </a:ext>
+            </a:extLst>
+          </p:cNvPr>
+          <p:cNvPicPr>
+            <a:picLocks noChangeAspect="1"/>
+          </p:cNvPicPr>
+          <p:nvPr/>
+        </p:nvPicPr>
+        <p:blipFill rotWithShape="1">
+          <a:blip r:embed="rId2"/>
+          <a:srcRect l="11376" t="19107" r="15542" b="16289"/>
+          <a:stretch/>
+        </p:blipFill>
+        <p:spPr>
+          <a:xfrm>
+            <a:off x="2988298" y="713043"/>
+            <a:ext cx="5948312" cy="5625164"/>
+          </a:xfrm>
+          <a:prstGeom prst="rect">
+            <a:avLst/>
+          </a:prstGeom>
+        </p:spPr>
+      </p:pic>
+      <p:sp>
+        <p:nvSpPr>
+          <p:cNvPr id="7" name="갈매기형 수장 9">
+            <a:extLst>
+              <a:ext uri="{FF2B5EF4-FFF2-40B4-BE49-F238E27FC236}">
+                <a16:creationId xmlns:a16="http://schemas.microsoft.com/office/drawing/2014/main" id="{BD82770A-5B8B-4722-97B0-EC7AFE7919AF}"/>
+              </a:ext>
+            </a:extLst>
+          </p:cNvPr>
+          <p:cNvSpPr/>
+          <p:nvPr/>
+        </p:nvSpPr>
+        <p:spPr>
+          <a:xfrm rot="7168053">
+            <a:off x="4512022" y="1615984"/>
+            <a:ext cx="184558" cy="293614"/>
+          </a:xfrm>
+          <a:prstGeom prst="chevron">
+            <a:avLst/>
+          </a:prstGeom>
+          <a:solidFill>
+            <a:srgbClr val="FF0000"/>
+          </a:solidFill>
+          <a:ln>
+            <a:noFill/>
+          </a:ln>
+        </p:spPr>
+        <p:style>
+          <a:lnRef idx="2">
+            <a:schemeClr val="accent1">
+              <a:shade val="50000"/>
+            </a:schemeClr>
+          </a:lnRef>
+          <a:fillRef idx="1">
+            <a:schemeClr val="accent1"/>
+          </a:fillRef>
+          <a:effectRef idx="0">
+            <a:schemeClr val="accent1"/>
+          </a:effectRef>
+          <a:fontRef idx="minor">
+            <a:schemeClr val="lt1"/>
+          </a:fontRef>
+        </p:style>
+        <p:txBody>
+          <a:bodyPr rtlCol="0" anchor="ctr"/>
+          <a:lstStyle/>
+          <a:p>
+            <a:pPr algn="ctr"/>
+            <a:endParaRPr lang="ko-KR" altLang="en-US">
+              <a:solidFill>
+                <a:schemeClr val="tx1"/>
+              </a:solidFill>
+            </a:endParaRPr>
+          </a:p>
+        </p:txBody>
+      </p:sp>
+      <p:sp>
+        <p:nvSpPr>
+          <p:cNvPr id="8" name="갈매기형 수장 9">
+            <a:extLst>
+              <a:ext uri="{FF2B5EF4-FFF2-40B4-BE49-F238E27FC236}">
+                <a16:creationId xmlns:a16="http://schemas.microsoft.com/office/drawing/2014/main" id="{89D97514-12C8-4863-B58B-73CAA0992B3F}"/>
+              </a:ext>
+            </a:extLst>
+          </p:cNvPr>
+          <p:cNvSpPr/>
+          <p:nvPr/>
+        </p:nvSpPr>
+        <p:spPr>
+          <a:xfrm>
+            <a:off x="5256246" y="3095994"/>
+            <a:ext cx="184558" cy="293614"/>
+          </a:xfrm>
+          <a:prstGeom prst="chevron">
+            <a:avLst/>
+          </a:prstGeom>
+          <a:solidFill>
+            <a:srgbClr val="FF0000"/>
+          </a:solidFill>
+          <a:ln>
+            <a:noFill/>
+          </a:ln>
+        </p:spPr>
+        <p:style>
+          <a:lnRef idx="2">
+            <a:schemeClr val="accent1">
+              <a:shade val="50000"/>
+            </a:schemeClr>
+          </a:lnRef>
+          <a:fillRef idx="1">
+            <a:schemeClr val="accent1"/>
+          </a:fillRef>
+          <a:effectRef idx="0">
+            <a:schemeClr val="accent1"/>
+          </a:effectRef>
+          <a:fontRef idx="minor">
+            <a:schemeClr val="lt1"/>
+          </a:fontRef>
+        </p:style>
+        <p:txBody>
+          <a:bodyPr rtlCol="0" anchor="ctr"/>
+          <a:lstStyle/>
+          <a:p>
+            <a:pPr algn="ctr"/>
+            <a:endParaRPr lang="ko-KR" altLang="en-US">
+              <a:solidFill>
+                <a:schemeClr val="tx1"/>
+              </a:solidFill>
+            </a:endParaRPr>
+          </a:p>
+        </p:txBody>
+      </p:sp>
+      <p:sp>
+        <p:nvSpPr>
+          <p:cNvPr id="9" name="갈매기형 수장 9">
+            <a:extLst>
+              <a:ext uri="{FF2B5EF4-FFF2-40B4-BE49-F238E27FC236}">
+                <a16:creationId xmlns:a16="http://schemas.microsoft.com/office/drawing/2014/main" id="{457411AE-1EC9-43BF-B8E4-3C980E6B2087}"/>
+              </a:ext>
+            </a:extLst>
+          </p:cNvPr>
+          <p:cNvSpPr/>
+          <p:nvPr/>
+        </p:nvSpPr>
+        <p:spPr>
+          <a:xfrm rot="16200000">
+            <a:off x="6178809" y="2257005"/>
+            <a:ext cx="184558" cy="293614"/>
+          </a:xfrm>
+          <a:prstGeom prst="chevron">
+            <a:avLst/>
+          </a:prstGeom>
+          <a:solidFill>
+            <a:srgbClr val="FF0000"/>
+          </a:solidFill>
+          <a:ln>
+            <a:noFill/>
+          </a:ln>
+        </p:spPr>
+        <p:style>
+          <a:lnRef idx="2">
+            <a:schemeClr val="accent1">
+              <a:shade val="50000"/>
+            </a:schemeClr>
+          </a:lnRef>
+          <a:fillRef idx="1">
+            <a:schemeClr val="accent1"/>
+          </a:fillRef>
+          <a:effectRef idx="0">
+            <a:schemeClr val="accent1"/>
+          </a:effectRef>
+          <a:fontRef idx="minor">
+            <a:schemeClr val="lt1"/>
+          </a:fontRef>
+        </p:style>
+        <p:txBody>
+          <a:bodyPr rtlCol="0" anchor="ctr"/>
+          <a:lstStyle/>
+          <a:p>
+            <a:pPr algn="ctr"/>
+            <a:endParaRPr lang="ko-KR" altLang="en-US">
+              <a:solidFill>
+                <a:schemeClr val="tx1"/>
+              </a:solidFill>
+            </a:endParaRPr>
+          </a:p>
+        </p:txBody>
+      </p:sp>
+      <p:sp>
+        <p:nvSpPr>
+          <p:cNvPr id="10" name="갈매기형 수장 9">
+            <a:extLst>
+              <a:ext uri="{FF2B5EF4-FFF2-40B4-BE49-F238E27FC236}">
+                <a16:creationId xmlns:a16="http://schemas.microsoft.com/office/drawing/2014/main" id="{0778A59D-6C8A-47EA-AAB1-426568EB0D89}"/>
+              </a:ext>
+            </a:extLst>
+          </p:cNvPr>
+          <p:cNvSpPr/>
+          <p:nvPr/>
+        </p:nvSpPr>
+        <p:spPr>
+          <a:xfrm rot="5400000">
+            <a:off x="6178809" y="2549390"/>
+            <a:ext cx="184558" cy="293614"/>
+          </a:xfrm>
+          <a:prstGeom prst="chevron">
+            <a:avLst/>
+          </a:prstGeom>
+          <a:solidFill>
+            <a:srgbClr val="FFFF00"/>
+          </a:solidFill>
+          <a:ln>
+            <a:solidFill>
+              <a:schemeClr val="accent1"/>
+            </a:solidFill>
+          </a:ln>
+        </p:spPr>
+        <p:style>
+          <a:lnRef idx="2">
+            <a:schemeClr val="accent1">
+              <a:shade val="50000"/>
+            </a:schemeClr>
+          </a:lnRef>
+          <a:fillRef idx="1">
+            <a:schemeClr val="accent1"/>
+          </a:fillRef>
+          <a:effectRef idx="0">
+            <a:schemeClr val="accent1"/>
+          </a:effectRef>
+          <a:fontRef idx="minor">
+            <a:schemeClr val="lt1"/>
+          </a:fontRef>
+        </p:style>
+        <p:txBody>
+          <a:bodyPr rtlCol="0" anchor="ctr"/>
+          <a:lstStyle/>
+          <a:p>
+            <a:pPr algn="ctr"/>
+            <a:endParaRPr lang="ko-KR" altLang="en-US">
+              <a:solidFill>
+                <a:schemeClr val="tx1"/>
+              </a:solidFill>
+            </a:endParaRPr>
+          </a:p>
+        </p:txBody>
+      </p:sp>
+      <p:sp>
+        <p:nvSpPr>
+          <p:cNvPr id="11" name="갈매기형 수장 9">
+            <a:extLst>
+              <a:ext uri="{FF2B5EF4-FFF2-40B4-BE49-F238E27FC236}">
+                <a16:creationId xmlns:a16="http://schemas.microsoft.com/office/drawing/2014/main" id="{675F500A-9827-4A33-A334-65E00450E68D}"/>
+              </a:ext>
+            </a:extLst>
+          </p:cNvPr>
+          <p:cNvSpPr/>
+          <p:nvPr/>
+        </p:nvSpPr>
+        <p:spPr>
+          <a:xfrm rot="3600000" flipH="1">
+            <a:off x="7894868" y="1692970"/>
+            <a:ext cx="184558" cy="293614"/>
+          </a:xfrm>
+          <a:prstGeom prst="chevron">
+            <a:avLst/>
+          </a:prstGeom>
+          <a:solidFill>
+            <a:srgbClr val="FFFF00"/>
+          </a:solidFill>
+          <a:ln>
+            <a:solidFill>
+              <a:schemeClr val="accent1"/>
+            </a:solidFill>
+          </a:ln>
+        </p:spPr>
+        <p:style>
+          <a:lnRef idx="2">
+            <a:schemeClr val="accent1">
+              <a:shade val="50000"/>
+            </a:schemeClr>
+          </a:lnRef>
+          <a:fillRef idx="1">
+            <a:schemeClr val="accent1"/>
+          </a:fillRef>
+          <a:effectRef idx="0">
+            <a:schemeClr val="accent1"/>
+          </a:effectRef>
+          <a:fontRef idx="minor">
+            <a:schemeClr val="lt1"/>
+          </a:fontRef>
+        </p:style>
+        <p:txBody>
+          <a:bodyPr rtlCol="0" anchor="ctr"/>
+          <a:lstStyle/>
+          <a:p>
+            <a:pPr algn="ctr"/>
+            <a:endParaRPr lang="ko-KR" altLang="en-US">
+              <a:solidFill>
+                <a:schemeClr val="tx1"/>
+              </a:solidFill>
+            </a:endParaRPr>
+          </a:p>
+        </p:txBody>
+      </p:sp>
+      <p:sp>
+        <p:nvSpPr>
+          <p:cNvPr id="12" name="갈매기형 수장 9">
+            <a:extLst>
+              <a:ext uri="{FF2B5EF4-FFF2-40B4-BE49-F238E27FC236}">
+                <a16:creationId xmlns:a16="http://schemas.microsoft.com/office/drawing/2014/main" id="{51349B1A-47C6-4766-A6EF-7E1A71D546F2}"/>
+              </a:ext>
+            </a:extLst>
+          </p:cNvPr>
+          <p:cNvSpPr/>
+          <p:nvPr/>
+        </p:nvSpPr>
+        <p:spPr>
+          <a:xfrm rot="10800000" flipH="1">
+            <a:off x="7314963" y="3095993"/>
+            <a:ext cx="184558" cy="293614"/>
+          </a:xfrm>
+          <a:prstGeom prst="chevron">
+            <a:avLst/>
+          </a:prstGeom>
+          <a:solidFill>
+            <a:srgbClr val="FFFF00"/>
+          </a:solidFill>
+          <a:ln>
+            <a:solidFill>
+              <a:schemeClr val="accent1"/>
+            </a:solidFill>
+          </a:ln>
+        </p:spPr>
+        <p:style>
+          <a:lnRef idx="2">
+            <a:schemeClr val="accent1">
+              <a:shade val="50000"/>
+            </a:schemeClr>
+          </a:lnRef>
+          <a:fillRef idx="1">
+            <a:schemeClr val="accent1"/>
+          </a:fillRef>
+          <a:effectRef idx="0">
+            <a:schemeClr val="accent1"/>
+          </a:effectRef>
+          <a:fontRef idx="minor">
+            <a:schemeClr val="lt1"/>
+          </a:fontRef>
+        </p:style>
+        <p:txBody>
+          <a:bodyPr rtlCol="0" anchor="ctr"/>
+          <a:lstStyle/>
+          <a:p>
+            <a:pPr algn="ctr"/>
+            <a:endParaRPr lang="ko-KR" altLang="en-US">
+              <a:solidFill>
+                <a:schemeClr val="tx1"/>
+              </a:solidFill>
+            </a:endParaRPr>
+          </a:p>
+        </p:txBody>
+      </p:sp>
+      <mc:AlternateContent xmlns:mc="http://schemas.openxmlformats.org/markup-compatibility/2006">
+        <mc:Choice xmlns:a14="http://schemas.microsoft.com/office/drawing/2010/main" Requires="a14">
+          <p:sp>
+            <p:nvSpPr>
+              <p:cNvPr id="13" name="TextBox 12">
+                <a:extLst>
+                  <a:ext uri="{FF2B5EF4-FFF2-40B4-BE49-F238E27FC236}">
+                    <a16:creationId xmlns:a16="http://schemas.microsoft.com/office/drawing/2014/main" id="{DD2EFC73-523F-41D2-A1CF-7FDA4CA8F7BD}"/>
+                  </a:ext>
+                </a:extLst>
+              </p:cNvPr>
+              <p:cNvSpPr txBox="1"/>
+              <p:nvPr/>
+            </p:nvSpPr>
+            <p:spPr>
+              <a:xfrm>
+                <a:off x="5147035" y="2111423"/>
+                <a:ext cx="730841" cy="584775"/>
+              </a:xfrm>
+              <a:prstGeom prst="rect">
+                <a:avLst/>
+              </a:prstGeom>
+              <a:noFill/>
+            </p:spPr>
+            <p:txBody>
+              <a:bodyPr wrap="none" rtlCol="0">
+                <a:spAutoFit/>
+              </a:bodyPr>
+              <a:lstStyle/>
+              <a:p>
+                <a:pPr/>
+                <a14:m>
+                  <m:oMathPara xmlns:m="http://schemas.openxmlformats.org/officeDocument/2006/math">
+                    <m:oMathParaPr>
+                      <m:jc m:val="center"/>
+                    </m:oMathParaPr>
+                    <m:oMath xmlns:m="http://schemas.openxmlformats.org/officeDocument/2006/math">
+                      <m:sSub>
+                        <m:sSubPr>
+                          <m:ctrlPr>
+                            <a:rPr lang="en-US" altLang="ko-KR" sz="3200" b="0" i="1" smtClean="0">
+                              <a:solidFill>
+                                <a:srgbClr val="FF0000"/>
+                              </a:solidFill>
+                              <a:latin typeface="Cambria Math" panose="02040503050406030204" pitchFamily="18" charset="0"/>
+                            </a:rPr>
+                          </m:ctrlPr>
+                        </m:sSubPr>
+                        <m:e>
+                          <m:r>
+                            <a:rPr lang="en-US" altLang="ko-KR" sz="3200" b="0" i="1" smtClean="0">
+                              <a:solidFill>
+                                <a:srgbClr val="FF0000"/>
+                              </a:solidFill>
+                              <a:latin typeface="Cambria Math" panose="02040503050406030204" pitchFamily="18" charset="0"/>
+                            </a:rPr>
+                            <m:t>𝐶</m:t>
+                          </m:r>
+                        </m:e>
+                        <m:sub>
+                          <m:r>
+                            <a:rPr lang="en-US" altLang="ko-KR" sz="3200" b="0" i="1" smtClean="0">
+                              <a:solidFill>
+                                <a:srgbClr val="FF0000"/>
+                              </a:solidFill>
+                              <a:latin typeface="Cambria Math" panose="02040503050406030204" pitchFamily="18" charset="0"/>
+                            </a:rPr>
+                            <m:t>1</m:t>
+                          </m:r>
+                        </m:sub>
+                      </m:sSub>
+                    </m:oMath>
+                  </m:oMathPara>
+                </a14:m>
+                <a:endParaRPr lang="ko-KR" altLang="en-US" sz="3200" dirty="0">
+                  <a:solidFill>
+                    <a:srgbClr val="FF0000"/>
+                  </a:solidFill>
+                </a:endParaRPr>
+              </a:p>
+            </p:txBody>
+          </p:sp>
+        </mc:Choice>
+        <mc:Fallback>
+          <p:sp>
+            <p:nvSpPr>
+              <p:cNvPr id="13" name="TextBox 12">
+                <a:extLst>
+                  <a:ext uri="{FF2B5EF4-FFF2-40B4-BE49-F238E27FC236}">
+                    <a16:creationId xmlns:a16="http://schemas.microsoft.com/office/drawing/2014/main" id="{DD2EFC73-523F-41D2-A1CF-7FDA4CA8F7BD}"/>
+                  </a:ext>
+                </a:extLst>
+              </p:cNvPr>
+              <p:cNvSpPr txBox="1">
+                <a:spLocks noRot="1" noChangeAspect="1" noMove="1" noResize="1" noEditPoints="1" noAdjustHandles="1" noChangeArrowheads="1" noChangeShapeType="1" noTextEdit="1"/>
+              </p:cNvSpPr>
+              <p:nvPr/>
+            </p:nvSpPr>
+            <p:spPr>
+              <a:xfrm>
+                <a:off x="5147035" y="2111423"/>
+                <a:ext cx="730841" cy="584775"/>
+              </a:xfrm>
+              <a:prstGeom prst="rect">
+                <a:avLst/>
+              </a:prstGeom>
+              <a:blipFill>
+                <a:blip r:embed="rId3"/>
+                <a:stretch>
+                  <a:fillRect/>
+                </a:stretch>
+              </a:blipFill>
+            </p:spPr>
+            <p:txBody>
+              <a:bodyPr/>
+              <a:lstStyle/>
+              <a:p>
+                <a:r>
+                  <a:rPr lang="ko-KR" altLang="en-US">
+                    <a:noFill/>
+                  </a:rPr>
+                  <a:t> </a:t>
+                </a:r>
+              </a:p>
+            </p:txBody>
+          </p:sp>
+        </mc:Fallback>
+      </mc:AlternateContent>
+      <mc:AlternateContent xmlns:mc="http://schemas.openxmlformats.org/markup-compatibility/2006">
+        <mc:Choice xmlns:a14="http://schemas.microsoft.com/office/drawing/2010/main" Requires="a14">
+          <p:sp>
+            <p:nvSpPr>
+              <p:cNvPr id="14" name="TextBox 13">
+                <a:extLst>
+                  <a:ext uri="{FF2B5EF4-FFF2-40B4-BE49-F238E27FC236}">
+                    <a16:creationId xmlns:a16="http://schemas.microsoft.com/office/drawing/2014/main" id="{42C2F4F0-A4A9-4C9D-A89A-1122415140DA}"/>
+                  </a:ext>
+                </a:extLst>
+              </p:cNvPr>
+              <p:cNvSpPr txBox="1"/>
+              <p:nvPr/>
+            </p:nvSpPr>
+            <p:spPr>
+              <a:xfrm>
+                <a:off x="6666911" y="2111422"/>
+                <a:ext cx="740331" cy="584775"/>
+              </a:xfrm>
+              <a:prstGeom prst="rect">
+                <a:avLst/>
+              </a:prstGeom>
+              <a:noFill/>
+            </p:spPr>
+            <p:txBody>
+              <a:bodyPr wrap="none" rtlCol="0">
+                <a:spAutoFit/>
+              </a:bodyPr>
+              <a:lstStyle/>
+              <a:p>
+                <a:pPr/>
+                <a14:m>
+                  <m:oMathPara xmlns:m="http://schemas.openxmlformats.org/officeDocument/2006/math">
+                    <m:oMathParaPr>
+                      <m:jc m:val="center"/>
+                    </m:oMathParaPr>
+                    <m:oMath xmlns:m="http://schemas.openxmlformats.org/officeDocument/2006/math">
+                      <m:sSub>
+                        <m:sSubPr>
+                          <m:ctrlPr>
+                            <a:rPr lang="en-US" altLang="ko-KR" sz="3200" b="0" i="1" smtClean="0">
+                              <a:ln>
+                                <a:noFill/>
+                              </a:ln>
+                              <a:solidFill>
+                                <a:srgbClr val="FFFF00"/>
+                              </a:solidFill>
+                              <a:latin typeface="Cambria Math" panose="02040503050406030204" pitchFamily="18" charset="0"/>
+                            </a:rPr>
+                          </m:ctrlPr>
+                        </m:sSubPr>
+                        <m:e>
+                          <m:r>
+                            <a:rPr lang="en-US" altLang="ko-KR" sz="3200" b="0" i="1" smtClean="0">
+                              <a:ln>
+                                <a:noFill/>
+                              </a:ln>
+                              <a:solidFill>
+                                <a:srgbClr val="FFFF00"/>
+                              </a:solidFill>
+                              <a:latin typeface="Cambria Math" panose="02040503050406030204" pitchFamily="18" charset="0"/>
+                            </a:rPr>
+                            <m:t>𝐶</m:t>
+                          </m:r>
+                        </m:e>
+                        <m:sub>
+                          <m:r>
+                            <a:rPr lang="en-US" altLang="ko-KR" sz="3200" b="0" i="1" smtClean="0">
+                              <a:ln>
+                                <a:noFill/>
+                              </a:ln>
+                              <a:solidFill>
+                                <a:srgbClr val="FFFF00"/>
+                              </a:solidFill>
+                              <a:latin typeface="Cambria Math" panose="02040503050406030204" pitchFamily="18" charset="0"/>
+                            </a:rPr>
+                            <m:t>2</m:t>
+                          </m:r>
+                        </m:sub>
+                      </m:sSub>
+                    </m:oMath>
+                  </m:oMathPara>
+                </a14:m>
+                <a:endParaRPr lang="ko-KR" altLang="en-US" sz="3200" dirty="0">
+                  <a:ln>
+                    <a:noFill/>
+                  </a:ln>
+                  <a:solidFill>
+                    <a:srgbClr val="FFFF00"/>
+                  </a:solidFill>
+                </a:endParaRPr>
+              </a:p>
+            </p:txBody>
+          </p:sp>
+        </mc:Choice>
+        <mc:Fallback>
+          <p:sp>
+            <p:nvSpPr>
+              <p:cNvPr id="14" name="TextBox 13">
+                <a:extLst>
+                  <a:ext uri="{FF2B5EF4-FFF2-40B4-BE49-F238E27FC236}">
+                    <a16:creationId xmlns:a16="http://schemas.microsoft.com/office/drawing/2014/main" id="{42C2F4F0-A4A9-4C9D-A89A-1122415140DA}"/>
+                  </a:ext>
+                </a:extLst>
+              </p:cNvPr>
+              <p:cNvSpPr txBox="1">
+                <a:spLocks noRot="1" noChangeAspect="1" noMove="1" noResize="1" noEditPoints="1" noAdjustHandles="1" noChangeArrowheads="1" noChangeShapeType="1" noTextEdit="1"/>
+              </p:cNvSpPr>
+              <p:nvPr/>
+            </p:nvSpPr>
+            <p:spPr>
+              <a:xfrm>
+                <a:off x="6666911" y="2111422"/>
+                <a:ext cx="740331" cy="584775"/>
+              </a:xfrm>
+              <a:prstGeom prst="rect">
+                <a:avLst/>
+              </a:prstGeom>
+              <a:blipFill>
+                <a:blip r:embed="rId4"/>
+                <a:stretch>
+                  <a:fillRect/>
+                </a:stretch>
+              </a:blipFill>
+            </p:spPr>
+            <p:txBody>
+              <a:bodyPr/>
+              <a:lstStyle/>
+              <a:p>
+                <a:r>
+                  <a:rPr lang="ko-KR" altLang="en-US">
+                    <a:noFill/>
+                  </a:rPr>
+                  <a:t> </a:t>
+                </a:r>
+              </a:p>
+            </p:txBody>
+          </p:sp>
+        </mc:Fallback>
+      </mc:AlternateContent>
+      <mc:AlternateContent xmlns:mc="http://schemas.openxmlformats.org/markup-compatibility/2006">
+        <mc:Choice xmlns:a14="http://schemas.microsoft.com/office/drawing/2010/main" Requires="a14">
+          <p:sp>
+            <p:nvSpPr>
+              <p:cNvPr id="15" name="TextBox 14">
+                <a:extLst>
+                  <a:ext uri="{FF2B5EF4-FFF2-40B4-BE49-F238E27FC236}">
+                    <a16:creationId xmlns:a16="http://schemas.microsoft.com/office/drawing/2014/main" id="{5BE00EDD-09D9-4282-BAD8-0B146302CD97}"/>
+                  </a:ext>
+                </a:extLst>
+              </p:cNvPr>
+              <p:cNvSpPr txBox="1"/>
+              <p:nvPr/>
+            </p:nvSpPr>
+            <p:spPr>
+              <a:xfrm>
+                <a:off x="5147035" y="3723406"/>
+                <a:ext cx="740331" cy="584775"/>
+              </a:xfrm>
+              <a:prstGeom prst="rect">
+                <a:avLst/>
+              </a:prstGeom>
+              <a:noFill/>
+            </p:spPr>
+            <p:txBody>
+              <a:bodyPr wrap="none" rtlCol="0">
+                <a:spAutoFit/>
+              </a:bodyPr>
+              <a:lstStyle/>
+              <a:p>
+                <a:pPr/>
+                <a14:m>
+                  <m:oMathPara xmlns:m="http://schemas.openxmlformats.org/officeDocument/2006/math">
+                    <m:oMathParaPr>
+                      <m:jc m:val="center"/>
+                    </m:oMathParaPr>
+                    <m:oMath xmlns:m="http://schemas.openxmlformats.org/officeDocument/2006/math">
+                      <m:sSub>
+                        <m:sSubPr>
+                          <m:ctrlPr>
+                            <a:rPr lang="en-US" altLang="ko-KR" sz="3200" b="0" i="1" smtClean="0">
+                              <a:solidFill>
+                                <a:schemeClr val="accent1"/>
+                              </a:solidFill>
+                              <a:latin typeface="Cambria Math" panose="02040503050406030204" pitchFamily="18" charset="0"/>
+                            </a:rPr>
+                          </m:ctrlPr>
+                        </m:sSubPr>
+                        <m:e>
+                          <m:r>
+                            <a:rPr lang="en-US" altLang="ko-KR" sz="3200" b="0" i="1" smtClean="0">
+                              <a:solidFill>
+                                <a:schemeClr val="accent1"/>
+                              </a:solidFill>
+                              <a:latin typeface="Cambria Math" panose="02040503050406030204" pitchFamily="18" charset="0"/>
+                            </a:rPr>
+                            <m:t>𝐶</m:t>
+                          </m:r>
+                        </m:e>
+                        <m:sub>
+                          <m:r>
+                            <a:rPr lang="en-US" altLang="ko-KR" sz="3200" b="0" i="1" smtClean="0">
+                              <a:solidFill>
+                                <a:schemeClr val="accent1"/>
+                              </a:solidFill>
+                              <a:latin typeface="Cambria Math" panose="02040503050406030204" pitchFamily="18" charset="0"/>
+                            </a:rPr>
+                            <m:t>3</m:t>
+                          </m:r>
+                        </m:sub>
+                      </m:sSub>
+                    </m:oMath>
+                  </m:oMathPara>
+                </a14:m>
+                <a:endParaRPr lang="ko-KR" altLang="en-US" sz="3200" dirty="0">
+                  <a:solidFill>
+                    <a:schemeClr val="accent1"/>
+                  </a:solidFill>
+                </a:endParaRPr>
+              </a:p>
+            </p:txBody>
+          </p:sp>
+        </mc:Choice>
+        <mc:Fallback>
+          <p:sp>
+            <p:nvSpPr>
+              <p:cNvPr id="15" name="TextBox 14">
+                <a:extLst>
+                  <a:ext uri="{FF2B5EF4-FFF2-40B4-BE49-F238E27FC236}">
+                    <a16:creationId xmlns:a16="http://schemas.microsoft.com/office/drawing/2014/main" id="{5BE00EDD-09D9-4282-BAD8-0B146302CD97}"/>
+                  </a:ext>
+                </a:extLst>
+              </p:cNvPr>
+              <p:cNvSpPr txBox="1">
+                <a:spLocks noRot="1" noChangeAspect="1" noMove="1" noResize="1" noEditPoints="1" noAdjustHandles="1" noChangeArrowheads="1" noChangeShapeType="1" noTextEdit="1"/>
+              </p:cNvSpPr>
+              <p:nvPr/>
+            </p:nvSpPr>
+            <p:spPr>
+              <a:xfrm>
+                <a:off x="5147035" y="3723406"/>
+                <a:ext cx="740331" cy="584775"/>
+              </a:xfrm>
+              <a:prstGeom prst="rect">
+                <a:avLst/>
+              </a:prstGeom>
+              <a:blipFill>
+                <a:blip r:embed="rId5"/>
+                <a:stretch>
+                  <a:fillRect/>
+                </a:stretch>
+              </a:blipFill>
+            </p:spPr>
+            <p:txBody>
+              <a:bodyPr/>
+              <a:lstStyle/>
+              <a:p>
+                <a:r>
+                  <a:rPr lang="ko-KR" altLang="en-US">
+                    <a:noFill/>
+                  </a:rPr>
+                  <a:t> </a:t>
+                </a:r>
+              </a:p>
+            </p:txBody>
+          </p:sp>
+        </mc:Fallback>
+      </mc:AlternateContent>
+      <p:sp>
+        <p:nvSpPr>
+          <p:cNvPr id="16" name="갈매기형 수장 9">
+            <a:extLst>
+              <a:ext uri="{FF2B5EF4-FFF2-40B4-BE49-F238E27FC236}">
+                <a16:creationId xmlns:a16="http://schemas.microsoft.com/office/drawing/2014/main" id="{007C3C95-D3C5-4349-B1D2-649B053720A1}"/>
+              </a:ext>
+            </a:extLst>
+          </p:cNvPr>
+          <p:cNvSpPr/>
+          <p:nvPr/>
+        </p:nvSpPr>
+        <p:spPr>
+          <a:xfrm rot="10800000">
+            <a:off x="4945161" y="3095993"/>
+            <a:ext cx="184558" cy="293614"/>
+          </a:xfrm>
+          <a:prstGeom prst="chevron">
+            <a:avLst/>
+          </a:prstGeom>
+          <a:solidFill>
+            <a:schemeClr val="accent1"/>
+          </a:solidFill>
+          <a:ln>
+            <a:noFill/>
+          </a:ln>
+        </p:spPr>
+        <p:style>
+          <a:lnRef idx="2">
+            <a:schemeClr val="accent1">
+              <a:shade val="50000"/>
+            </a:schemeClr>
+          </a:lnRef>
+          <a:fillRef idx="1">
+            <a:schemeClr val="accent1"/>
+          </a:fillRef>
+          <a:effectRef idx="0">
+            <a:schemeClr val="accent1"/>
+          </a:effectRef>
+          <a:fontRef idx="minor">
+            <a:schemeClr val="lt1"/>
+          </a:fontRef>
+        </p:style>
+        <p:txBody>
+          <a:bodyPr rtlCol="0" anchor="ctr"/>
+          <a:lstStyle/>
+          <a:p>
+            <a:pPr algn="ctr"/>
+            <a:endParaRPr lang="ko-KR" altLang="en-US">
+              <a:solidFill>
+                <a:schemeClr val="tx1"/>
+              </a:solidFill>
+            </a:endParaRPr>
+          </a:p>
+        </p:txBody>
+      </p:sp>
+      <p:sp>
+        <p:nvSpPr>
+          <p:cNvPr id="17" name="갈매기형 수장 9">
+            <a:extLst>
+              <a:ext uri="{FF2B5EF4-FFF2-40B4-BE49-F238E27FC236}">
+                <a16:creationId xmlns:a16="http://schemas.microsoft.com/office/drawing/2014/main" id="{333BEF14-13FB-4870-9D5B-938DF1FD01FE}"/>
+              </a:ext>
+            </a:extLst>
+          </p:cNvPr>
+          <p:cNvSpPr/>
+          <p:nvPr/>
+        </p:nvSpPr>
+        <p:spPr>
+          <a:xfrm rot="2929824">
+            <a:off x="4419743" y="4500587"/>
+            <a:ext cx="184558" cy="293614"/>
+          </a:xfrm>
+          <a:prstGeom prst="chevron">
+            <a:avLst/>
+          </a:prstGeom>
+          <a:solidFill>
+            <a:schemeClr val="accent1"/>
+          </a:solidFill>
+          <a:ln>
+            <a:noFill/>
+          </a:ln>
+        </p:spPr>
+        <p:style>
+          <a:lnRef idx="2">
+            <a:schemeClr val="accent1">
+              <a:shade val="50000"/>
+            </a:schemeClr>
+          </a:lnRef>
+          <a:fillRef idx="1">
+            <a:schemeClr val="accent1"/>
+          </a:fillRef>
+          <a:effectRef idx="0">
+            <a:schemeClr val="accent1"/>
+          </a:effectRef>
+          <a:fontRef idx="minor">
+            <a:schemeClr val="lt1"/>
+          </a:fontRef>
+        </p:style>
+        <p:txBody>
+          <a:bodyPr rtlCol="0" anchor="ctr"/>
+          <a:lstStyle/>
+          <a:p>
+            <a:pPr algn="ctr"/>
+            <a:endParaRPr lang="ko-KR" altLang="en-US">
+              <a:solidFill>
+                <a:schemeClr val="tx1"/>
+              </a:solidFill>
+            </a:endParaRPr>
+          </a:p>
+        </p:txBody>
+      </p:sp>
+      <p:sp>
+        <p:nvSpPr>
+          <p:cNvPr id="18" name="갈매기형 수장 9">
+            <a:extLst>
+              <a:ext uri="{FF2B5EF4-FFF2-40B4-BE49-F238E27FC236}">
+                <a16:creationId xmlns:a16="http://schemas.microsoft.com/office/drawing/2014/main" id="{FDE95B25-92D4-4735-A983-2E0D8B01D9D1}"/>
+              </a:ext>
+            </a:extLst>
+          </p:cNvPr>
+          <p:cNvSpPr/>
+          <p:nvPr/>
+        </p:nvSpPr>
+        <p:spPr>
+          <a:xfrm rot="16200000">
+            <a:off x="6178809" y="3798163"/>
+            <a:ext cx="184558" cy="293614"/>
+          </a:xfrm>
+          <a:prstGeom prst="chevron">
+            <a:avLst/>
+          </a:prstGeom>
+          <a:solidFill>
+            <a:schemeClr val="accent1"/>
+          </a:solidFill>
+          <a:ln>
+            <a:noFill/>
+          </a:ln>
+        </p:spPr>
+        <p:style>
+          <a:lnRef idx="2">
+            <a:schemeClr val="accent1">
+              <a:shade val="50000"/>
+            </a:schemeClr>
+          </a:lnRef>
+          <a:fillRef idx="1">
+            <a:schemeClr val="accent1"/>
+          </a:fillRef>
+          <a:effectRef idx="0">
+            <a:schemeClr val="accent1"/>
+          </a:effectRef>
+          <a:fontRef idx="minor">
+            <a:schemeClr val="lt1"/>
+          </a:fontRef>
+        </p:style>
+        <p:txBody>
+          <a:bodyPr rtlCol="0" anchor="ctr"/>
+          <a:lstStyle/>
+          <a:p>
+            <a:pPr algn="ctr"/>
+            <a:endParaRPr lang="ko-KR" altLang="en-US">
+              <a:solidFill>
+                <a:schemeClr val="tx1"/>
+              </a:solidFill>
+            </a:endParaRPr>
+          </a:p>
+        </p:txBody>
+      </p:sp>
+      <mc:AlternateContent xmlns:mc="http://schemas.openxmlformats.org/markup-compatibility/2006">
+        <mc:Choice xmlns:a14="http://schemas.microsoft.com/office/drawing/2010/main" Requires="a14">
+          <p:sp>
+            <p:nvSpPr>
+              <p:cNvPr id="19" name="TextBox 18">
+                <a:extLst>
+                  <a:ext uri="{FF2B5EF4-FFF2-40B4-BE49-F238E27FC236}">
+                    <a16:creationId xmlns:a16="http://schemas.microsoft.com/office/drawing/2014/main" id="{9BEC5DAB-472A-4B26-8278-C98D4039BB63}"/>
+                  </a:ext>
+                </a:extLst>
+              </p:cNvPr>
+              <p:cNvSpPr txBox="1"/>
+              <p:nvPr/>
+            </p:nvSpPr>
+            <p:spPr>
+              <a:xfrm>
+                <a:off x="6704619" y="3723406"/>
+                <a:ext cx="740331" cy="584775"/>
+              </a:xfrm>
+              <a:prstGeom prst="rect">
+                <a:avLst/>
+              </a:prstGeom>
+              <a:noFill/>
+            </p:spPr>
+            <p:txBody>
+              <a:bodyPr wrap="none" rtlCol="0">
+                <a:spAutoFit/>
+              </a:bodyPr>
+              <a:lstStyle/>
+              <a:p>
+                <a:pPr/>
+                <a14:m>
+                  <m:oMathPara xmlns:m="http://schemas.openxmlformats.org/officeDocument/2006/math">
+                    <m:oMathParaPr>
+                      <m:jc m:val="center"/>
+                    </m:oMathParaPr>
+                    <m:oMath xmlns:m="http://schemas.openxmlformats.org/officeDocument/2006/math">
+                      <m:sSub>
+                        <m:sSubPr>
+                          <m:ctrlPr>
+                            <a:rPr lang="en-US" altLang="ko-KR" sz="3200" b="0" i="1" smtClean="0">
+                              <a:solidFill>
+                                <a:srgbClr val="60EE60"/>
+                              </a:solidFill>
+                              <a:latin typeface="Cambria Math" panose="02040503050406030204" pitchFamily="18" charset="0"/>
+                            </a:rPr>
+                          </m:ctrlPr>
+                        </m:sSubPr>
+                        <m:e>
+                          <m:r>
+                            <a:rPr lang="en-US" altLang="ko-KR" sz="3200" b="0" i="1" smtClean="0">
+                              <a:solidFill>
+                                <a:srgbClr val="60EE60"/>
+                              </a:solidFill>
+                              <a:latin typeface="Cambria Math" panose="02040503050406030204" pitchFamily="18" charset="0"/>
+                            </a:rPr>
+                            <m:t>𝐶</m:t>
+                          </m:r>
+                        </m:e>
+                        <m:sub>
+                          <m:r>
+                            <a:rPr lang="en-US" altLang="ko-KR" sz="3200" b="0" i="1" smtClean="0">
+                              <a:solidFill>
+                                <a:srgbClr val="60EE60"/>
+                              </a:solidFill>
+                              <a:latin typeface="Cambria Math" panose="02040503050406030204" pitchFamily="18" charset="0"/>
+                            </a:rPr>
+                            <m:t>4</m:t>
+                          </m:r>
+                        </m:sub>
+                      </m:sSub>
+                    </m:oMath>
+                  </m:oMathPara>
+                </a14:m>
+                <a:endParaRPr lang="ko-KR" altLang="en-US" sz="3200" dirty="0">
+                  <a:solidFill>
+                    <a:srgbClr val="60EE60"/>
+                  </a:solidFill>
+                </a:endParaRPr>
+              </a:p>
+            </p:txBody>
+          </p:sp>
+        </mc:Choice>
+        <mc:Fallback>
+          <p:sp>
+            <p:nvSpPr>
+              <p:cNvPr id="19" name="TextBox 18">
+                <a:extLst>
+                  <a:ext uri="{FF2B5EF4-FFF2-40B4-BE49-F238E27FC236}">
+                    <a16:creationId xmlns:a16="http://schemas.microsoft.com/office/drawing/2014/main" id="{9BEC5DAB-472A-4B26-8278-C98D4039BB63}"/>
+                  </a:ext>
+                </a:extLst>
+              </p:cNvPr>
+              <p:cNvSpPr txBox="1">
+                <a:spLocks noRot="1" noChangeAspect="1" noMove="1" noResize="1" noEditPoints="1" noAdjustHandles="1" noChangeArrowheads="1" noChangeShapeType="1" noTextEdit="1"/>
+              </p:cNvSpPr>
+              <p:nvPr/>
+            </p:nvSpPr>
+            <p:spPr>
+              <a:xfrm>
+                <a:off x="6704619" y="3723406"/>
+                <a:ext cx="740331" cy="584775"/>
+              </a:xfrm>
+              <a:prstGeom prst="rect">
+                <a:avLst/>
+              </a:prstGeom>
+              <a:blipFill>
+                <a:blip r:embed="rId6"/>
+                <a:stretch>
+                  <a:fillRect/>
+                </a:stretch>
+              </a:blipFill>
+            </p:spPr>
+            <p:txBody>
+              <a:bodyPr/>
+              <a:lstStyle/>
+              <a:p>
+                <a:r>
+                  <a:rPr lang="ko-KR" altLang="en-US">
+                    <a:noFill/>
+                  </a:rPr>
+                  <a:t> </a:t>
+                </a:r>
+              </a:p>
+            </p:txBody>
+          </p:sp>
+        </mc:Fallback>
+      </mc:AlternateContent>
+      <p:sp>
+        <p:nvSpPr>
+          <p:cNvPr id="20" name="갈매기형 수장 9">
+            <a:extLst>
+              <a:ext uri="{FF2B5EF4-FFF2-40B4-BE49-F238E27FC236}">
+                <a16:creationId xmlns:a16="http://schemas.microsoft.com/office/drawing/2014/main" id="{79EDD4B8-8D96-42F4-A7A4-3FC0644CE17D}"/>
+              </a:ext>
+            </a:extLst>
+          </p:cNvPr>
+          <p:cNvSpPr/>
+          <p:nvPr/>
+        </p:nvSpPr>
+        <p:spPr>
+          <a:xfrm rot="5400000">
+            <a:off x="6180336" y="4122824"/>
+            <a:ext cx="184558" cy="293614"/>
+          </a:xfrm>
+          <a:prstGeom prst="chevron">
+            <a:avLst/>
+          </a:prstGeom>
+          <a:solidFill>
+            <a:srgbClr val="60EE60"/>
+          </a:solidFill>
+          <a:ln>
+            <a:noFill/>
+          </a:ln>
+        </p:spPr>
+        <p:style>
+          <a:lnRef idx="2">
+            <a:schemeClr val="accent1">
+              <a:shade val="50000"/>
+            </a:schemeClr>
+          </a:lnRef>
+          <a:fillRef idx="1">
+            <a:schemeClr val="accent1"/>
+          </a:fillRef>
+          <a:effectRef idx="0">
+            <a:schemeClr val="accent1"/>
+          </a:effectRef>
+          <a:fontRef idx="minor">
+            <a:schemeClr val="lt1"/>
+          </a:fontRef>
+        </p:style>
+        <p:txBody>
+          <a:bodyPr rtlCol="0" anchor="ctr"/>
+          <a:lstStyle/>
+          <a:p>
+            <a:pPr algn="ctr"/>
+            <a:endParaRPr lang="ko-KR" altLang="en-US">
+              <a:solidFill>
+                <a:schemeClr val="tx1"/>
+              </a:solidFill>
+            </a:endParaRPr>
+          </a:p>
+        </p:txBody>
+      </p:sp>
+      <p:sp>
+        <p:nvSpPr>
+          <p:cNvPr id="21" name="갈매기형 수장 9">
+            <a:extLst>
+              <a:ext uri="{FF2B5EF4-FFF2-40B4-BE49-F238E27FC236}">
+                <a16:creationId xmlns:a16="http://schemas.microsoft.com/office/drawing/2014/main" id="{FC2E508E-DB86-46C4-814D-E35A39FE9D18}"/>
+              </a:ext>
+            </a:extLst>
+          </p:cNvPr>
+          <p:cNvSpPr/>
+          <p:nvPr/>
+        </p:nvSpPr>
+        <p:spPr>
+          <a:xfrm rot="18790313">
+            <a:off x="7868396" y="4592866"/>
+            <a:ext cx="184558" cy="293614"/>
+          </a:xfrm>
+          <a:prstGeom prst="chevron">
+            <a:avLst/>
+          </a:prstGeom>
+          <a:solidFill>
+            <a:srgbClr val="60EE60"/>
+          </a:solidFill>
+          <a:ln>
+            <a:noFill/>
+          </a:ln>
+        </p:spPr>
+        <p:style>
+          <a:lnRef idx="2">
+            <a:schemeClr val="accent1">
+              <a:shade val="50000"/>
+            </a:schemeClr>
+          </a:lnRef>
+          <a:fillRef idx="1">
+            <a:schemeClr val="accent1"/>
+          </a:fillRef>
+          <a:effectRef idx="0">
+            <a:schemeClr val="accent1"/>
+          </a:effectRef>
+          <a:fontRef idx="minor">
+            <a:schemeClr val="lt1"/>
+          </a:fontRef>
+        </p:style>
+        <p:txBody>
+          <a:bodyPr rtlCol="0" anchor="ctr"/>
+          <a:lstStyle/>
+          <a:p>
+            <a:pPr algn="ctr"/>
+            <a:endParaRPr lang="ko-KR" altLang="en-US">
+              <a:solidFill>
+                <a:schemeClr val="tx1"/>
+              </a:solidFill>
+            </a:endParaRPr>
+          </a:p>
+        </p:txBody>
+      </p:sp>
+      <p:sp>
+        <p:nvSpPr>
+          <p:cNvPr id="22" name="갈매기형 수장 9">
+            <a:extLst>
+              <a:ext uri="{FF2B5EF4-FFF2-40B4-BE49-F238E27FC236}">
+                <a16:creationId xmlns:a16="http://schemas.microsoft.com/office/drawing/2014/main" id="{95C18913-FB09-43C8-A280-6B3DA48B35F0}"/>
+              </a:ext>
+            </a:extLst>
+          </p:cNvPr>
+          <p:cNvSpPr/>
+          <p:nvPr/>
+        </p:nvSpPr>
+        <p:spPr>
+          <a:xfrm rot="10800000">
+            <a:off x="7025694" y="3079866"/>
+            <a:ext cx="184558" cy="293614"/>
+          </a:xfrm>
+          <a:prstGeom prst="chevron">
+            <a:avLst/>
+          </a:prstGeom>
+          <a:solidFill>
+            <a:srgbClr val="60EE60"/>
+          </a:solidFill>
+          <a:ln>
+            <a:noFill/>
+          </a:ln>
+        </p:spPr>
+        <p:style>
+          <a:lnRef idx="2">
+            <a:schemeClr val="accent1">
+              <a:shade val="50000"/>
+            </a:schemeClr>
+          </a:lnRef>
+          <a:fillRef idx="1">
+            <a:schemeClr val="accent1"/>
+          </a:fillRef>
+          <a:effectRef idx="0">
+            <a:schemeClr val="accent1"/>
+          </a:effectRef>
+          <a:fontRef idx="minor">
+            <a:schemeClr val="lt1"/>
+          </a:fontRef>
+        </p:style>
+        <p:txBody>
+          <a:bodyPr rtlCol="0" anchor="ctr"/>
+          <a:lstStyle/>
+          <a:p>
+            <a:pPr algn="ctr"/>
+            <a:endParaRPr lang="ko-KR" altLang="en-US">
+              <a:solidFill>
+                <a:schemeClr val="tx1"/>
+              </a:solidFill>
+            </a:endParaRPr>
+          </a:p>
+        </p:txBody>
+      </p:sp>
+    </p:spTree>
+    <p:extLst>
+      <p:ext uri="{BB962C8B-B14F-4D97-AF65-F5344CB8AC3E}">
+        <p14:creationId xmlns:p14="http://schemas.microsoft.com/office/powerpoint/2010/main" val="3449350845"/>
       </p:ext>
     </p:extLst>
   </p:cSld>

--- a/pics/2020-08-22-stokes_theorem/pics.pptx
+++ b/pics/2020-08-22-stokes_theorem/pics.pptx
@@ -7,6 +7,7 @@
   <p:sldIdLst>
     <p:sldId id="256" r:id="rId2"/>
     <p:sldId id="257" r:id="rId3"/>
+    <p:sldId id="258" r:id="rId4"/>
   </p:sldIdLst>
   <p:sldSz cx="12192000" cy="6858000"/>
   <p:notesSz cx="6858000" cy="9144000"/>
@@ -105,6 +106,11 @@
       </a:defRPr>
     </a:lvl9pPr>
   </p:defaultTextStyle>
+  <p:extLst>
+    <p:ext uri="{EFAFB233-063F-42B5-8137-9DF3F51BA10A}">
+      <p15:sldGuideLst xmlns:p15="http://schemas.microsoft.com/office/powerpoint/2012/main"/>
+    </p:ext>
+  </p:extLst>
 </p:presentation>
 </file>
 
@@ -3693,8 +3699,8 @@
           </a:p>
         </p:txBody>
       </p:sp>
-      <mc:AlternateContent xmlns:mc="http://schemas.openxmlformats.org/markup-compatibility/2006">
-        <mc:Choice xmlns:a14="http://schemas.microsoft.com/office/drawing/2010/main" Requires="a14">
+      <mc:AlternateContent xmlns:mc="http://schemas.openxmlformats.org/markup-compatibility/2006" xmlns:a14="http://schemas.microsoft.com/office/drawing/2010/main">
+        <mc:Choice Requires="a14">
           <p:sp>
             <p:nvSpPr>
               <p:cNvPr id="14" name="TextBox 13">
@@ -3776,7 +3782,7 @@
             </p:txBody>
           </p:sp>
         </mc:Choice>
-        <mc:Fallback>
+        <mc:Fallback xmlns="">
           <p:sp>
             <p:nvSpPr>
               <p:cNvPr id="14" name="TextBox 13">
@@ -3821,8 +3827,8 @@
           </p:sp>
         </mc:Fallback>
       </mc:AlternateContent>
-      <mc:AlternateContent xmlns:mc="http://schemas.openxmlformats.org/markup-compatibility/2006">
-        <mc:Choice xmlns:a14="http://schemas.microsoft.com/office/drawing/2010/main" Requires="a14">
+      <mc:AlternateContent xmlns:mc="http://schemas.openxmlformats.org/markup-compatibility/2006" xmlns:a14="http://schemas.microsoft.com/office/drawing/2010/main">
+        <mc:Choice Requires="a14">
           <p:sp>
             <p:nvSpPr>
               <p:cNvPr id="15" name="TextBox 14">
@@ -3916,7 +3922,7 @@
             </p:txBody>
           </p:sp>
         </mc:Choice>
-        <mc:Fallback>
+        <mc:Fallback xmlns="">
           <p:sp>
             <p:nvSpPr>
               <p:cNvPr id="15" name="TextBox 14">
@@ -4362,8 +4368,8 @@
           </a:p>
         </p:txBody>
       </p:sp>
-      <mc:AlternateContent xmlns:mc="http://schemas.openxmlformats.org/markup-compatibility/2006">
-        <mc:Choice xmlns:a14="http://schemas.microsoft.com/office/drawing/2010/main" Requires="a14">
+      <mc:AlternateContent xmlns:mc="http://schemas.openxmlformats.org/markup-compatibility/2006" xmlns:a14="http://schemas.microsoft.com/office/drawing/2010/main">
+        <mc:Choice Requires="a14">
           <p:sp>
             <p:nvSpPr>
               <p:cNvPr id="13" name="TextBox 12">
@@ -4445,7 +4451,7 @@
             </p:txBody>
           </p:sp>
         </mc:Choice>
-        <mc:Fallback>
+        <mc:Fallback xmlns="">
           <p:sp>
             <p:nvSpPr>
               <p:cNvPr id="13" name="TextBox 12">
@@ -4490,8 +4496,8 @@
           </p:sp>
         </mc:Fallback>
       </mc:AlternateContent>
-      <mc:AlternateContent xmlns:mc="http://schemas.openxmlformats.org/markup-compatibility/2006">
-        <mc:Choice xmlns:a14="http://schemas.microsoft.com/office/drawing/2010/main" Requires="a14">
+      <mc:AlternateContent xmlns:mc="http://schemas.openxmlformats.org/markup-compatibility/2006" xmlns:a14="http://schemas.microsoft.com/office/drawing/2010/main">
+        <mc:Choice Requires="a14">
           <p:sp>
             <p:nvSpPr>
               <p:cNvPr id="14" name="TextBox 13">
@@ -4585,7 +4591,7 @@
             </p:txBody>
           </p:sp>
         </mc:Choice>
-        <mc:Fallback>
+        <mc:Fallback xmlns="">
           <p:sp>
             <p:nvSpPr>
               <p:cNvPr id="14" name="TextBox 13">
@@ -4630,8 +4636,8 @@
           </p:sp>
         </mc:Fallback>
       </mc:AlternateContent>
-      <mc:AlternateContent xmlns:mc="http://schemas.openxmlformats.org/markup-compatibility/2006">
-        <mc:Choice xmlns:a14="http://schemas.microsoft.com/office/drawing/2010/main" Requires="a14">
+      <mc:AlternateContent xmlns:mc="http://schemas.openxmlformats.org/markup-compatibility/2006" xmlns:a14="http://schemas.microsoft.com/office/drawing/2010/main">
+        <mc:Choice Requires="a14">
           <p:sp>
             <p:nvSpPr>
               <p:cNvPr id="15" name="TextBox 14">
@@ -4713,7 +4719,7 @@
             </p:txBody>
           </p:sp>
         </mc:Choice>
-        <mc:Fallback>
+        <mc:Fallback xmlns="">
           <p:sp>
             <p:nvSpPr>
               <p:cNvPr id="15" name="TextBox 14">
@@ -4926,8 +4932,8 @@
           </a:p>
         </p:txBody>
       </p:sp>
-      <mc:AlternateContent xmlns:mc="http://schemas.openxmlformats.org/markup-compatibility/2006">
-        <mc:Choice xmlns:a14="http://schemas.microsoft.com/office/drawing/2010/main" Requires="a14">
+      <mc:AlternateContent xmlns:mc="http://schemas.openxmlformats.org/markup-compatibility/2006" xmlns:a14="http://schemas.microsoft.com/office/drawing/2010/main">
+        <mc:Choice Requires="a14">
           <p:sp>
             <p:nvSpPr>
               <p:cNvPr id="19" name="TextBox 18">
@@ -5009,7 +5015,7 @@
             </p:txBody>
           </p:sp>
         </mc:Choice>
-        <mc:Fallback>
+        <mc:Fallback xmlns="">
           <p:sp>
             <p:nvSpPr>
               <p:cNvPr id="19" name="TextBox 18">
@@ -5226,6 +5232,625 @@
     <p:extLst>
       <p:ext uri="{BB962C8B-B14F-4D97-AF65-F5344CB8AC3E}">
         <p14:creationId xmlns:p14="http://schemas.microsoft.com/office/powerpoint/2010/main" val="3449350845"/>
+      </p:ext>
+    </p:extLst>
+  </p:cSld>
+  <p:clrMapOvr>
+    <a:masterClrMapping/>
+  </p:clrMapOvr>
+</p:sld>
+</file>
+
+<file path=ppt/slides/slide3.xml><?xml version="1.0" encoding="utf-8"?>
+<p:sld xmlns:a="http://schemas.openxmlformats.org/drawingml/2006/main" xmlns:r="http://schemas.openxmlformats.org/officeDocument/2006/relationships" xmlns:p="http://schemas.openxmlformats.org/presentationml/2006/main">
+  <p:cSld>
+    <p:spTree>
+      <p:nvGrpSpPr>
+        <p:cNvPr id="1" name=""/>
+        <p:cNvGrpSpPr/>
+        <p:nvPr/>
+      </p:nvGrpSpPr>
+      <p:grpSpPr>
+        <a:xfrm>
+          <a:off x="0" y="0"/>
+          <a:ext cx="0" cy="0"/>
+          <a:chOff x="0" y="0"/>
+          <a:chExt cx="0" cy="0"/>
+        </a:xfrm>
+      </p:grpSpPr>
+      <p:grpSp>
+        <p:nvGrpSpPr>
+          <p:cNvPr id="22" name="그룹 21">
+            <a:extLst>
+              <a:ext uri="{FF2B5EF4-FFF2-40B4-BE49-F238E27FC236}">
+                <a16:creationId xmlns:a16="http://schemas.microsoft.com/office/drawing/2014/main" id="{54795F57-D34A-4B58-8E5A-0E834D2A72CF}"/>
+              </a:ext>
+            </a:extLst>
+          </p:cNvPr>
+          <p:cNvGrpSpPr/>
+          <p:nvPr/>
+        </p:nvGrpSpPr>
+        <p:grpSpPr>
+          <a:xfrm>
+            <a:off x="3973326" y="2549873"/>
+            <a:ext cx="4245348" cy="1758254"/>
+            <a:chOff x="3046704" y="2121679"/>
+            <a:chExt cx="4245348" cy="1758254"/>
+          </a:xfrm>
+        </p:grpSpPr>
+        <p:sp>
+          <p:nvSpPr>
+            <p:cNvPr id="4" name="직사각형 17">
+              <a:extLst>
+                <a:ext uri="{FF2B5EF4-FFF2-40B4-BE49-F238E27FC236}">
+                  <a16:creationId xmlns:a16="http://schemas.microsoft.com/office/drawing/2014/main" id="{56AC6639-3A23-4654-879D-A450DF8CA63C}"/>
+                </a:ext>
+              </a:extLst>
+            </p:cNvPr>
+            <p:cNvSpPr/>
+            <p:nvPr/>
+          </p:nvSpPr>
+          <p:spPr>
+            <a:xfrm>
+              <a:off x="3046704" y="2268486"/>
+              <a:ext cx="4245348" cy="1464640"/>
+            </a:xfrm>
+            <a:custGeom>
+              <a:avLst/>
+              <a:gdLst>
+                <a:gd name="connsiteX0" fmla="*/ 0 w 3661492"/>
+                <a:gd name="connsiteY0" fmla="*/ 0 h 1467397"/>
+                <a:gd name="connsiteX1" fmla="*/ 3661492 w 3661492"/>
+                <a:gd name="connsiteY1" fmla="*/ 0 h 1467397"/>
+                <a:gd name="connsiteX2" fmla="*/ 3661492 w 3661492"/>
+                <a:gd name="connsiteY2" fmla="*/ 1467397 h 1467397"/>
+                <a:gd name="connsiteX3" fmla="*/ 0 w 3661492"/>
+                <a:gd name="connsiteY3" fmla="*/ 1467397 h 1467397"/>
+                <a:gd name="connsiteX4" fmla="*/ 0 w 3661492"/>
+                <a:gd name="connsiteY4" fmla="*/ 0 h 1467397"/>
+                <a:gd name="connsiteX0" fmla="*/ 729575 w 3661492"/>
+                <a:gd name="connsiteY0" fmla="*/ 19455 h 1467397"/>
+                <a:gd name="connsiteX1" fmla="*/ 3661492 w 3661492"/>
+                <a:gd name="connsiteY1" fmla="*/ 0 h 1467397"/>
+                <a:gd name="connsiteX2" fmla="*/ 3661492 w 3661492"/>
+                <a:gd name="connsiteY2" fmla="*/ 1467397 h 1467397"/>
+                <a:gd name="connsiteX3" fmla="*/ 0 w 3661492"/>
+                <a:gd name="connsiteY3" fmla="*/ 1467397 h 1467397"/>
+                <a:gd name="connsiteX4" fmla="*/ 729575 w 3661492"/>
+                <a:gd name="connsiteY4" fmla="*/ 19455 h 1467397"/>
+                <a:gd name="connsiteX0" fmla="*/ 729575 w 4284062"/>
+                <a:gd name="connsiteY0" fmla="*/ 0 h 1447942"/>
+                <a:gd name="connsiteX1" fmla="*/ 4284062 w 4284062"/>
+                <a:gd name="connsiteY1" fmla="*/ 1 h 1447942"/>
+                <a:gd name="connsiteX2" fmla="*/ 3661492 w 4284062"/>
+                <a:gd name="connsiteY2" fmla="*/ 1447942 h 1447942"/>
+                <a:gd name="connsiteX3" fmla="*/ 0 w 4284062"/>
+                <a:gd name="connsiteY3" fmla="*/ 1447942 h 1447942"/>
+                <a:gd name="connsiteX4" fmla="*/ 729575 w 4284062"/>
+                <a:gd name="connsiteY4" fmla="*/ 0 h 1447942"/>
+                <a:gd name="connsiteX0" fmla="*/ 1176272 w 4284062"/>
+                <a:gd name="connsiteY0" fmla="*/ 12072 h 1447941"/>
+                <a:gd name="connsiteX1" fmla="*/ 4284062 w 4284062"/>
+                <a:gd name="connsiteY1" fmla="*/ 0 h 1447941"/>
+                <a:gd name="connsiteX2" fmla="*/ 3661492 w 4284062"/>
+                <a:gd name="connsiteY2" fmla="*/ 1447941 h 1447941"/>
+                <a:gd name="connsiteX3" fmla="*/ 0 w 4284062"/>
+                <a:gd name="connsiteY3" fmla="*/ 1447941 h 1447941"/>
+                <a:gd name="connsiteX4" fmla="*/ 1176272 w 4284062"/>
+                <a:gd name="connsiteY4" fmla="*/ 12072 h 1447941"/>
+                <a:gd name="connsiteX0" fmla="*/ 1176272 w 4416865"/>
+                <a:gd name="connsiteY0" fmla="*/ 0 h 1435869"/>
+                <a:gd name="connsiteX1" fmla="*/ 4416865 w 4416865"/>
+                <a:gd name="connsiteY1" fmla="*/ 1 h 1435869"/>
+                <a:gd name="connsiteX2" fmla="*/ 3661492 w 4416865"/>
+                <a:gd name="connsiteY2" fmla="*/ 1435869 h 1435869"/>
+                <a:gd name="connsiteX3" fmla="*/ 0 w 4416865"/>
+                <a:gd name="connsiteY3" fmla="*/ 1435869 h 1435869"/>
+                <a:gd name="connsiteX4" fmla="*/ 1176272 w 4416865"/>
+                <a:gd name="connsiteY4" fmla="*/ 0 h 1435869"/>
+                <a:gd name="connsiteX0" fmla="*/ 1176272 w 4634178"/>
+                <a:gd name="connsiteY0" fmla="*/ 0 h 1435869"/>
+                <a:gd name="connsiteX1" fmla="*/ 4634178 w 4634178"/>
+                <a:gd name="connsiteY1" fmla="*/ 12075 h 1435869"/>
+                <a:gd name="connsiteX2" fmla="*/ 3661492 w 4634178"/>
+                <a:gd name="connsiteY2" fmla="*/ 1435869 h 1435869"/>
+                <a:gd name="connsiteX3" fmla="*/ 0 w 4634178"/>
+                <a:gd name="connsiteY3" fmla="*/ 1435869 h 1435869"/>
+                <a:gd name="connsiteX4" fmla="*/ 1176272 w 4634178"/>
+                <a:gd name="connsiteY4" fmla="*/ 0 h 1435869"/>
+                <a:gd name="connsiteX0" fmla="*/ 1176272 w 4268503"/>
+                <a:gd name="connsiteY0" fmla="*/ 0 h 1435869"/>
+                <a:gd name="connsiteX1" fmla="*/ 4268503 w 4268503"/>
+                <a:gd name="connsiteY1" fmla="*/ 12075 h 1435869"/>
+                <a:gd name="connsiteX2" fmla="*/ 3661492 w 4268503"/>
+                <a:gd name="connsiteY2" fmla="*/ 1435869 h 1435869"/>
+                <a:gd name="connsiteX3" fmla="*/ 0 w 4268503"/>
+                <a:gd name="connsiteY3" fmla="*/ 1435869 h 1435869"/>
+                <a:gd name="connsiteX4" fmla="*/ 1176272 w 4268503"/>
+                <a:gd name="connsiteY4" fmla="*/ 0 h 1435869"/>
+                <a:gd name="connsiteX0" fmla="*/ 1176272 w 3902828"/>
+                <a:gd name="connsiteY0" fmla="*/ 0 h 1435869"/>
+                <a:gd name="connsiteX1" fmla="*/ 3902828 w 3902828"/>
+                <a:gd name="connsiteY1" fmla="*/ 12075 h 1435869"/>
+                <a:gd name="connsiteX2" fmla="*/ 3661492 w 3902828"/>
+                <a:gd name="connsiteY2" fmla="*/ 1435869 h 1435869"/>
+                <a:gd name="connsiteX3" fmla="*/ 0 w 3902828"/>
+                <a:gd name="connsiteY3" fmla="*/ 1435869 h 1435869"/>
+                <a:gd name="connsiteX4" fmla="*/ 1176272 w 3902828"/>
+                <a:gd name="connsiteY4" fmla="*/ 0 h 1435869"/>
+                <a:gd name="connsiteX0" fmla="*/ 1176272 w 3719990"/>
+                <a:gd name="connsiteY0" fmla="*/ 0 h 1435869"/>
+                <a:gd name="connsiteX1" fmla="*/ 3719990 w 3719990"/>
+                <a:gd name="connsiteY1" fmla="*/ 18379 h 1435869"/>
+                <a:gd name="connsiteX2" fmla="*/ 3661492 w 3719990"/>
+                <a:gd name="connsiteY2" fmla="*/ 1435869 h 1435869"/>
+                <a:gd name="connsiteX3" fmla="*/ 0 w 3719990"/>
+                <a:gd name="connsiteY3" fmla="*/ 1435869 h 1435869"/>
+                <a:gd name="connsiteX4" fmla="*/ 1176272 w 3719990"/>
+                <a:gd name="connsiteY4" fmla="*/ 0 h 1435869"/>
+                <a:gd name="connsiteX0" fmla="*/ 1176272 w 3719990"/>
+                <a:gd name="connsiteY0" fmla="*/ 0 h 1435869"/>
+                <a:gd name="connsiteX1" fmla="*/ 3719990 w 3719990"/>
+                <a:gd name="connsiteY1" fmla="*/ 18379 h 1435869"/>
+                <a:gd name="connsiteX2" fmla="*/ 2841875 w 3719990"/>
+                <a:gd name="connsiteY2" fmla="*/ 1435869 h 1435869"/>
+                <a:gd name="connsiteX3" fmla="*/ 0 w 3719990"/>
+                <a:gd name="connsiteY3" fmla="*/ 1435869 h 1435869"/>
+                <a:gd name="connsiteX4" fmla="*/ 1176272 w 3719990"/>
+                <a:gd name="connsiteY4" fmla="*/ 0 h 1435869"/>
+                <a:gd name="connsiteX0" fmla="*/ 1176272 w 3712424"/>
+                <a:gd name="connsiteY0" fmla="*/ 0 h 1435869"/>
+                <a:gd name="connsiteX1" fmla="*/ 3712424 w 3712424"/>
+                <a:gd name="connsiteY1" fmla="*/ 3248 h 1435869"/>
+                <a:gd name="connsiteX2" fmla="*/ 2841875 w 3712424"/>
+                <a:gd name="connsiteY2" fmla="*/ 1435869 h 1435869"/>
+                <a:gd name="connsiteX3" fmla="*/ 0 w 3712424"/>
+                <a:gd name="connsiteY3" fmla="*/ 1435869 h 1435869"/>
+                <a:gd name="connsiteX4" fmla="*/ 1176272 w 3712424"/>
+                <a:gd name="connsiteY4" fmla="*/ 0 h 1435869"/>
+                <a:gd name="connsiteX0" fmla="*/ 1176272 w 3894001"/>
+                <a:gd name="connsiteY0" fmla="*/ 34581 h 1470450"/>
+                <a:gd name="connsiteX1" fmla="*/ 3894001 w 3894001"/>
+                <a:gd name="connsiteY1" fmla="*/ 0 h 1470450"/>
+                <a:gd name="connsiteX2" fmla="*/ 2841875 w 3894001"/>
+                <a:gd name="connsiteY2" fmla="*/ 1470450 h 1470450"/>
+                <a:gd name="connsiteX3" fmla="*/ 0 w 3894001"/>
+                <a:gd name="connsiteY3" fmla="*/ 1470450 h 1470450"/>
+                <a:gd name="connsiteX4" fmla="*/ 1176272 w 3894001"/>
+                <a:gd name="connsiteY4" fmla="*/ 34581 h 1470450"/>
+                <a:gd name="connsiteX0" fmla="*/ 1176272 w 3924264"/>
+                <a:gd name="connsiteY0" fmla="*/ 19450 h 1455319"/>
+                <a:gd name="connsiteX1" fmla="*/ 3924264 w 3924264"/>
+                <a:gd name="connsiteY1" fmla="*/ 0 h 1455319"/>
+                <a:gd name="connsiteX2" fmla="*/ 2841875 w 3924264"/>
+                <a:gd name="connsiteY2" fmla="*/ 1455319 h 1455319"/>
+                <a:gd name="connsiteX3" fmla="*/ 0 w 3924264"/>
+                <a:gd name="connsiteY3" fmla="*/ 1455319 h 1455319"/>
+                <a:gd name="connsiteX4" fmla="*/ 1176272 w 3924264"/>
+                <a:gd name="connsiteY4" fmla="*/ 19450 h 1455319"/>
+                <a:gd name="connsiteX0" fmla="*/ 1176272 w 4022618"/>
+                <a:gd name="connsiteY0" fmla="*/ 4319 h 1440188"/>
+                <a:gd name="connsiteX1" fmla="*/ 4022618 w 4022618"/>
+                <a:gd name="connsiteY1" fmla="*/ 0 h 1440188"/>
+                <a:gd name="connsiteX2" fmla="*/ 2841875 w 4022618"/>
+                <a:gd name="connsiteY2" fmla="*/ 1440188 h 1440188"/>
+                <a:gd name="connsiteX3" fmla="*/ 0 w 4022618"/>
+                <a:gd name="connsiteY3" fmla="*/ 1440188 h 1440188"/>
+                <a:gd name="connsiteX4" fmla="*/ 1176272 w 4022618"/>
+                <a:gd name="connsiteY4" fmla="*/ 4319 h 1440188"/>
+                <a:gd name="connsiteX0" fmla="*/ 542645 w 4022618"/>
+                <a:gd name="connsiteY0" fmla="*/ 1115532 h 1440188"/>
+                <a:gd name="connsiteX1" fmla="*/ 4022618 w 4022618"/>
+                <a:gd name="connsiteY1" fmla="*/ 0 h 1440188"/>
+                <a:gd name="connsiteX2" fmla="*/ 2841875 w 4022618"/>
+                <a:gd name="connsiteY2" fmla="*/ 1440188 h 1440188"/>
+                <a:gd name="connsiteX3" fmla="*/ 0 w 4022618"/>
+                <a:gd name="connsiteY3" fmla="*/ 1440188 h 1440188"/>
+                <a:gd name="connsiteX4" fmla="*/ 542645 w 4022618"/>
+                <a:gd name="connsiteY4" fmla="*/ 1115532 h 1440188"/>
+                <a:gd name="connsiteX0" fmla="*/ 542645 w 2841875"/>
+                <a:gd name="connsiteY0" fmla="*/ 0 h 324656"/>
+                <a:gd name="connsiteX1" fmla="*/ 2036622 w 2841875"/>
+                <a:gd name="connsiteY1" fmla="*/ 409 h 324656"/>
+                <a:gd name="connsiteX2" fmla="*/ 2841875 w 2841875"/>
+                <a:gd name="connsiteY2" fmla="*/ 324656 h 324656"/>
+                <a:gd name="connsiteX3" fmla="*/ 0 w 2841875"/>
+                <a:gd name="connsiteY3" fmla="*/ 324656 h 324656"/>
+                <a:gd name="connsiteX4" fmla="*/ 542645 w 2841875"/>
+                <a:gd name="connsiteY4" fmla="*/ 0 h 324656"/>
+                <a:gd name="connsiteX0" fmla="*/ 542645 w 2036622"/>
+                <a:gd name="connsiteY0" fmla="*/ 0 h 329385"/>
+                <a:gd name="connsiteX1" fmla="*/ 2036622 w 2036622"/>
+                <a:gd name="connsiteY1" fmla="*/ 409 h 329385"/>
+                <a:gd name="connsiteX2" fmla="*/ 1446950 w 2036622"/>
+                <a:gd name="connsiteY2" fmla="*/ 329385 h 329385"/>
+                <a:gd name="connsiteX3" fmla="*/ 0 w 2036622"/>
+                <a:gd name="connsiteY3" fmla="*/ 324656 h 329385"/>
+                <a:gd name="connsiteX4" fmla="*/ 542645 w 2036622"/>
+                <a:gd name="connsiteY4" fmla="*/ 0 h 329385"/>
+                <a:gd name="connsiteX0" fmla="*/ 393510 w 2036622"/>
+                <a:gd name="connsiteY0" fmla="*/ 0 h 329385"/>
+                <a:gd name="connsiteX1" fmla="*/ 2036622 w 2036622"/>
+                <a:gd name="connsiteY1" fmla="*/ 409 h 329385"/>
+                <a:gd name="connsiteX2" fmla="*/ 1446950 w 2036622"/>
+                <a:gd name="connsiteY2" fmla="*/ 329385 h 329385"/>
+                <a:gd name="connsiteX3" fmla="*/ 0 w 2036622"/>
+                <a:gd name="connsiteY3" fmla="*/ 324656 h 329385"/>
+                <a:gd name="connsiteX4" fmla="*/ 393510 w 2036622"/>
+                <a:gd name="connsiteY4" fmla="*/ 0 h 329385"/>
+                <a:gd name="connsiteX0" fmla="*/ 393510 w 1786907"/>
+                <a:gd name="connsiteY0" fmla="*/ 0 h 329385"/>
+                <a:gd name="connsiteX1" fmla="*/ 1786907 w 1786907"/>
+                <a:gd name="connsiteY1" fmla="*/ 3877 h 329385"/>
+                <a:gd name="connsiteX2" fmla="*/ 1446950 w 1786907"/>
+                <a:gd name="connsiteY2" fmla="*/ 329385 h 329385"/>
+                <a:gd name="connsiteX3" fmla="*/ 0 w 1786907"/>
+                <a:gd name="connsiteY3" fmla="*/ 324656 h 329385"/>
+                <a:gd name="connsiteX4" fmla="*/ 393510 w 1786907"/>
+                <a:gd name="connsiteY4" fmla="*/ 0 h 329385"/>
+                <a:gd name="connsiteX0" fmla="*/ 393510 w 1841532"/>
+                <a:gd name="connsiteY0" fmla="*/ 1325 h 330710"/>
+                <a:gd name="connsiteX1" fmla="*/ 1841532 w 1841532"/>
+                <a:gd name="connsiteY1" fmla="*/ 0 h 330710"/>
+                <a:gd name="connsiteX2" fmla="*/ 1446950 w 1841532"/>
+                <a:gd name="connsiteY2" fmla="*/ 330710 h 330710"/>
+                <a:gd name="connsiteX3" fmla="*/ 0 w 1841532"/>
+                <a:gd name="connsiteY3" fmla="*/ 325981 h 330710"/>
+                <a:gd name="connsiteX4" fmla="*/ 393510 w 1841532"/>
+                <a:gd name="connsiteY4" fmla="*/ 1325 h 330710"/>
+              </a:gdLst>
+              <a:ahLst/>
+              <a:cxnLst>
+                <a:cxn ang="0">
+                  <a:pos x="connsiteX0" y="connsiteY0"/>
+                </a:cxn>
+                <a:cxn ang="0">
+                  <a:pos x="connsiteX1" y="connsiteY1"/>
+                </a:cxn>
+                <a:cxn ang="0">
+                  <a:pos x="connsiteX2" y="connsiteY2"/>
+                </a:cxn>
+                <a:cxn ang="0">
+                  <a:pos x="connsiteX3" y="connsiteY3"/>
+                </a:cxn>
+                <a:cxn ang="0">
+                  <a:pos x="connsiteX4" y="connsiteY4"/>
+                </a:cxn>
+              </a:cxnLst>
+              <a:rect l="l" t="t" r="r" b="b"/>
+              <a:pathLst>
+                <a:path w="1841532" h="330710">
+                  <a:moveTo>
+                    <a:pt x="393510" y="1325"/>
+                  </a:moveTo>
+                  <a:lnTo>
+                    <a:pt x="1841532" y="0"/>
+                  </a:lnTo>
+                  <a:lnTo>
+                    <a:pt x="1446950" y="330710"/>
+                  </a:lnTo>
+                  <a:lnTo>
+                    <a:pt x="0" y="325981"/>
+                  </a:lnTo>
+                  <a:lnTo>
+                    <a:pt x="393510" y="1325"/>
+                  </a:lnTo>
+                  <a:close/>
+                </a:path>
+              </a:pathLst>
+            </a:custGeom>
+            <a:solidFill>
+              <a:schemeClr val="bg2"/>
+            </a:solidFill>
+            <a:ln>
+              <a:solidFill>
+                <a:schemeClr val="tx1"/>
+              </a:solidFill>
+            </a:ln>
+          </p:spPr>
+          <p:style>
+            <a:lnRef idx="2">
+              <a:schemeClr val="accent1">
+                <a:shade val="50000"/>
+              </a:schemeClr>
+            </a:lnRef>
+            <a:fillRef idx="1">
+              <a:schemeClr val="accent1"/>
+            </a:fillRef>
+            <a:effectRef idx="0">
+              <a:schemeClr val="accent1"/>
+            </a:effectRef>
+            <a:fontRef idx="minor">
+              <a:schemeClr val="lt1"/>
+            </a:fontRef>
+          </p:style>
+          <p:txBody>
+            <a:bodyPr rtlCol="0" anchor="ctr"/>
+            <a:lstStyle/>
+            <a:p>
+              <a:pPr algn="ctr"/>
+              <a:endParaRPr lang="ko-KR" altLang="en-US" sz="2800" dirty="0">
+                <a:solidFill>
+                  <a:schemeClr val="tx1"/>
+                </a:solidFill>
+              </a:endParaRPr>
+            </a:p>
+          </p:txBody>
+        </p:sp>
+        <p:sp>
+          <p:nvSpPr>
+            <p:cNvPr id="15" name="갈매기형 수장 9">
+              <a:extLst>
+                <a:ext uri="{FF2B5EF4-FFF2-40B4-BE49-F238E27FC236}">
+                  <a16:creationId xmlns:a16="http://schemas.microsoft.com/office/drawing/2014/main" id="{11A45444-23DE-48C6-9216-4B3302CBBA03}"/>
+                </a:ext>
+              </a:extLst>
+            </p:cNvPr>
+            <p:cNvSpPr/>
+            <p:nvPr/>
+          </p:nvSpPr>
+          <p:spPr>
+            <a:xfrm rot="7168053">
+              <a:off x="3508340" y="2701439"/>
+              <a:ext cx="184558" cy="293614"/>
+            </a:xfrm>
+            <a:prstGeom prst="chevron">
+              <a:avLst/>
+            </a:prstGeom>
+            <a:solidFill>
+              <a:srgbClr val="FF0000"/>
+            </a:solidFill>
+            <a:ln>
+              <a:noFill/>
+            </a:ln>
+          </p:spPr>
+          <p:style>
+            <a:lnRef idx="2">
+              <a:schemeClr val="accent1">
+                <a:shade val="50000"/>
+              </a:schemeClr>
+            </a:lnRef>
+            <a:fillRef idx="1">
+              <a:schemeClr val="accent1"/>
+            </a:fillRef>
+            <a:effectRef idx="0">
+              <a:schemeClr val="accent1"/>
+            </a:effectRef>
+            <a:fontRef idx="minor">
+              <a:schemeClr val="lt1"/>
+            </a:fontRef>
+          </p:style>
+          <p:txBody>
+            <a:bodyPr rtlCol="0" anchor="ctr"/>
+            <a:lstStyle/>
+            <a:p>
+              <a:pPr algn="ctr"/>
+              <a:endParaRPr lang="ko-KR" altLang="en-US">
+                <a:solidFill>
+                  <a:schemeClr val="tx1"/>
+                </a:solidFill>
+              </a:endParaRPr>
+            </a:p>
+          </p:txBody>
+        </p:sp>
+        <p:sp>
+          <p:nvSpPr>
+            <p:cNvPr id="16" name="갈매기형 수장 9">
+              <a:extLst>
+                <a:ext uri="{FF2B5EF4-FFF2-40B4-BE49-F238E27FC236}">
+                  <a16:creationId xmlns:a16="http://schemas.microsoft.com/office/drawing/2014/main" id="{C070AB34-F550-4A28-A670-A0CD031B4607}"/>
+                </a:ext>
+              </a:extLst>
+            </p:cNvPr>
+            <p:cNvSpPr/>
+            <p:nvPr/>
+          </p:nvSpPr>
+          <p:spPr>
+            <a:xfrm>
+              <a:off x="4743516" y="3586319"/>
+              <a:ext cx="184558" cy="293614"/>
+            </a:xfrm>
+            <a:prstGeom prst="chevron">
+              <a:avLst/>
+            </a:prstGeom>
+            <a:solidFill>
+              <a:srgbClr val="FF0000"/>
+            </a:solidFill>
+            <a:ln>
+              <a:noFill/>
+            </a:ln>
+          </p:spPr>
+          <p:style>
+            <a:lnRef idx="2">
+              <a:schemeClr val="accent1">
+                <a:shade val="50000"/>
+              </a:schemeClr>
+            </a:lnRef>
+            <a:fillRef idx="1">
+              <a:schemeClr val="accent1"/>
+            </a:fillRef>
+            <a:effectRef idx="0">
+              <a:schemeClr val="accent1"/>
+            </a:effectRef>
+            <a:fontRef idx="minor">
+              <a:schemeClr val="lt1"/>
+            </a:fontRef>
+          </p:style>
+          <p:txBody>
+            <a:bodyPr rtlCol="0" anchor="ctr"/>
+            <a:lstStyle/>
+            <a:p>
+              <a:pPr algn="ctr"/>
+              <a:endParaRPr lang="ko-KR" altLang="en-US">
+                <a:solidFill>
+                  <a:schemeClr val="tx1"/>
+                </a:solidFill>
+              </a:endParaRPr>
+            </a:p>
+          </p:txBody>
+        </p:sp>
+        <p:sp>
+          <p:nvSpPr>
+            <p:cNvPr id="17" name="갈매기형 수장 9">
+              <a:extLst>
+                <a:ext uri="{FF2B5EF4-FFF2-40B4-BE49-F238E27FC236}">
+                  <a16:creationId xmlns:a16="http://schemas.microsoft.com/office/drawing/2014/main" id="{72119E9F-0BA2-4FB5-9FA2-5FD703DE09BA}"/>
+                </a:ext>
+              </a:extLst>
+            </p:cNvPr>
+            <p:cNvSpPr/>
+            <p:nvPr/>
+          </p:nvSpPr>
+          <p:spPr>
+            <a:xfrm rot="18008435">
+              <a:off x="6765211" y="2853999"/>
+              <a:ext cx="184558" cy="293614"/>
+            </a:xfrm>
+            <a:prstGeom prst="chevron">
+              <a:avLst/>
+            </a:prstGeom>
+            <a:solidFill>
+              <a:srgbClr val="FF0000"/>
+            </a:solidFill>
+            <a:ln>
+              <a:noFill/>
+            </a:ln>
+          </p:spPr>
+          <p:style>
+            <a:lnRef idx="2">
+              <a:schemeClr val="accent1">
+                <a:shade val="50000"/>
+              </a:schemeClr>
+            </a:lnRef>
+            <a:fillRef idx="1">
+              <a:schemeClr val="accent1"/>
+            </a:fillRef>
+            <a:effectRef idx="0">
+              <a:schemeClr val="accent1"/>
+            </a:effectRef>
+            <a:fontRef idx="minor">
+              <a:schemeClr val="lt1"/>
+            </a:fontRef>
+          </p:style>
+          <p:txBody>
+            <a:bodyPr rtlCol="0" anchor="ctr"/>
+            <a:lstStyle/>
+            <a:p>
+              <a:pPr algn="ctr"/>
+              <a:endParaRPr lang="ko-KR" altLang="en-US">
+                <a:solidFill>
+                  <a:schemeClr val="tx1"/>
+                </a:solidFill>
+              </a:endParaRPr>
+            </a:p>
+          </p:txBody>
+        </p:sp>
+        <p:sp>
+          <p:nvSpPr>
+            <p:cNvPr id="18" name="갈매기형 수장 9">
+              <a:extLst>
+                <a:ext uri="{FF2B5EF4-FFF2-40B4-BE49-F238E27FC236}">
+                  <a16:creationId xmlns:a16="http://schemas.microsoft.com/office/drawing/2014/main" id="{010AB461-68D9-442A-B7DC-38F70F2F44F2}"/>
+                </a:ext>
+              </a:extLst>
+            </p:cNvPr>
+            <p:cNvSpPr/>
+            <p:nvPr/>
+          </p:nvSpPr>
+          <p:spPr>
+            <a:xfrm rot="10800000">
+              <a:off x="5390262" y="2121679"/>
+              <a:ext cx="184558" cy="293614"/>
+            </a:xfrm>
+            <a:prstGeom prst="chevron">
+              <a:avLst/>
+            </a:prstGeom>
+            <a:solidFill>
+              <a:srgbClr val="FF0000"/>
+            </a:solidFill>
+            <a:ln>
+              <a:noFill/>
+            </a:ln>
+          </p:spPr>
+          <p:style>
+            <a:lnRef idx="2">
+              <a:schemeClr val="accent1">
+                <a:shade val="50000"/>
+              </a:schemeClr>
+            </a:lnRef>
+            <a:fillRef idx="1">
+              <a:schemeClr val="accent1"/>
+            </a:fillRef>
+            <a:effectRef idx="0">
+              <a:schemeClr val="accent1"/>
+            </a:effectRef>
+            <a:fontRef idx="minor">
+              <a:schemeClr val="lt1"/>
+            </a:fontRef>
+          </p:style>
+          <p:txBody>
+            <a:bodyPr rtlCol="0" anchor="ctr"/>
+            <a:lstStyle/>
+            <a:p>
+              <a:pPr algn="ctr"/>
+              <a:endParaRPr lang="ko-KR" altLang="en-US">
+                <a:solidFill>
+                  <a:schemeClr val="tx1"/>
+                </a:solidFill>
+              </a:endParaRPr>
+            </a:p>
+          </p:txBody>
+        </p:sp>
+        <p:pic>
+          <p:nvPicPr>
+            <p:cNvPr id="21" name="그림 20">
+              <a:extLst>
+                <a:ext uri="{FF2B5EF4-FFF2-40B4-BE49-F238E27FC236}">
+                  <a16:creationId xmlns:a16="http://schemas.microsoft.com/office/drawing/2014/main" id="{F40894BB-FA47-42A2-B89A-42F606DE1B84}"/>
+                </a:ext>
+              </a:extLst>
+            </p:cNvPr>
+            <p:cNvPicPr>
+              <a:picLocks noChangeAspect="1"/>
+            </p:cNvPicPr>
+            <p:nvPr/>
+          </p:nvPicPr>
+          <p:blipFill>
+            <a:blip r:embed="rId2">
+              <a:extLst>
+                <a:ext uri="{BEBA8EAE-BF5A-486C-A8C5-ECC9F3942E4B}">
+                  <a14:imgProps xmlns:a14="http://schemas.microsoft.com/office/drawing/2010/main">
+                    <a14:imgLayer r:embed="rId3">
+                      <a14:imgEffect>
+                        <a14:backgroundRemoval t="10000" b="90000" l="10000" r="90000"/>
+                      </a14:imgEffect>
+                    </a14:imgLayer>
+                  </a14:imgProps>
+                </a:ext>
+                <a:ext uri="{28A0092B-C50C-407E-A947-70E740481C1C}">
+                  <a14:useLocalDpi xmlns:a14="http://schemas.microsoft.com/office/drawing/2010/main" val="0"/>
+                </a:ext>
+              </a:extLst>
+            </a:blip>
+            <a:stretch>
+              <a:fillRect/>
+            </a:stretch>
+          </p:blipFill>
+          <p:spPr>
+            <a:xfrm>
+              <a:off x="4255268" y="2238881"/>
+              <a:ext cx="1601522" cy="1523850"/>
+            </a:xfrm>
+            <a:prstGeom prst="rect">
+              <a:avLst/>
+            </a:prstGeom>
+          </p:spPr>
+        </p:pic>
+      </p:grpSp>
+    </p:spTree>
+    <p:extLst>
+      <p:ext uri="{BB962C8B-B14F-4D97-AF65-F5344CB8AC3E}">
+        <p14:creationId xmlns:p14="http://schemas.microsoft.com/office/powerpoint/2010/main" val="3500449497"/>
       </p:ext>
     </p:extLst>
   </p:cSld>

--- a/pics/2020-08-22-stokes_theorem/pics.pptx
+++ b/pics/2020-08-22-stokes_theorem/pics.pptx
@@ -5847,6 +5847,138 @@
           </p:spPr>
         </p:pic>
       </p:grpSp>
+      <mc:AlternateContent xmlns:mc="http://schemas.openxmlformats.org/markup-compatibility/2006">
+        <mc:Choice xmlns:a14="http://schemas.microsoft.com/office/drawing/2010/main" Requires="a14">
+          <p:sp>
+            <p:nvSpPr>
+              <p:cNvPr id="23" name="TextBox 22">
+                <a:extLst>
+                  <a:ext uri="{FF2B5EF4-FFF2-40B4-BE49-F238E27FC236}">
+                    <a16:creationId xmlns:a16="http://schemas.microsoft.com/office/drawing/2014/main" id="{A470AA4E-D463-43DE-A03A-A669ECEECAC4}"/>
+                  </a:ext>
+                </a:extLst>
+              </p:cNvPr>
+              <p:cNvSpPr txBox="1"/>
+              <p:nvPr/>
+            </p:nvSpPr>
+            <p:spPr>
+              <a:xfrm>
+                <a:off x="6337306" y="3786794"/>
+                <a:ext cx="1107547" cy="374526"/>
+              </a:xfrm>
+              <a:prstGeom prst="rect">
+                <a:avLst/>
+              </a:prstGeom>
+              <a:noFill/>
+            </p:spPr>
+            <p:txBody>
+              <a:bodyPr wrap="none" rtlCol="0">
+                <a:spAutoFit/>
+              </a:bodyPr>
+              <a:lstStyle/>
+              <a:p>
+                <a14:m>
+                  <m:oMathPara xmlns:m="http://schemas.openxmlformats.org/officeDocument/2006/math">
+                    <m:oMathParaPr>
+                      <m:jc m:val="centerGroup"/>
+                    </m:oMathParaPr>
+                    <m:oMath xmlns:m="http://schemas.openxmlformats.org/officeDocument/2006/math">
+                      <m:sSub>
+                        <m:sSubPr>
+                          <m:ctrlPr>
+                            <a:rPr lang="en-US" altLang="ko-KR" b="0" i="1" smtClean="0">
+                              <a:latin typeface="Cambria Math" panose="02040503050406030204" pitchFamily="18" charset="0"/>
+                            </a:rPr>
+                          </m:ctrlPr>
+                        </m:sSubPr>
+                        <m:e>
+                          <m:r>
+                            <a:rPr lang="ko-KR" altLang="en-US" i="1">
+                              <a:latin typeface="Cambria Math" panose="02040503050406030204" pitchFamily="18" charset="0"/>
+                            </a:rPr>
+                            <m:t>넓</m:t>
+                          </m:r>
+                          <m:r>
+                            <a:rPr lang="ko-KR" altLang="en-US" i="1" smtClean="0">
+                              <a:latin typeface="Cambria Math" panose="02040503050406030204" pitchFamily="18" charset="0"/>
+                            </a:rPr>
+                            <m:t>이</m:t>
+                          </m:r>
+                          <m:r>
+                            <a:rPr lang="en-US" altLang="ko-KR" b="0" i="1" smtClean="0">
+                              <a:latin typeface="Cambria Math" panose="02040503050406030204" pitchFamily="18" charset="0"/>
+                            </a:rPr>
+                            <m:t>: </m:t>
+                          </m:r>
+                          <m:r>
+                            <a:rPr lang="en-US" altLang="ko-KR" b="0" i="1" smtClean="0">
+                              <a:latin typeface="Cambria Math" panose="02040503050406030204" pitchFamily="18" charset="0"/>
+                            </a:rPr>
+                            <m:t>𝑆</m:t>
+                          </m:r>
+                        </m:e>
+                        <m:sub>
+                          <m:r>
+                            <a:rPr lang="en-US" altLang="ko-KR" b="0" i="1" smtClean="0">
+                              <a:latin typeface="Cambria Math" panose="02040503050406030204" pitchFamily="18" charset="0"/>
+                            </a:rPr>
+                            <m:t>𝑘</m:t>
+                          </m:r>
+                        </m:sub>
+                      </m:sSub>
+                    </m:oMath>
+                  </m:oMathPara>
+                </a14:m>
+                <a:endParaRPr lang="ko-KR" altLang="en-US" dirty="0"/>
+              </a:p>
+            </p:txBody>
+          </p:sp>
+        </mc:Choice>
+        <mc:Fallback>
+          <p:sp>
+            <p:nvSpPr>
+              <p:cNvPr id="23" name="TextBox 22">
+                <a:extLst>
+                  <a:ext uri="{FF2B5EF4-FFF2-40B4-BE49-F238E27FC236}">
+                    <a16:creationId xmlns:a16="http://schemas.microsoft.com/office/drawing/2014/main" id="{A470AA4E-D463-43DE-A03A-A669ECEECAC4}"/>
+                  </a:ext>
+                </a:extLst>
+              </p:cNvPr>
+              <p:cNvSpPr txBox="1">
+                <a:spLocks noRot="1" noChangeAspect="1" noMove="1" noResize="1" noEditPoints="1" noAdjustHandles="1" noChangeArrowheads="1" noChangeShapeType="1" noTextEdit="1"/>
+              </p:cNvSpPr>
+              <p:nvPr/>
+            </p:nvSpPr>
+            <p:spPr>
+              <a:xfrm>
+                <a:off x="6337306" y="3786794"/>
+                <a:ext cx="1107547" cy="374526"/>
+              </a:xfrm>
+              <a:prstGeom prst="rect">
+                <a:avLst/>
+              </a:prstGeom>
+              <a:blipFill>
+                <a:blip r:embed="rId4"/>
+                <a:stretch>
+                  <a:fillRect b="-8065"/>
+                </a:stretch>
+              </a:blipFill>
+            </p:spPr>
+            <p:txBody>
+              <a:bodyPr/>
+              <a:lstStyle/>
+              <a:p>
+                <a:r>
+                  <a:rPr lang="ko-KR" altLang="en-US">
+                    <a:noFill/>
+                  </a:rPr>
+                  <a:t> </a:t>
+                </a:r>
+              </a:p>
+            </p:txBody>
+          </p:sp>
+        </mc:Fallback>
+      </mc:AlternateContent>
     </p:spTree>
     <p:extLst>
       <p:ext uri="{BB962C8B-B14F-4D97-AF65-F5344CB8AC3E}">

--- a/pics/2020-08-22-stokes_theorem/pics.pptx
+++ b/pics/2020-08-22-stokes_theorem/pics.pptx
@@ -8,6 +8,7 @@
     <p:sldId id="256" r:id="rId2"/>
     <p:sldId id="257" r:id="rId3"/>
     <p:sldId id="258" r:id="rId4"/>
+    <p:sldId id="259" r:id="rId5"/>
   </p:sldIdLst>
   <p:sldSz cx="12192000" cy="6858000"/>
   <p:notesSz cx="6858000" cy="9144000"/>
@@ -261,7 +262,7 @@
           <a:p>
             <a:fld id="{D638ADD3-BFCD-4CA3-B507-4CA785CC4B65}" type="datetimeFigureOut">
               <a:rPr lang="ko-KR" altLang="en-US" smtClean="0"/>
-              <a:t>2020-08-28</a:t>
+              <a:t>2020-08-29</a:t>
             </a:fld>
             <a:endParaRPr lang="ko-KR" altLang="en-US"/>
           </a:p>
@@ -459,7 +460,7 @@
           <a:p>
             <a:fld id="{D638ADD3-BFCD-4CA3-B507-4CA785CC4B65}" type="datetimeFigureOut">
               <a:rPr lang="ko-KR" altLang="en-US" smtClean="0"/>
-              <a:t>2020-08-28</a:t>
+              <a:t>2020-08-29</a:t>
             </a:fld>
             <a:endParaRPr lang="ko-KR" altLang="en-US"/>
           </a:p>
@@ -667,7 +668,7 @@
           <a:p>
             <a:fld id="{D638ADD3-BFCD-4CA3-B507-4CA785CC4B65}" type="datetimeFigureOut">
               <a:rPr lang="ko-KR" altLang="en-US" smtClean="0"/>
-              <a:t>2020-08-28</a:t>
+              <a:t>2020-08-29</a:t>
             </a:fld>
             <a:endParaRPr lang="ko-KR" altLang="en-US"/>
           </a:p>
@@ -865,7 +866,7 @@
           <a:p>
             <a:fld id="{D638ADD3-BFCD-4CA3-B507-4CA785CC4B65}" type="datetimeFigureOut">
               <a:rPr lang="ko-KR" altLang="en-US" smtClean="0"/>
-              <a:t>2020-08-28</a:t>
+              <a:t>2020-08-29</a:t>
             </a:fld>
             <a:endParaRPr lang="ko-KR" altLang="en-US"/>
           </a:p>
@@ -1140,7 +1141,7 @@
           <a:p>
             <a:fld id="{D638ADD3-BFCD-4CA3-B507-4CA785CC4B65}" type="datetimeFigureOut">
               <a:rPr lang="ko-KR" altLang="en-US" smtClean="0"/>
-              <a:t>2020-08-28</a:t>
+              <a:t>2020-08-29</a:t>
             </a:fld>
             <a:endParaRPr lang="ko-KR" altLang="en-US"/>
           </a:p>
@@ -1405,7 +1406,7 @@
           <a:p>
             <a:fld id="{D638ADD3-BFCD-4CA3-B507-4CA785CC4B65}" type="datetimeFigureOut">
               <a:rPr lang="ko-KR" altLang="en-US" smtClean="0"/>
-              <a:t>2020-08-28</a:t>
+              <a:t>2020-08-29</a:t>
             </a:fld>
             <a:endParaRPr lang="ko-KR" altLang="en-US"/>
           </a:p>
@@ -1817,7 +1818,7 @@
           <a:p>
             <a:fld id="{D638ADD3-BFCD-4CA3-B507-4CA785CC4B65}" type="datetimeFigureOut">
               <a:rPr lang="ko-KR" altLang="en-US" smtClean="0"/>
-              <a:t>2020-08-28</a:t>
+              <a:t>2020-08-29</a:t>
             </a:fld>
             <a:endParaRPr lang="ko-KR" altLang="en-US"/>
           </a:p>
@@ -1958,7 +1959,7 @@
           <a:p>
             <a:fld id="{D638ADD3-BFCD-4CA3-B507-4CA785CC4B65}" type="datetimeFigureOut">
               <a:rPr lang="ko-KR" altLang="en-US" smtClean="0"/>
-              <a:t>2020-08-28</a:t>
+              <a:t>2020-08-29</a:t>
             </a:fld>
             <a:endParaRPr lang="ko-KR" altLang="en-US"/>
           </a:p>
@@ -2071,7 +2072,7 @@
           <a:p>
             <a:fld id="{D638ADD3-BFCD-4CA3-B507-4CA785CC4B65}" type="datetimeFigureOut">
               <a:rPr lang="ko-KR" altLang="en-US" smtClean="0"/>
-              <a:t>2020-08-28</a:t>
+              <a:t>2020-08-29</a:t>
             </a:fld>
             <a:endParaRPr lang="ko-KR" altLang="en-US"/>
           </a:p>
@@ -2382,7 +2383,7 @@
           <a:p>
             <a:fld id="{D638ADD3-BFCD-4CA3-B507-4CA785CC4B65}" type="datetimeFigureOut">
               <a:rPr lang="ko-KR" altLang="en-US" smtClean="0"/>
-              <a:t>2020-08-28</a:t>
+              <a:t>2020-08-29</a:t>
             </a:fld>
             <a:endParaRPr lang="ko-KR" altLang="en-US"/>
           </a:p>
@@ -2670,7 +2671,7 @@
           <a:p>
             <a:fld id="{D638ADD3-BFCD-4CA3-B507-4CA785CC4B65}" type="datetimeFigureOut">
               <a:rPr lang="ko-KR" altLang="en-US" smtClean="0"/>
-              <a:t>2020-08-28</a:t>
+              <a:t>2020-08-29</a:t>
             </a:fld>
             <a:endParaRPr lang="ko-KR" altLang="en-US"/>
           </a:p>
@@ -2911,7 +2912,7 @@
           <a:p>
             <a:fld id="{D638ADD3-BFCD-4CA3-B507-4CA785CC4B65}" type="datetimeFigureOut">
               <a:rPr lang="ko-KR" altLang="en-US" smtClean="0"/>
-              <a:t>2020-08-28</a:t>
+              <a:t>2020-08-29</a:t>
             </a:fld>
             <a:endParaRPr lang="ko-KR" altLang="en-US"/>
           </a:p>
@@ -5847,8 +5848,8 @@
           </p:spPr>
         </p:pic>
       </p:grpSp>
-      <mc:AlternateContent xmlns:mc="http://schemas.openxmlformats.org/markup-compatibility/2006">
-        <mc:Choice xmlns:a14="http://schemas.microsoft.com/office/drawing/2010/main" Requires="a14">
+      <mc:AlternateContent xmlns:mc="http://schemas.openxmlformats.org/markup-compatibility/2006" xmlns:a14="http://schemas.microsoft.com/office/drawing/2010/main">
+        <mc:Choice Requires="a14">
           <p:sp>
             <p:nvSpPr>
               <p:cNvPr id="23" name="TextBox 22">
@@ -5877,6 +5878,7 @@
               </a:bodyPr>
               <a:lstStyle/>
               <a:p>
+                <a:pPr/>
                 <a14:m>
                   <m:oMathPara xmlns:m="http://schemas.openxmlformats.org/officeDocument/2006/math">
                     <m:oMathParaPr>
@@ -5934,7 +5936,7 @@
             </p:txBody>
           </p:sp>
         </mc:Choice>
-        <mc:Fallback>
+        <mc:Fallback xmlns="">
           <p:sp>
             <p:nvSpPr>
               <p:cNvPr id="23" name="TextBox 22">
@@ -5983,6 +5985,448 @@
     <p:extLst>
       <p:ext uri="{BB962C8B-B14F-4D97-AF65-F5344CB8AC3E}">
         <p14:creationId xmlns:p14="http://schemas.microsoft.com/office/powerpoint/2010/main" val="3500449497"/>
+      </p:ext>
+    </p:extLst>
+  </p:cSld>
+  <p:clrMapOvr>
+    <a:masterClrMapping/>
+  </p:clrMapOvr>
+</p:sld>
+</file>
+
+<file path=ppt/slides/slide4.xml><?xml version="1.0" encoding="utf-8"?>
+<p:sld xmlns:a="http://schemas.openxmlformats.org/drawingml/2006/main" xmlns:r="http://schemas.openxmlformats.org/officeDocument/2006/relationships" xmlns:p="http://schemas.openxmlformats.org/presentationml/2006/main">
+  <p:cSld>
+    <p:spTree>
+      <p:nvGrpSpPr>
+        <p:cNvPr id="1" name=""/>
+        <p:cNvGrpSpPr/>
+        <p:nvPr/>
+      </p:nvGrpSpPr>
+      <p:grpSpPr>
+        <a:xfrm>
+          <a:off x="0" y="0"/>
+          <a:ext cx="0" cy="0"/>
+          <a:chOff x="0" y="0"/>
+          <a:chExt cx="0" cy="0"/>
+        </a:xfrm>
+      </p:grpSpPr>
+      <p:pic>
+        <p:nvPicPr>
+          <p:cNvPr id="4" name="그림 3">
+            <a:extLst>
+              <a:ext uri="{FF2B5EF4-FFF2-40B4-BE49-F238E27FC236}">
+                <a16:creationId xmlns:a16="http://schemas.microsoft.com/office/drawing/2014/main" id="{B24244EA-F7B5-42C3-BF65-2E356E771CEC}"/>
+              </a:ext>
+            </a:extLst>
+          </p:cNvPr>
+          <p:cNvPicPr>
+            <a:picLocks noChangeAspect="1"/>
+          </p:cNvPicPr>
+          <p:nvPr/>
+        </p:nvPicPr>
+        <p:blipFill>
+          <a:blip r:embed="rId2"/>
+          <a:stretch>
+            <a:fillRect/>
+          </a:stretch>
+        </p:blipFill>
+        <p:spPr>
+          <a:xfrm>
+            <a:off x="2432312" y="928687"/>
+            <a:ext cx="6667500" cy="5000625"/>
+          </a:xfrm>
+          <a:prstGeom prst="rect">
+            <a:avLst/>
+          </a:prstGeom>
+        </p:spPr>
+      </p:pic>
+      <p:sp>
+        <p:nvSpPr>
+          <p:cNvPr id="5" name="TextBox 4">
+            <a:extLst>
+              <a:ext uri="{FF2B5EF4-FFF2-40B4-BE49-F238E27FC236}">
+                <a16:creationId xmlns:a16="http://schemas.microsoft.com/office/drawing/2014/main" id="{9DCC3473-F53C-4487-95C1-27238F53C85F}"/>
+              </a:ext>
+            </a:extLst>
+          </p:cNvPr>
+          <p:cNvSpPr txBox="1"/>
+          <p:nvPr/>
+        </p:nvSpPr>
+        <p:spPr>
+          <a:xfrm>
+            <a:off x="8439935" y="3621089"/>
+            <a:ext cx="1319753" cy="646331"/>
+          </a:xfrm>
+          <a:prstGeom prst="rect">
+            <a:avLst/>
+          </a:prstGeom>
+          <a:noFill/>
+          <a:ln>
+            <a:solidFill>
+              <a:schemeClr val="tx1"/>
+            </a:solidFill>
+          </a:ln>
+        </p:spPr>
+        <p:txBody>
+          <a:bodyPr wrap="square" rtlCol="0">
+            <a:spAutoFit/>
+          </a:bodyPr>
+          <a:lstStyle/>
+          <a:p>
+            <a:pPr algn="ctr"/>
+            <a:r>
+              <a:rPr lang="ko-KR" altLang="en-US" dirty="0"/>
+              <a:t>정의역</a:t>
+            </a:r>
+            <a:r>
+              <a:rPr lang="en-US" altLang="ko-KR" dirty="0"/>
+              <a:t>(Domain)</a:t>
+            </a:r>
+            <a:endParaRPr lang="ko-KR" altLang="en-US" dirty="0"/>
+          </a:p>
+        </p:txBody>
+      </p:sp>
+      <p:sp>
+        <p:nvSpPr>
+          <p:cNvPr id="6" name="TextBox 5">
+            <a:extLst>
+              <a:ext uri="{FF2B5EF4-FFF2-40B4-BE49-F238E27FC236}">
+                <a16:creationId xmlns:a16="http://schemas.microsoft.com/office/drawing/2014/main" id="{7DA8295D-E218-4759-81CD-227FBD2E9BB4}"/>
+              </a:ext>
+            </a:extLst>
+          </p:cNvPr>
+          <p:cNvSpPr txBox="1"/>
+          <p:nvPr/>
+        </p:nvSpPr>
+        <p:spPr>
+          <a:xfrm>
+            <a:off x="8353425" y="2345667"/>
+            <a:ext cx="1319753" cy="369332"/>
+          </a:xfrm>
+          <a:prstGeom prst="rect">
+            <a:avLst/>
+          </a:prstGeom>
+          <a:noFill/>
+          <a:ln>
+            <a:solidFill>
+              <a:schemeClr val="tx1"/>
+            </a:solidFill>
+          </a:ln>
+        </p:spPr>
+        <p:txBody>
+          <a:bodyPr wrap="square" rtlCol="0">
+            <a:spAutoFit/>
+          </a:bodyPr>
+          <a:lstStyle/>
+          <a:p>
+            <a:pPr algn="ctr"/>
+            <a:r>
+              <a:rPr lang="ko-KR" altLang="en-US" dirty="0"/>
+              <a:t>치역</a:t>
+            </a:r>
+            <a:r>
+              <a:rPr lang="en-US" altLang="ko-KR" dirty="0"/>
+              <a:t>: </a:t>
+            </a:r>
+            <a:r>
+              <a:rPr lang="ko-KR" altLang="en-US" dirty="0"/>
+              <a:t>곡면</a:t>
+            </a:r>
+          </a:p>
+        </p:txBody>
+      </p:sp>
+      <mc:AlternateContent xmlns:mc="http://schemas.openxmlformats.org/markup-compatibility/2006">
+        <mc:Choice xmlns:a14="http://schemas.microsoft.com/office/drawing/2010/main" Requires="a14">
+          <p:sp>
+            <p:nvSpPr>
+              <p:cNvPr id="7" name="TextBox 6">
+                <a:extLst>
+                  <a:ext uri="{FF2B5EF4-FFF2-40B4-BE49-F238E27FC236}">
+                    <a16:creationId xmlns:a16="http://schemas.microsoft.com/office/drawing/2014/main" id="{0DAC4895-9C35-44D7-981F-CADD24F6E366}"/>
+                  </a:ext>
+                </a:extLst>
+              </p:cNvPr>
+              <p:cNvSpPr txBox="1"/>
+              <p:nvPr/>
+            </p:nvSpPr>
+            <p:spPr>
+              <a:xfrm>
+                <a:off x="5313574" y="2345667"/>
+                <a:ext cx="1319753" cy="707886"/>
+              </a:xfrm>
+              <a:prstGeom prst="rect">
+                <a:avLst/>
+              </a:prstGeom>
+              <a:noFill/>
+            </p:spPr>
+            <p:txBody>
+              <a:bodyPr wrap="square" rtlCol="0">
+                <a:spAutoFit/>
+              </a:bodyPr>
+              <a:lstStyle/>
+              <a:p>
+                <a:pPr algn="ctr"/>
+                <a14:m>
+                  <m:oMathPara xmlns:m="http://schemas.openxmlformats.org/officeDocument/2006/math">
+                    <m:oMathParaPr>
+                      <m:jc m:val="centerGroup"/>
+                    </m:oMathParaPr>
+                    <m:oMath xmlns:m="http://schemas.openxmlformats.org/officeDocument/2006/math">
+                      <m:r>
+                        <a:rPr lang="en-US" altLang="ko-KR" sz="4000" b="0" i="1" smtClean="0">
+                          <a:solidFill>
+                            <a:schemeClr val="accent2"/>
+                          </a:solidFill>
+                          <a:latin typeface="Cambria Math" panose="02040503050406030204" pitchFamily="18" charset="0"/>
+                        </a:rPr>
+                        <m:t>𝑆</m:t>
+                      </m:r>
+                    </m:oMath>
+                  </m:oMathPara>
+                </a14:m>
+                <a:endParaRPr lang="ko-KR" altLang="en-US" sz="4000" dirty="0">
+                  <a:solidFill>
+                    <a:schemeClr val="accent2"/>
+                  </a:solidFill>
+                </a:endParaRPr>
+              </a:p>
+            </p:txBody>
+          </p:sp>
+        </mc:Choice>
+        <mc:Fallback>
+          <p:sp>
+            <p:nvSpPr>
+              <p:cNvPr id="7" name="TextBox 6">
+                <a:extLst>
+                  <a:ext uri="{FF2B5EF4-FFF2-40B4-BE49-F238E27FC236}">
+                    <a16:creationId xmlns:a16="http://schemas.microsoft.com/office/drawing/2014/main" id="{0DAC4895-9C35-44D7-981F-CADD24F6E366}"/>
+                  </a:ext>
+                </a:extLst>
+              </p:cNvPr>
+              <p:cNvSpPr txBox="1">
+                <a:spLocks noRot="1" noChangeAspect="1" noMove="1" noResize="1" noEditPoints="1" noAdjustHandles="1" noChangeArrowheads="1" noChangeShapeType="1" noTextEdit="1"/>
+              </p:cNvSpPr>
+              <p:nvPr/>
+            </p:nvSpPr>
+            <p:spPr>
+              <a:xfrm>
+                <a:off x="5313574" y="2345667"/>
+                <a:ext cx="1319753" cy="707886"/>
+              </a:xfrm>
+              <a:prstGeom prst="rect">
+                <a:avLst/>
+              </a:prstGeom>
+              <a:blipFill>
+                <a:blip r:embed="rId3"/>
+                <a:stretch>
+                  <a:fillRect/>
+                </a:stretch>
+              </a:blipFill>
+            </p:spPr>
+            <p:txBody>
+              <a:bodyPr/>
+              <a:lstStyle/>
+              <a:p>
+                <a:r>
+                  <a:rPr lang="ko-KR" altLang="en-US">
+                    <a:noFill/>
+                  </a:rPr>
+                  <a:t> </a:t>
+                </a:r>
+              </a:p>
+            </p:txBody>
+          </p:sp>
+        </mc:Fallback>
+      </mc:AlternateContent>
+      <mc:AlternateContent xmlns:mc="http://schemas.openxmlformats.org/markup-compatibility/2006">
+        <mc:Choice xmlns:a14="http://schemas.microsoft.com/office/drawing/2010/main" Requires="a14">
+          <p:sp>
+            <p:nvSpPr>
+              <p:cNvPr id="8" name="TextBox 7">
+                <a:extLst>
+                  <a:ext uri="{FF2B5EF4-FFF2-40B4-BE49-F238E27FC236}">
+                    <a16:creationId xmlns:a16="http://schemas.microsoft.com/office/drawing/2014/main" id="{07460B3E-ABBE-44DE-B502-9DAA8074AB2B}"/>
+                  </a:ext>
+                </a:extLst>
+              </p:cNvPr>
+              <p:cNvSpPr txBox="1"/>
+              <p:nvPr/>
+            </p:nvSpPr>
+            <p:spPr>
+              <a:xfrm>
+                <a:off x="5313574" y="4267420"/>
+                <a:ext cx="1319753" cy="707886"/>
+              </a:xfrm>
+              <a:prstGeom prst="rect">
+                <a:avLst/>
+              </a:prstGeom>
+              <a:noFill/>
+            </p:spPr>
+            <p:txBody>
+              <a:bodyPr wrap="square" rtlCol="0">
+                <a:spAutoFit/>
+              </a:bodyPr>
+              <a:lstStyle/>
+              <a:p>
+                <a:pPr algn="ctr"/>
+                <a14:m>
+                  <m:oMathPara xmlns:m="http://schemas.openxmlformats.org/officeDocument/2006/math">
+                    <m:oMathParaPr>
+                      <m:jc m:val="centerGroup"/>
+                    </m:oMathParaPr>
+                    <m:oMath xmlns:m="http://schemas.openxmlformats.org/officeDocument/2006/math">
+                      <m:r>
+                        <a:rPr lang="en-US" altLang="ko-KR" sz="4000" b="0" i="1" smtClean="0">
+                          <a:solidFill>
+                            <a:schemeClr val="accent1"/>
+                          </a:solidFill>
+                          <a:latin typeface="Cambria Math" panose="02040503050406030204" pitchFamily="18" charset="0"/>
+                        </a:rPr>
+                        <m:t>𝐷</m:t>
+                      </m:r>
+                    </m:oMath>
+                  </m:oMathPara>
+                </a14:m>
+                <a:endParaRPr lang="ko-KR" altLang="en-US" sz="4000" dirty="0">
+                  <a:solidFill>
+                    <a:schemeClr val="accent1"/>
+                  </a:solidFill>
+                </a:endParaRPr>
+              </a:p>
+            </p:txBody>
+          </p:sp>
+        </mc:Choice>
+        <mc:Fallback>
+          <p:sp>
+            <p:nvSpPr>
+              <p:cNvPr id="8" name="TextBox 7">
+                <a:extLst>
+                  <a:ext uri="{FF2B5EF4-FFF2-40B4-BE49-F238E27FC236}">
+                    <a16:creationId xmlns:a16="http://schemas.microsoft.com/office/drawing/2014/main" id="{07460B3E-ABBE-44DE-B502-9DAA8074AB2B}"/>
+                  </a:ext>
+                </a:extLst>
+              </p:cNvPr>
+              <p:cNvSpPr txBox="1">
+                <a:spLocks noRot="1" noChangeAspect="1" noMove="1" noResize="1" noEditPoints="1" noAdjustHandles="1" noChangeArrowheads="1" noChangeShapeType="1" noTextEdit="1"/>
+              </p:cNvSpPr>
+              <p:nvPr/>
+            </p:nvSpPr>
+            <p:spPr>
+              <a:xfrm>
+                <a:off x="5313574" y="4267420"/>
+                <a:ext cx="1319753" cy="707886"/>
+              </a:xfrm>
+              <a:prstGeom prst="rect">
+                <a:avLst/>
+              </a:prstGeom>
+              <a:blipFill>
+                <a:blip r:embed="rId4"/>
+                <a:stretch>
+                  <a:fillRect/>
+                </a:stretch>
+              </a:blipFill>
+            </p:spPr>
+            <p:txBody>
+              <a:bodyPr/>
+              <a:lstStyle/>
+              <a:p>
+                <a:r>
+                  <a:rPr lang="ko-KR" altLang="en-US">
+                    <a:noFill/>
+                  </a:rPr>
+                  <a:t> </a:t>
+                </a:r>
+              </a:p>
+            </p:txBody>
+          </p:sp>
+        </mc:Fallback>
+      </mc:AlternateContent>
+      <p:cxnSp>
+        <p:nvCxnSpPr>
+          <p:cNvPr id="10" name="직선 연결선 9">
+            <a:extLst>
+              <a:ext uri="{FF2B5EF4-FFF2-40B4-BE49-F238E27FC236}">
+                <a16:creationId xmlns:a16="http://schemas.microsoft.com/office/drawing/2014/main" id="{698EA2AD-7E03-4FDD-A413-06FDE765EEDB}"/>
+              </a:ext>
+            </a:extLst>
+          </p:cNvPr>
+          <p:cNvCxnSpPr>
+            <a:endCxn id="6" idx="1"/>
+          </p:cNvCxnSpPr>
+          <p:nvPr/>
+        </p:nvCxnSpPr>
+        <p:spPr>
+          <a:xfrm flipV="1">
+            <a:off x="6466788" y="2530333"/>
+            <a:ext cx="1886637" cy="169277"/>
+          </a:xfrm>
+          <a:prstGeom prst="line">
+            <a:avLst/>
+          </a:prstGeom>
+          <a:ln>
+            <a:solidFill>
+              <a:schemeClr val="tx1"/>
+            </a:solidFill>
+          </a:ln>
+        </p:spPr>
+        <p:style>
+          <a:lnRef idx="1">
+            <a:schemeClr val="accent1"/>
+          </a:lnRef>
+          <a:fillRef idx="0">
+            <a:schemeClr val="accent1"/>
+          </a:fillRef>
+          <a:effectRef idx="0">
+            <a:schemeClr val="accent1"/>
+          </a:effectRef>
+          <a:fontRef idx="minor">
+            <a:schemeClr val="tx1"/>
+          </a:fontRef>
+        </p:style>
+      </p:cxnSp>
+      <p:cxnSp>
+        <p:nvCxnSpPr>
+          <p:cNvPr id="12" name="직선 연결선 11">
+            <a:extLst>
+              <a:ext uri="{FF2B5EF4-FFF2-40B4-BE49-F238E27FC236}">
+                <a16:creationId xmlns:a16="http://schemas.microsoft.com/office/drawing/2014/main" id="{60E41521-62FB-4093-B74D-29B521BC9D9D}"/>
+              </a:ext>
+            </a:extLst>
+          </p:cNvPr>
+          <p:cNvCxnSpPr>
+            <a:endCxn id="5" idx="1"/>
+          </p:cNvCxnSpPr>
+          <p:nvPr/>
+        </p:nvCxnSpPr>
+        <p:spPr>
+          <a:xfrm flipV="1">
+            <a:off x="6353666" y="3944255"/>
+            <a:ext cx="2086269" cy="631816"/>
+          </a:xfrm>
+          <a:prstGeom prst="line">
+            <a:avLst/>
+          </a:prstGeom>
+        </p:spPr>
+        <p:style>
+          <a:lnRef idx="1">
+            <a:schemeClr val="dk1"/>
+          </a:lnRef>
+          <a:fillRef idx="0">
+            <a:schemeClr val="dk1"/>
+          </a:fillRef>
+          <a:effectRef idx="0">
+            <a:schemeClr val="dk1"/>
+          </a:effectRef>
+          <a:fontRef idx="minor">
+            <a:schemeClr val="tx1"/>
+          </a:fontRef>
+        </p:style>
+      </p:cxnSp>
+    </p:spTree>
+    <p:extLst>
+      <p:ext uri="{BB962C8B-B14F-4D97-AF65-F5344CB8AC3E}">
+        <p14:creationId xmlns:p14="http://schemas.microsoft.com/office/powerpoint/2010/main" val="177040710"/>
       </p:ext>
     </p:extLst>
   </p:cSld>

--- a/pics/2020-08-22-stokes_theorem/pics.pptx
+++ b/pics/2020-08-22-stokes_theorem/pics.pptx
@@ -9,6 +9,7 @@
     <p:sldId id="257" r:id="rId3"/>
     <p:sldId id="258" r:id="rId4"/>
     <p:sldId id="259" r:id="rId5"/>
+    <p:sldId id="260" r:id="rId6"/>
   </p:sldIdLst>
   <p:sldSz cx="12192000" cy="6858000"/>
   <p:notesSz cx="6858000" cy="9144000"/>
@@ -6136,8 +6137,8 @@
           </a:p>
         </p:txBody>
       </p:sp>
-      <mc:AlternateContent xmlns:mc="http://schemas.openxmlformats.org/markup-compatibility/2006">
-        <mc:Choice xmlns:a14="http://schemas.microsoft.com/office/drawing/2010/main" Requires="a14">
+      <mc:AlternateContent xmlns:mc="http://schemas.openxmlformats.org/markup-compatibility/2006" xmlns:a14="http://schemas.microsoft.com/office/drawing/2010/main">
+        <mc:Choice Requires="a14">
           <p:sp>
             <p:nvSpPr>
               <p:cNvPr id="7" name="TextBox 6">
@@ -6194,7 +6195,7 @@
             </p:txBody>
           </p:sp>
         </mc:Choice>
-        <mc:Fallback>
+        <mc:Fallback xmlns="">
           <p:sp>
             <p:nvSpPr>
               <p:cNvPr id="7" name="TextBox 6">
@@ -6239,8 +6240,8 @@
           </p:sp>
         </mc:Fallback>
       </mc:AlternateContent>
-      <mc:AlternateContent xmlns:mc="http://schemas.openxmlformats.org/markup-compatibility/2006">
-        <mc:Choice xmlns:a14="http://schemas.microsoft.com/office/drawing/2010/main" Requires="a14">
+      <mc:AlternateContent xmlns:mc="http://schemas.openxmlformats.org/markup-compatibility/2006" xmlns:a14="http://schemas.microsoft.com/office/drawing/2010/main">
+        <mc:Choice Requires="a14">
           <p:sp>
             <p:nvSpPr>
               <p:cNvPr id="8" name="TextBox 7">
@@ -6297,7 +6298,7 @@
             </p:txBody>
           </p:sp>
         </mc:Choice>
-        <mc:Fallback>
+        <mc:Fallback xmlns="">
           <p:sp>
             <p:nvSpPr>
               <p:cNvPr id="8" name="TextBox 7">
@@ -6427,6 +6428,557 @@
     <p:extLst>
       <p:ext uri="{BB962C8B-B14F-4D97-AF65-F5344CB8AC3E}">
         <p14:creationId xmlns:p14="http://schemas.microsoft.com/office/powerpoint/2010/main" val="177040710"/>
+      </p:ext>
+    </p:extLst>
+  </p:cSld>
+  <p:clrMapOvr>
+    <a:masterClrMapping/>
+  </p:clrMapOvr>
+</p:sld>
+</file>
+
+<file path=ppt/slides/slide5.xml><?xml version="1.0" encoding="utf-8"?>
+<p:sld xmlns:a="http://schemas.openxmlformats.org/drawingml/2006/main" xmlns:r="http://schemas.openxmlformats.org/officeDocument/2006/relationships" xmlns:p="http://schemas.openxmlformats.org/presentationml/2006/main">
+  <p:cSld>
+    <p:spTree>
+      <p:nvGrpSpPr>
+        <p:cNvPr id="1" name=""/>
+        <p:cNvGrpSpPr/>
+        <p:nvPr/>
+      </p:nvGrpSpPr>
+      <p:grpSpPr>
+        <a:xfrm>
+          <a:off x="0" y="0"/>
+          <a:ext cx="0" cy="0"/>
+          <a:chOff x="0" y="0"/>
+          <a:chExt cx="0" cy="0"/>
+        </a:xfrm>
+      </p:grpSpPr>
+      <p:pic>
+        <p:nvPicPr>
+          <p:cNvPr id="4" name="그림 3">
+            <a:extLst>
+              <a:ext uri="{FF2B5EF4-FFF2-40B4-BE49-F238E27FC236}">
+                <a16:creationId xmlns:a16="http://schemas.microsoft.com/office/drawing/2014/main" id="{B24244EA-F7B5-42C3-BF65-2E356E771CEC}"/>
+              </a:ext>
+            </a:extLst>
+          </p:cNvPr>
+          <p:cNvPicPr>
+            <a:picLocks noChangeAspect="1"/>
+          </p:cNvPicPr>
+          <p:nvPr/>
+        </p:nvPicPr>
+        <p:blipFill>
+          <a:blip r:embed="rId2"/>
+          <a:stretch>
+            <a:fillRect/>
+          </a:stretch>
+        </p:blipFill>
+        <p:spPr>
+          <a:xfrm>
+            <a:off x="2432312" y="928687"/>
+            <a:ext cx="6667500" cy="5000625"/>
+          </a:xfrm>
+          <a:prstGeom prst="rect">
+            <a:avLst/>
+          </a:prstGeom>
+        </p:spPr>
+      </p:pic>
+      <mc:AlternateContent xmlns:mc="http://schemas.openxmlformats.org/markup-compatibility/2006">
+        <mc:Choice xmlns:a14="http://schemas.microsoft.com/office/drawing/2010/main" Requires="a14">
+          <p:sp>
+            <p:nvSpPr>
+              <p:cNvPr id="5" name="TextBox 4">
+                <a:extLst>
+                  <a:ext uri="{FF2B5EF4-FFF2-40B4-BE49-F238E27FC236}">
+                    <a16:creationId xmlns:a16="http://schemas.microsoft.com/office/drawing/2014/main" id="{9DCC3473-F53C-4487-95C1-27238F53C85F}"/>
+                  </a:ext>
+                </a:extLst>
+              </p:cNvPr>
+              <p:cNvSpPr txBox="1"/>
+              <p:nvPr/>
+            </p:nvSpPr>
+            <p:spPr>
+              <a:xfrm>
+                <a:off x="8439934" y="3621089"/>
+                <a:ext cx="2787389" cy="646331"/>
+              </a:xfrm>
+              <a:prstGeom prst="rect">
+                <a:avLst/>
+              </a:prstGeom>
+              <a:noFill/>
+              <a:ln>
+                <a:solidFill>
+                  <a:schemeClr val="tx1"/>
+                </a:solidFill>
+              </a:ln>
+            </p:spPr>
+            <p:txBody>
+              <a:bodyPr wrap="square" rtlCol="0">
+                <a:spAutoFit/>
+              </a:bodyPr>
+              <a:lstStyle/>
+              <a:p>
+                <a:pPr algn="ctr"/>
+                <a:r>
+                  <a:rPr lang="ko-KR" altLang="en-US" dirty="0"/>
+                  <a:t>경로 </a:t>
+                </a:r>
+                <a:r>
+                  <a:rPr lang="en-US" altLang="ko-KR" dirty="0"/>
+                  <a:t>C</a:t>
+                </a:r>
+                <a:r>
+                  <a:rPr lang="ko-KR" altLang="en-US" dirty="0"/>
+                  <a:t>에 대한 </a:t>
+                </a:r>
+                <a:endParaRPr lang="en-US" altLang="ko-KR" dirty="0"/>
+              </a:p>
+              <a:p>
+                <a:pPr algn="ctr"/>
+                <a:r>
+                  <a:rPr lang="ko-KR" altLang="en-US" dirty="0"/>
+                  <a:t>정의역으로의 </a:t>
+                </a:r>
+                <a:r>
+                  <a:rPr lang="ko-KR" altLang="en-US" dirty="0" err="1"/>
+                  <a:t>정사영</a:t>
+                </a:r>
+                <a:r>
+                  <a:rPr lang="en-US" altLang="ko-KR" dirty="0"/>
+                  <a:t>: </a:t>
+                </a:r>
+                <a14:m>
+                  <m:oMath xmlns:m="http://schemas.openxmlformats.org/officeDocument/2006/math">
+                    <m:sSub>
+                      <m:sSubPr>
+                        <m:ctrlPr>
+                          <a:rPr lang="en-US" altLang="ko-KR" b="0" i="1" smtClean="0">
+                            <a:latin typeface="Cambria Math" panose="02040503050406030204" pitchFamily="18" charset="0"/>
+                          </a:rPr>
+                        </m:ctrlPr>
+                      </m:sSubPr>
+                      <m:e>
+                        <m:r>
+                          <a:rPr lang="en-US" altLang="ko-KR" b="0" i="1" smtClean="0">
+                            <a:latin typeface="Cambria Math" panose="02040503050406030204" pitchFamily="18" charset="0"/>
+                          </a:rPr>
+                          <m:t>𝐶</m:t>
+                        </m:r>
+                      </m:e>
+                      <m:sub>
+                        <m:r>
+                          <a:rPr lang="en-US" altLang="ko-KR" b="0" i="1" smtClean="0">
+                            <a:latin typeface="Cambria Math" panose="02040503050406030204" pitchFamily="18" charset="0"/>
+                          </a:rPr>
+                          <m:t>0</m:t>
+                        </m:r>
+                      </m:sub>
+                    </m:sSub>
+                  </m:oMath>
+                </a14:m>
+                <a:endParaRPr lang="ko-KR" altLang="en-US" dirty="0"/>
+              </a:p>
+            </p:txBody>
+          </p:sp>
+        </mc:Choice>
+        <mc:Fallback>
+          <p:sp>
+            <p:nvSpPr>
+              <p:cNvPr id="5" name="TextBox 4">
+                <a:extLst>
+                  <a:ext uri="{FF2B5EF4-FFF2-40B4-BE49-F238E27FC236}">
+                    <a16:creationId xmlns:a16="http://schemas.microsoft.com/office/drawing/2014/main" id="{9DCC3473-F53C-4487-95C1-27238F53C85F}"/>
+                  </a:ext>
+                </a:extLst>
+              </p:cNvPr>
+              <p:cNvSpPr txBox="1">
+                <a:spLocks noRot="1" noChangeAspect="1" noMove="1" noResize="1" noEditPoints="1" noAdjustHandles="1" noChangeArrowheads="1" noChangeShapeType="1" noTextEdit="1"/>
+              </p:cNvSpPr>
+              <p:nvPr/>
+            </p:nvSpPr>
+            <p:spPr>
+              <a:xfrm>
+                <a:off x="8439934" y="3621089"/>
+                <a:ext cx="2787389" cy="646331"/>
+              </a:xfrm>
+              <a:prstGeom prst="rect">
+                <a:avLst/>
+              </a:prstGeom>
+              <a:blipFill>
+                <a:blip r:embed="rId3"/>
+                <a:stretch>
+                  <a:fillRect t="-3704" b="-12963"/>
+                </a:stretch>
+              </a:blipFill>
+              <a:ln>
+                <a:solidFill>
+                  <a:schemeClr val="tx1"/>
+                </a:solidFill>
+              </a:ln>
+            </p:spPr>
+            <p:txBody>
+              <a:bodyPr/>
+              <a:lstStyle/>
+              <a:p>
+                <a:r>
+                  <a:rPr lang="ko-KR" altLang="en-US">
+                    <a:noFill/>
+                  </a:rPr>
+                  <a:t> </a:t>
+                </a:r>
+              </a:p>
+            </p:txBody>
+          </p:sp>
+        </mc:Fallback>
+      </mc:AlternateContent>
+      <p:sp>
+        <p:nvSpPr>
+          <p:cNvPr id="6" name="TextBox 5">
+            <a:extLst>
+              <a:ext uri="{FF2B5EF4-FFF2-40B4-BE49-F238E27FC236}">
+                <a16:creationId xmlns:a16="http://schemas.microsoft.com/office/drawing/2014/main" id="{7DA8295D-E218-4759-81CD-227FBD2E9BB4}"/>
+              </a:ext>
+            </a:extLst>
+          </p:cNvPr>
+          <p:cNvSpPr txBox="1"/>
+          <p:nvPr/>
+        </p:nvSpPr>
+        <p:spPr>
+          <a:xfrm>
+            <a:off x="8391329" y="2267414"/>
+            <a:ext cx="1872991" cy="646331"/>
+          </a:xfrm>
+          <a:prstGeom prst="rect">
+            <a:avLst/>
+          </a:prstGeom>
+          <a:noFill/>
+          <a:ln>
+            <a:solidFill>
+              <a:schemeClr val="tx1"/>
+            </a:solidFill>
+          </a:ln>
+        </p:spPr>
+        <p:txBody>
+          <a:bodyPr wrap="square" rtlCol="0">
+            <a:spAutoFit/>
+          </a:bodyPr>
+          <a:lstStyle/>
+          <a:p>
+            <a:pPr algn="ctr"/>
+            <a:r>
+              <a:rPr lang="ko-KR" altLang="en-US" dirty="0"/>
+              <a:t>곡면 </a:t>
+            </a:r>
+            <a:r>
+              <a:rPr lang="en-US" altLang="ko-KR" dirty="0"/>
+              <a:t>S</a:t>
+            </a:r>
+            <a:r>
+              <a:rPr lang="ko-KR" altLang="en-US" dirty="0"/>
+              <a:t>에 대한 닫힌 경로</a:t>
+            </a:r>
+            <a:r>
+              <a:rPr lang="en-US" altLang="ko-KR" dirty="0"/>
+              <a:t>: C</a:t>
+            </a:r>
+            <a:endParaRPr lang="ko-KR" altLang="en-US" dirty="0"/>
+          </a:p>
+        </p:txBody>
+      </p:sp>
+      <mc:AlternateContent xmlns:mc="http://schemas.openxmlformats.org/markup-compatibility/2006" xmlns:a14="http://schemas.microsoft.com/office/drawing/2010/main">
+        <mc:Choice Requires="a14">
+          <p:sp>
+            <p:nvSpPr>
+              <p:cNvPr id="7" name="TextBox 6">
+                <a:extLst>
+                  <a:ext uri="{FF2B5EF4-FFF2-40B4-BE49-F238E27FC236}">
+                    <a16:creationId xmlns:a16="http://schemas.microsoft.com/office/drawing/2014/main" id="{0DAC4895-9C35-44D7-981F-CADD24F6E366}"/>
+                  </a:ext>
+                </a:extLst>
+              </p:cNvPr>
+              <p:cNvSpPr txBox="1"/>
+              <p:nvPr/>
+            </p:nvSpPr>
+            <p:spPr>
+              <a:xfrm>
+                <a:off x="5313574" y="2345667"/>
+                <a:ext cx="1319753" cy="707886"/>
+              </a:xfrm>
+              <a:prstGeom prst="rect">
+                <a:avLst/>
+              </a:prstGeom>
+              <a:noFill/>
+            </p:spPr>
+            <p:txBody>
+              <a:bodyPr wrap="square" rtlCol="0">
+                <a:spAutoFit/>
+              </a:bodyPr>
+              <a:lstStyle/>
+              <a:p>
+                <a:pPr algn="ctr"/>
+                <a14:m>
+                  <m:oMathPara xmlns:m="http://schemas.openxmlformats.org/officeDocument/2006/math">
+                    <m:oMathParaPr>
+                      <m:jc m:val="centerGroup"/>
+                    </m:oMathParaPr>
+                    <m:oMath xmlns:m="http://schemas.openxmlformats.org/officeDocument/2006/math">
+                      <m:r>
+                        <a:rPr lang="en-US" altLang="ko-KR" sz="4000" b="0" i="1" smtClean="0">
+                          <a:solidFill>
+                            <a:schemeClr val="accent2"/>
+                          </a:solidFill>
+                          <a:latin typeface="Cambria Math" panose="02040503050406030204" pitchFamily="18" charset="0"/>
+                        </a:rPr>
+                        <m:t>𝑆</m:t>
+                      </m:r>
+                    </m:oMath>
+                  </m:oMathPara>
+                </a14:m>
+                <a:endParaRPr lang="ko-KR" altLang="en-US" sz="4000" dirty="0">
+                  <a:solidFill>
+                    <a:schemeClr val="accent2"/>
+                  </a:solidFill>
+                </a:endParaRPr>
+              </a:p>
+            </p:txBody>
+          </p:sp>
+        </mc:Choice>
+        <mc:Fallback xmlns="">
+          <p:sp>
+            <p:nvSpPr>
+              <p:cNvPr id="7" name="TextBox 6">
+                <a:extLst>
+                  <a:ext uri="{FF2B5EF4-FFF2-40B4-BE49-F238E27FC236}">
+                    <a16:creationId xmlns:a16="http://schemas.microsoft.com/office/drawing/2014/main" id="{0DAC4895-9C35-44D7-981F-CADD24F6E366}"/>
+                  </a:ext>
+                </a:extLst>
+              </p:cNvPr>
+              <p:cNvSpPr txBox="1">
+                <a:spLocks noRot="1" noChangeAspect="1" noMove="1" noResize="1" noEditPoints="1" noAdjustHandles="1" noChangeArrowheads="1" noChangeShapeType="1" noTextEdit="1"/>
+              </p:cNvSpPr>
+              <p:nvPr/>
+            </p:nvSpPr>
+            <p:spPr>
+              <a:xfrm>
+                <a:off x="5313574" y="2345667"/>
+                <a:ext cx="1319753" cy="707886"/>
+              </a:xfrm>
+              <a:prstGeom prst="rect">
+                <a:avLst/>
+              </a:prstGeom>
+              <a:blipFill>
+                <a:blip r:embed="rId4"/>
+                <a:stretch>
+                  <a:fillRect/>
+                </a:stretch>
+              </a:blipFill>
+            </p:spPr>
+            <p:txBody>
+              <a:bodyPr/>
+              <a:lstStyle/>
+              <a:p>
+                <a:r>
+                  <a:rPr lang="ko-KR" altLang="en-US">
+                    <a:noFill/>
+                  </a:rPr>
+                  <a:t> </a:t>
+                </a:r>
+              </a:p>
+            </p:txBody>
+          </p:sp>
+        </mc:Fallback>
+      </mc:AlternateContent>
+      <mc:AlternateContent xmlns:mc="http://schemas.openxmlformats.org/markup-compatibility/2006" xmlns:a14="http://schemas.microsoft.com/office/drawing/2010/main">
+        <mc:Choice Requires="a14">
+          <p:sp>
+            <p:nvSpPr>
+              <p:cNvPr id="8" name="TextBox 7">
+                <a:extLst>
+                  <a:ext uri="{FF2B5EF4-FFF2-40B4-BE49-F238E27FC236}">
+                    <a16:creationId xmlns:a16="http://schemas.microsoft.com/office/drawing/2014/main" id="{07460B3E-ABBE-44DE-B502-9DAA8074AB2B}"/>
+                  </a:ext>
+                </a:extLst>
+              </p:cNvPr>
+              <p:cNvSpPr txBox="1"/>
+              <p:nvPr/>
+            </p:nvSpPr>
+            <p:spPr>
+              <a:xfrm>
+                <a:off x="5313574" y="4267420"/>
+                <a:ext cx="1319753" cy="707886"/>
+              </a:xfrm>
+              <a:prstGeom prst="rect">
+                <a:avLst/>
+              </a:prstGeom>
+              <a:noFill/>
+            </p:spPr>
+            <p:txBody>
+              <a:bodyPr wrap="square" rtlCol="0">
+                <a:spAutoFit/>
+              </a:bodyPr>
+              <a:lstStyle/>
+              <a:p>
+                <a:pPr algn="ctr"/>
+                <a14:m>
+                  <m:oMathPara xmlns:m="http://schemas.openxmlformats.org/officeDocument/2006/math">
+                    <m:oMathParaPr>
+                      <m:jc m:val="centerGroup"/>
+                    </m:oMathParaPr>
+                    <m:oMath xmlns:m="http://schemas.openxmlformats.org/officeDocument/2006/math">
+                      <m:r>
+                        <a:rPr lang="en-US" altLang="ko-KR" sz="4000" b="0" i="1" smtClean="0">
+                          <a:solidFill>
+                            <a:schemeClr val="accent1"/>
+                          </a:solidFill>
+                          <a:latin typeface="Cambria Math" panose="02040503050406030204" pitchFamily="18" charset="0"/>
+                        </a:rPr>
+                        <m:t>𝐷</m:t>
+                      </m:r>
+                    </m:oMath>
+                  </m:oMathPara>
+                </a14:m>
+                <a:endParaRPr lang="ko-KR" altLang="en-US" sz="4000" dirty="0">
+                  <a:solidFill>
+                    <a:schemeClr val="accent1"/>
+                  </a:solidFill>
+                </a:endParaRPr>
+              </a:p>
+            </p:txBody>
+          </p:sp>
+        </mc:Choice>
+        <mc:Fallback xmlns="">
+          <p:sp>
+            <p:nvSpPr>
+              <p:cNvPr id="8" name="TextBox 7">
+                <a:extLst>
+                  <a:ext uri="{FF2B5EF4-FFF2-40B4-BE49-F238E27FC236}">
+                    <a16:creationId xmlns:a16="http://schemas.microsoft.com/office/drawing/2014/main" id="{07460B3E-ABBE-44DE-B502-9DAA8074AB2B}"/>
+                  </a:ext>
+                </a:extLst>
+              </p:cNvPr>
+              <p:cNvSpPr txBox="1">
+                <a:spLocks noRot="1" noChangeAspect="1" noMove="1" noResize="1" noEditPoints="1" noAdjustHandles="1" noChangeArrowheads="1" noChangeShapeType="1" noTextEdit="1"/>
+              </p:cNvSpPr>
+              <p:nvPr/>
+            </p:nvSpPr>
+            <p:spPr>
+              <a:xfrm>
+                <a:off x="5313574" y="4267420"/>
+                <a:ext cx="1319753" cy="707886"/>
+              </a:xfrm>
+              <a:prstGeom prst="rect">
+                <a:avLst/>
+              </a:prstGeom>
+              <a:blipFill>
+                <a:blip r:embed="rId5"/>
+                <a:stretch>
+                  <a:fillRect/>
+                </a:stretch>
+              </a:blipFill>
+            </p:spPr>
+            <p:txBody>
+              <a:bodyPr/>
+              <a:lstStyle/>
+              <a:p>
+                <a:r>
+                  <a:rPr lang="ko-KR" altLang="en-US">
+                    <a:noFill/>
+                  </a:rPr>
+                  <a:t> </a:t>
+                </a:r>
+              </a:p>
+            </p:txBody>
+          </p:sp>
+        </mc:Fallback>
+      </mc:AlternateContent>
+      <p:cxnSp>
+        <p:nvCxnSpPr>
+          <p:cNvPr id="10" name="직선 연결선 9">
+            <a:extLst>
+              <a:ext uri="{FF2B5EF4-FFF2-40B4-BE49-F238E27FC236}">
+                <a16:creationId xmlns:a16="http://schemas.microsoft.com/office/drawing/2014/main" id="{698EA2AD-7E03-4FDD-A413-06FDE765EEDB}"/>
+              </a:ext>
+            </a:extLst>
+          </p:cNvPr>
+          <p:cNvCxnSpPr>
+            <a:cxnSpLocks/>
+            <a:endCxn id="6" idx="1"/>
+          </p:cNvCxnSpPr>
+          <p:nvPr/>
+        </p:nvCxnSpPr>
+        <p:spPr>
+          <a:xfrm flipV="1">
+            <a:off x="7202078" y="2590580"/>
+            <a:ext cx="1189251" cy="808296"/>
+          </a:xfrm>
+          <a:prstGeom prst="line">
+            <a:avLst/>
+          </a:prstGeom>
+          <a:ln>
+            <a:solidFill>
+              <a:schemeClr val="tx1"/>
+            </a:solidFill>
+          </a:ln>
+        </p:spPr>
+        <p:style>
+          <a:lnRef idx="1">
+            <a:schemeClr val="accent1"/>
+          </a:lnRef>
+          <a:fillRef idx="0">
+            <a:schemeClr val="accent1"/>
+          </a:fillRef>
+          <a:effectRef idx="0">
+            <a:schemeClr val="accent1"/>
+          </a:effectRef>
+          <a:fontRef idx="minor">
+            <a:schemeClr val="tx1"/>
+          </a:fontRef>
+        </p:style>
+      </p:cxnSp>
+      <p:cxnSp>
+        <p:nvCxnSpPr>
+          <p:cNvPr id="12" name="직선 연결선 11">
+            <a:extLst>
+              <a:ext uri="{FF2B5EF4-FFF2-40B4-BE49-F238E27FC236}">
+                <a16:creationId xmlns:a16="http://schemas.microsoft.com/office/drawing/2014/main" id="{60E41521-62FB-4093-B74D-29B521BC9D9D}"/>
+              </a:ext>
+            </a:extLst>
+          </p:cNvPr>
+          <p:cNvCxnSpPr>
+            <a:cxnSpLocks/>
+            <a:endCxn id="5" idx="1"/>
+          </p:cNvCxnSpPr>
+          <p:nvPr/>
+        </p:nvCxnSpPr>
+        <p:spPr>
+          <a:xfrm flipV="1">
+            <a:off x="7098384" y="3944255"/>
+            <a:ext cx="1341550" cy="526284"/>
+          </a:xfrm>
+          <a:prstGeom prst="line">
+            <a:avLst/>
+          </a:prstGeom>
+        </p:spPr>
+        <p:style>
+          <a:lnRef idx="1">
+            <a:schemeClr val="dk1"/>
+          </a:lnRef>
+          <a:fillRef idx="0">
+            <a:schemeClr val="dk1"/>
+          </a:fillRef>
+          <a:effectRef idx="0">
+            <a:schemeClr val="dk1"/>
+          </a:effectRef>
+          <a:fontRef idx="minor">
+            <a:schemeClr val="tx1"/>
+          </a:fontRef>
+        </p:style>
+      </p:cxnSp>
+    </p:spTree>
+    <p:extLst>
+      <p:ext uri="{BB962C8B-B14F-4D97-AF65-F5344CB8AC3E}">
+        <p14:creationId xmlns:p14="http://schemas.microsoft.com/office/powerpoint/2010/main" val="3249374712"/>
       </p:ext>
     </p:extLst>
   </p:cSld>

--- a/pics/2020-08-22-stokes_theorem/pics.pptx
+++ b/pics/2020-08-22-stokes_theorem/pics.pptx
@@ -8,8 +8,11 @@
     <p:sldId id="256" r:id="rId2"/>
     <p:sldId id="257" r:id="rId3"/>
     <p:sldId id="258" r:id="rId4"/>
-    <p:sldId id="259" r:id="rId5"/>
-    <p:sldId id="260" r:id="rId6"/>
+    <p:sldId id="261" r:id="rId5"/>
+    <p:sldId id="259" r:id="rId6"/>
+    <p:sldId id="262" r:id="rId7"/>
+    <p:sldId id="260" r:id="rId8"/>
+    <p:sldId id="263" r:id="rId9"/>
   </p:sldIdLst>
   <p:sldSz cx="12192000" cy="6858000"/>
   <p:notesSz cx="6858000" cy="9144000"/>
@@ -263,7 +266,7 @@
           <a:p>
             <a:fld id="{D638ADD3-BFCD-4CA3-B507-4CA785CC4B65}" type="datetimeFigureOut">
               <a:rPr lang="ko-KR" altLang="en-US" smtClean="0"/>
-              <a:t>2020-08-29</a:t>
+              <a:t>2023-04-28</a:t>
             </a:fld>
             <a:endParaRPr lang="ko-KR" altLang="en-US"/>
           </a:p>
@@ -461,7 +464,7 @@
           <a:p>
             <a:fld id="{D638ADD3-BFCD-4CA3-B507-4CA785CC4B65}" type="datetimeFigureOut">
               <a:rPr lang="ko-KR" altLang="en-US" smtClean="0"/>
-              <a:t>2020-08-29</a:t>
+              <a:t>2023-04-28</a:t>
             </a:fld>
             <a:endParaRPr lang="ko-KR" altLang="en-US"/>
           </a:p>
@@ -669,7 +672,7 @@
           <a:p>
             <a:fld id="{D638ADD3-BFCD-4CA3-B507-4CA785CC4B65}" type="datetimeFigureOut">
               <a:rPr lang="ko-KR" altLang="en-US" smtClean="0"/>
-              <a:t>2020-08-29</a:t>
+              <a:t>2023-04-28</a:t>
             </a:fld>
             <a:endParaRPr lang="ko-KR" altLang="en-US"/>
           </a:p>
@@ -867,7 +870,7 @@
           <a:p>
             <a:fld id="{D638ADD3-BFCD-4CA3-B507-4CA785CC4B65}" type="datetimeFigureOut">
               <a:rPr lang="ko-KR" altLang="en-US" smtClean="0"/>
-              <a:t>2020-08-29</a:t>
+              <a:t>2023-04-28</a:t>
             </a:fld>
             <a:endParaRPr lang="ko-KR" altLang="en-US"/>
           </a:p>
@@ -1142,7 +1145,7 @@
           <a:p>
             <a:fld id="{D638ADD3-BFCD-4CA3-B507-4CA785CC4B65}" type="datetimeFigureOut">
               <a:rPr lang="ko-KR" altLang="en-US" smtClean="0"/>
-              <a:t>2020-08-29</a:t>
+              <a:t>2023-04-28</a:t>
             </a:fld>
             <a:endParaRPr lang="ko-KR" altLang="en-US"/>
           </a:p>
@@ -1407,7 +1410,7 @@
           <a:p>
             <a:fld id="{D638ADD3-BFCD-4CA3-B507-4CA785CC4B65}" type="datetimeFigureOut">
               <a:rPr lang="ko-KR" altLang="en-US" smtClean="0"/>
-              <a:t>2020-08-29</a:t>
+              <a:t>2023-04-28</a:t>
             </a:fld>
             <a:endParaRPr lang="ko-KR" altLang="en-US"/>
           </a:p>
@@ -1819,7 +1822,7 @@
           <a:p>
             <a:fld id="{D638ADD3-BFCD-4CA3-B507-4CA785CC4B65}" type="datetimeFigureOut">
               <a:rPr lang="ko-KR" altLang="en-US" smtClean="0"/>
-              <a:t>2020-08-29</a:t>
+              <a:t>2023-04-28</a:t>
             </a:fld>
             <a:endParaRPr lang="ko-KR" altLang="en-US"/>
           </a:p>
@@ -1960,7 +1963,7 @@
           <a:p>
             <a:fld id="{D638ADD3-BFCD-4CA3-B507-4CA785CC4B65}" type="datetimeFigureOut">
               <a:rPr lang="ko-KR" altLang="en-US" smtClean="0"/>
-              <a:t>2020-08-29</a:t>
+              <a:t>2023-04-28</a:t>
             </a:fld>
             <a:endParaRPr lang="ko-KR" altLang="en-US"/>
           </a:p>
@@ -2073,7 +2076,7 @@
           <a:p>
             <a:fld id="{D638ADD3-BFCD-4CA3-B507-4CA785CC4B65}" type="datetimeFigureOut">
               <a:rPr lang="ko-KR" altLang="en-US" smtClean="0"/>
-              <a:t>2020-08-29</a:t>
+              <a:t>2023-04-28</a:t>
             </a:fld>
             <a:endParaRPr lang="ko-KR" altLang="en-US"/>
           </a:p>
@@ -2384,7 +2387,7 @@
           <a:p>
             <a:fld id="{D638ADD3-BFCD-4CA3-B507-4CA785CC4B65}" type="datetimeFigureOut">
               <a:rPr lang="ko-KR" altLang="en-US" smtClean="0"/>
-              <a:t>2020-08-29</a:t>
+              <a:t>2023-04-28</a:t>
             </a:fld>
             <a:endParaRPr lang="ko-KR" altLang="en-US"/>
           </a:p>
@@ -2672,7 +2675,7 @@
           <a:p>
             <a:fld id="{D638ADD3-BFCD-4CA3-B507-4CA785CC4B65}" type="datetimeFigureOut">
               <a:rPr lang="ko-KR" altLang="en-US" smtClean="0"/>
-              <a:t>2020-08-29</a:t>
+              <a:t>2023-04-28</a:t>
             </a:fld>
             <a:endParaRPr lang="ko-KR" altLang="en-US"/>
           </a:p>
@@ -2913,7 +2916,7 @@
           <a:p>
             <a:fld id="{D638ADD3-BFCD-4CA3-B507-4CA785CC4B65}" type="datetimeFigureOut">
               <a:rPr lang="ko-KR" altLang="en-US" smtClean="0"/>
-              <a:t>2020-08-29</a:t>
+              <a:t>2023-04-28</a:t>
             </a:fld>
             <a:endParaRPr lang="ko-KR" altLang="en-US"/>
           </a:p>
@@ -6012,6 +6015,752 @@
           <a:chExt cx="0" cy="0"/>
         </a:xfrm>
       </p:grpSpPr>
+      <p:grpSp>
+        <p:nvGrpSpPr>
+          <p:cNvPr id="22" name="그룹 21">
+            <a:extLst>
+              <a:ext uri="{FF2B5EF4-FFF2-40B4-BE49-F238E27FC236}">
+                <a16:creationId xmlns:a16="http://schemas.microsoft.com/office/drawing/2014/main" id="{54795F57-D34A-4B58-8E5A-0E834D2A72CF}"/>
+              </a:ext>
+            </a:extLst>
+          </p:cNvPr>
+          <p:cNvGrpSpPr/>
+          <p:nvPr/>
+        </p:nvGrpSpPr>
+        <p:grpSpPr>
+          <a:xfrm>
+            <a:off x="3973326" y="2549873"/>
+            <a:ext cx="4245348" cy="1758254"/>
+            <a:chOff x="3046704" y="2121679"/>
+            <a:chExt cx="4245348" cy="1758254"/>
+          </a:xfrm>
+        </p:grpSpPr>
+        <p:sp>
+          <p:nvSpPr>
+            <p:cNvPr id="4" name="직사각형 17">
+              <a:extLst>
+                <a:ext uri="{FF2B5EF4-FFF2-40B4-BE49-F238E27FC236}">
+                  <a16:creationId xmlns:a16="http://schemas.microsoft.com/office/drawing/2014/main" id="{56AC6639-3A23-4654-879D-A450DF8CA63C}"/>
+                </a:ext>
+              </a:extLst>
+            </p:cNvPr>
+            <p:cNvSpPr/>
+            <p:nvPr/>
+          </p:nvSpPr>
+          <p:spPr>
+            <a:xfrm>
+              <a:off x="3046704" y="2268486"/>
+              <a:ext cx="4245348" cy="1464640"/>
+            </a:xfrm>
+            <a:custGeom>
+              <a:avLst/>
+              <a:gdLst>
+                <a:gd name="connsiteX0" fmla="*/ 0 w 3661492"/>
+                <a:gd name="connsiteY0" fmla="*/ 0 h 1467397"/>
+                <a:gd name="connsiteX1" fmla="*/ 3661492 w 3661492"/>
+                <a:gd name="connsiteY1" fmla="*/ 0 h 1467397"/>
+                <a:gd name="connsiteX2" fmla="*/ 3661492 w 3661492"/>
+                <a:gd name="connsiteY2" fmla="*/ 1467397 h 1467397"/>
+                <a:gd name="connsiteX3" fmla="*/ 0 w 3661492"/>
+                <a:gd name="connsiteY3" fmla="*/ 1467397 h 1467397"/>
+                <a:gd name="connsiteX4" fmla="*/ 0 w 3661492"/>
+                <a:gd name="connsiteY4" fmla="*/ 0 h 1467397"/>
+                <a:gd name="connsiteX0" fmla="*/ 729575 w 3661492"/>
+                <a:gd name="connsiteY0" fmla="*/ 19455 h 1467397"/>
+                <a:gd name="connsiteX1" fmla="*/ 3661492 w 3661492"/>
+                <a:gd name="connsiteY1" fmla="*/ 0 h 1467397"/>
+                <a:gd name="connsiteX2" fmla="*/ 3661492 w 3661492"/>
+                <a:gd name="connsiteY2" fmla="*/ 1467397 h 1467397"/>
+                <a:gd name="connsiteX3" fmla="*/ 0 w 3661492"/>
+                <a:gd name="connsiteY3" fmla="*/ 1467397 h 1467397"/>
+                <a:gd name="connsiteX4" fmla="*/ 729575 w 3661492"/>
+                <a:gd name="connsiteY4" fmla="*/ 19455 h 1467397"/>
+                <a:gd name="connsiteX0" fmla="*/ 729575 w 4284062"/>
+                <a:gd name="connsiteY0" fmla="*/ 0 h 1447942"/>
+                <a:gd name="connsiteX1" fmla="*/ 4284062 w 4284062"/>
+                <a:gd name="connsiteY1" fmla="*/ 1 h 1447942"/>
+                <a:gd name="connsiteX2" fmla="*/ 3661492 w 4284062"/>
+                <a:gd name="connsiteY2" fmla="*/ 1447942 h 1447942"/>
+                <a:gd name="connsiteX3" fmla="*/ 0 w 4284062"/>
+                <a:gd name="connsiteY3" fmla="*/ 1447942 h 1447942"/>
+                <a:gd name="connsiteX4" fmla="*/ 729575 w 4284062"/>
+                <a:gd name="connsiteY4" fmla="*/ 0 h 1447942"/>
+                <a:gd name="connsiteX0" fmla="*/ 1176272 w 4284062"/>
+                <a:gd name="connsiteY0" fmla="*/ 12072 h 1447941"/>
+                <a:gd name="connsiteX1" fmla="*/ 4284062 w 4284062"/>
+                <a:gd name="connsiteY1" fmla="*/ 0 h 1447941"/>
+                <a:gd name="connsiteX2" fmla="*/ 3661492 w 4284062"/>
+                <a:gd name="connsiteY2" fmla="*/ 1447941 h 1447941"/>
+                <a:gd name="connsiteX3" fmla="*/ 0 w 4284062"/>
+                <a:gd name="connsiteY3" fmla="*/ 1447941 h 1447941"/>
+                <a:gd name="connsiteX4" fmla="*/ 1176272 w 4284062"/>
+                <a:gd name="connsiteY4" fmla="*/ 12072 h 1447941"/>
+                <a:gd name="connsiteX0" fmla="*/ 1176272 w 4416865"/>
+                <a:gd name="connsiteY0" fmla="*/ 0 h 1435869"/>
+                <a:gd name="connsiteX1" fmla="*/ 4416865 w 4416865"/>
+                <a:gd name="connsiteY1" fmla="*/ 1 h 1435869"/>
+                <a:gd name="connsiteX2" fmla="*/ 3661492 w 4416865"/>
+                <a:gd name="connsiteY2" fmla="*/ 1435869 h 1435869"/>
+                <a:gd name="connsiteX3" fmla="*/ 0 w 4416865"/>
+                <a:gd name="connsiteY3" fmla="*/ 1435869 h 1435869"/>
+                <a:gd name="connsiteX4" fmla="*/ 1176272 w 4416865"/>
+                <a:gd name="connsiteY4" fmla="*/ 0 h 1435869"/>
+                <a:gd name="connsiteX0" fmla="*/ 1176272 w 4634178"/>
+                <a:gd name="connsiteY0" fmla="*/ 0 h 1435869"/>
+                <a:gd name="connsiteX1" fmla="*/ 4634178 w 4634178"/>
+                <a:gd name="connsiteY1" fmla="*/ 12075 h 1435869"/>
+                <a:gd name="connsiteX2" fmla="*/ 3661492 w 4634178"/>
+                <a:gd name="connsiteY2" fmla="*/ 1435869 h 1435869"/>
+                <a:gd name="connsiteX3" fmla="*/ 0 w 4634178"/>
+                <a:gd name="connsiteY3" fmla="*/ 1435869 h 1435869"/>
+                <a:gd name="connsiteX4" fmla="*/ 1176272 w 4634178"/>
+                <a:gd name="connsiteY4" fmla="*/ 0 h 1435869"/>
+                <a:gd name="connsiteX0" fmla="*/ 1176272 w 4268503"/>
+                <a:gd name="connsiteY0" fmla="*/ 0 h 1435869"/>
+                <a:gd name="connsiteX1" fmla="*/ 4268503 w 4268503"/>
+                <a:gd name="connsiteY1" fmla="*/ 12075 h 1435869"/>
+                <a:gd name="connsiteX2" fmla="*/ 3661492 w 4268503"/>
+                <a:gd name="connsiteY2" fmla="*/ 1435869 h 1435869"/>
+                <a:gd name="connsiteX3" fmla="*/ 0 w 4268503"/>
+                <a:gd name="connsiteY3" fmla="*/ 1435869 h 1435869"/>
+                <a:gd name="connsiteX4" fmla="*/ 1176272 w 4268503"/>
+                <a:gd name="connsiteY4" fmla="*/ 0 h 1435869"/>
+                <a:gd name="connsiteX0" fmla="*/ 1176272 w 3902828"/>
+                <a:gd name="connsiteY0" fmla="*/ 0 h 1435869"/>
+                <a:gd name="connsiteX1" fmla="*/ 3902828 w 3902828"/>
+                <a:gd name="connsiteY1" fmla="*/ 12075 h 1435869"/>
+                <a:gd name="connsiteX2" fmla="*/ 3661492 w 3902828"/>
+                <a:gd name="connsiteY2" fmla="*/ 1435869 h 1435869"/>
+                <a:gd name="connsiteX3" fmla="*/ 0 w 3902828"/>
+                <a:gd name="connsiteY3" fmla="*/ 1435869 h 1435869"/>
+                <a:gd name="connsiteX4" fmla="*/ 1176272 w 3902828"/>
+                <a:gd name="connsiteY4" fmla="*/ 0 h 1435869"/>
+                <a:gd name="connsiteX0" fmla="*/ 1176272 w 3719990"/>
+                <a:gd name="connsiteY0" fmla="*/ 0 h 1435869"/>
+                <a:gd name="connsiteX1" fmla="*/ 3719990 w 3719990"/>
+                <a:gd name="connsiteY1" fmla="*/ 18379 h 1435869"/>
+                <a:gd name="connsiteX2" fmla="*/ 3661492 w 3719990"/>
+                <a:gd name="connsiteY2" fmla="*/ 1435869 h 1435869"/>
+                <a:gd name="connsiteX3" fmla="*/ 0 w 3719990"/>
+                <a:gd name="connsiteY3" fmla="*/ 1435869 h 1435869"/>
+                <a:gd name="connsiteX4" fmla="*/ 1176272 w 3719990"/>
+                <a:gd name="connsiteY4" fmla="*/ 0 h 1435869"/>
+                <a:gd name="connsiteX0" fmla="*/ 1176272 w 3719990"/>
+                <a:gd name="connsiteY0" fmla="*/ 0 h 1435869"/>
+                <a:gd name="connsiteX1" fmla="*/ 3719990 w 3719990"/>
+                <a:gd name="connsiteY1" fmla="*/ 18379 h 1435869"/>
+                <a:gd name="connsiteX2" fmla="*/ 2841875 w 3719990"/>
+                <a:gd name="connsiteY2" fmla="*/ 1435869 h 1435869"/>
+                <a:gd name="connsiteX3" fmla="*/ 0 w 3719990"/>
+                <a:gd name="connsiteY3" fmla="*/ 1435869 h 1435869"/>
+                <a:gd name="connsiteX4" fmla="*/ 1176272 w 3719990"/>
+                <a:gd name="connsiteY4" fmla="*/ 0 h 1435869"/>
+                <a:gd name="connsiteX0" fmla="*/ 1176272 w 3712424"/>
+                <a:gd name="connsiteY0" fmla="*/ 0 h 1435869"/>
+                <a:gd name="connsiteX1" fmla="*/ 3712424 w 3712424"/>
+                <a:gd name="connsiteY1" fmla="*/ 3248 h 1435869"/>
+                <a:gd name="connsiteX2" fmla="*/ 2841875 w 3712424"/>
+                <a:gd name="connsiteY2" fmla="*/ 1435869 h 1435869"/>
+                <a:gd name="connsiteX3" fmla="*/ 0 w 3712424"/>
+                <a:gd name="connsiteY3" fmla="*/ 1435869 h 1435869"/>
+                <a:gd name="connsiteX4" fmla="*/ 1176272 w 3712424"/>
+                <a:gd name="connsiteY4" fmla="*/ 0 h 1435869"/>
+                <a:gd name="connsiteX0" fmla="*/ 1176272 w 3894001"/>
+                <a:gd name="connsiteY0" fmla="*/ 34581 h 1470450"/>
+                <a:gd name="connsiteX1" fmla="*/ 3894001 w 3894001"/>
+                <a:gd name="connsiteY1" fmla="*/ 0 h 1470450"/>
+                <a:gd name="connsiteX2" fmla="*/ 2841875 w 3894001"/>
+                <a:gd name="connsiteY2" fmla="*/ 1470450 h 1470450"/>
+                <a:gd name="connsiteX3" fmla="*/ 0 w 3894001"/>
+                <a:gd name="connsiteY3" fmla="*/ 1470450 h 1470450"/>
+                <a:gd name="connsiteX4" fmla="*/ 1176272 w 3894001"/>
+                <a:gd name="connsiteY4" fmla="*/ 34581 h 1470450"/>
+                <a:gd name="connsiteX0" fmla="*/ 1176272 w 3924264"/>
+                <a:gd name="connsiteY0" fmla="*/ 19450 h 1455319"/>
+                <a:gd name="connsiteX1" fmla="*/ 3924264 w 3924264"/>
+                <a:gd name="connsiteY1" fmla="*/ 0 h 1455319"/>
+                <a:gd name="connsiteX2" fmla="*/ 2841875 w 3924264"/>
+                <a:gd name="connsiteY2" fmla="*/ 1455319 h 1455319"/>
+                <a:gd name="connsiteX3" fmla="*/ 0 w 3924264"/>
+                <a:gd name="connsiteY3" fmla="*/ 1455319 h 1455319"/>
+                <a:gd name="connsiteX4" fmla="*/ 1176272 w 3924264"/>
+                <a:gd name="connsiteY4" fmla="*/ 19450 h 1455319"/>
+                <a:gd name="connsiteX0" fmla="*/ 1176272 w 4022618"/>
+                <a:gd name="connsiteY0" fmla="*/ 4319 h 1440188"/>
+                <a:gd name="connsiteX1" fmla="*/ 4022618 w 4022618"/>
+                <a:gd name="connsiteY1" fmla="*/ 0 h 1440188"/>
+                <a:gd name="connsiteX2" fmla="*/ 2841875 w 4022618"/>
+                <a:gd name="connsiteY2" fmla="*/ 1440188 h 1440188"/>
+                <a:gd name="connsiteX3" fmla="*/ 0 w 4022618"/>
+                <a:gd name="connsiteY3" fmla="*/ 1440188 h 1440188"/>
+                <a:gd name="connsiteX4" fmla="*/ 1176272 w 4022618"/>
+                <a:gd name="connsiteY4" fmla="*/ 4319 h 1440188"/>
+                <a:gd name="connsiteX0" fmla="*/ 542645 w 4022618"/>
+                <a:gd name="connsiteY0" fmla="*/ 1115532 h 1440188"/>
+                <a:gd name="connsiteX1" fmla="*/ 4022618 w 4022618"/>
+                <a:gd name="connsiteY1" fmla="*/ 0 h 1440188"/>
+                <a:gd name="connsiteX2" fmla="*/ 2841875 w 4022618"/>
+                <a:gd name="connsiteY2" fmla="*/ 1440188 h 1440188"/>
+                <a:gd name="connsiteX3" fmla="*/ 0 w 4022618"/>
+                <a:gd name="connsiteY3" fmla="*/ 1440188 h 1440188"/>
+                <a:gd name="connsiteX4" fmla="*/ 542645 w 4022618"/>
+                <a:gd name="connsiteY4" fmla="*/ 1115532 h 1440188"/>
+                <a:gd name="connsiteX0" fmla="*/ 542645 w 2841875"/>
+                <a:gd name="connsiteY0" fmla="*/ 0 h 324656"/>
+                <a:gd name="connsiteX1" fmla="*/ 2036622 w 2841875"/>
+                <a:gd name="connsiteY1" fmla="*/ 409 h 324656"/>
+                <a:gd name="connsiteX2" fmla="*/ 2841875 w 2841875"/>
+                <a:gd name="connsiteY2" fmla="*/ 324656 h 324656"/>
+                <a:gd name="connsiteX3" fmla="*/ 0 w 2841875"/>
+                <a:gd name="connsiteY3" fmla="*/ 324656 h 324656"/>
+                <a:gd name="connsiteX4" fmla="*/ 542645 w 2841875"/>
+                <a:gd name="connsiteY4" fmla="*/ 0 h 324656"/>
+                <a:gd name="connsiteX0" fmla="*/ 542645 w 2036622"/>
+                <a:gd name="connsiteY0" fmla="*/ 0 h 329385"/>
+                <a:gd name="connsiteX1" fmla="*/ 2036622 w 2036622"/>
+                <a:gd name="connsiteY1" fmla="*/ 409 h 329385"/>
+                <a:gd name="connsiteX2" fmla="*/ 1446950 w 2036622"/>
+                <a:gd name="connsiteY2" fmla="*/ 329385 h 329385"/>
+                <a:gd name="connsiteX3" fmla="*/ 0 w 2036622"/>
+                <a:gd name="connsiteY3" fmla="*/ 324656 h 329385"/>
+                <a:gd name="connsiteX4" fmla="*/ 542645 w 2036622"/>
+                <a:gd name="connsiteY4" fmla="*/ 0 h 329385"/>
+                <a:gd name="connsiteX0" fmla="*/ 393510 w 2036622"/>
+                <a:gd name="connsiteY0" fmla="*/ 0 h 329385"/>
+                <a:gd name="connsiteX1" fmla="*/ 2036622 w 2036622"/>
+                <a:gd name="connsiteY1" fmla="*/ 409 h 329385"/>
+                <a:gd name="connsiteX2" fmla="*/ 1446950 w 2036622"/>
+                <a:gd name="connsiteY2" fmla="*/ 329385 h 329385"/>
+                <a:gd name="connsiteX3" fmla="*/ 0 w 2036622"/>
+                <a:gd name="connsiteY3" fmla="*/ 324656 h 329385"/>
+                <a:gd name="connsiteX4" fmla="*/ 393510 w 2036622"/>
+                <a:gd name="connsiteY4" fmla="*/ 0 h 329385"/>
+                <a:gd name="connsiteX0" fmla="*/ 393510 w 1786907"/>
+                <a:gd name="connsiteY0" fmla="*/ 0 h 329385"/>
+                <a:gd name="connsiteX1" fmla="*/ 1786907 w 1786907"/>
+                <a:gd name="connsiteY1" fmla="*/ 3877 h 329385"/>
+                <a:gd name="connsiteX2" fmla="*/ 1446950 w 1786907"/>
+                <a:gd name="connsiteY2" fmla="*/ 329385 h 329385"/>
+                <a:gd name="connsiteX3" fmla="*/ 0 w 1786907"/>
+                <a:gd name="connsiteY3" fmla="*/ 324656 h 329385"/>
+                <a:gd name="connsiteX4" fmla="*/ 393510 w 1786907"/>
+                <a:gd name="connsiteY4" fmla="*/ 0 h 329385"/>
+                <a:gd name="connsiteX0" fmla="*/ 393510 w 1841532"/>
+                <a:gd name="connsiteY0" fmla="*/ 1325 h 330710"/>
+                <a:gd name="connsiteX1" fmla="*/ 1841532 w 1841532"/>
+                <a:gd name="connsiteY1" fmla="*/ 0 h 330710"/>
+                <a:gd name="connsiteX2" fmla="*/ 1446950 w 1841532"/>
+                <a:gd name="connsiteY2" fmla="*/ 330710 h 330710"/>
+                <a:gd name="connsiteX3" fmla="*/ 0 w 1841532"/>
+                <a:gd name="connsiteY3" fmla="*/ 325981 h 330710"/>
+                <a:gd name="connsiteX4" fmla="*/ 393510 w 1841532"/>
+                <a:gd name="connsiteY4" fmla="*/ 1325 h 330710"/>
+              </a:gdLst>
+              <a:ahLst/>
+              <a:cxnLst>
+                <a:cxn ang="0">
+                  <a:pos x="connsiteX0" y="connsiteY0"/>
+                </a:cxn>
+                <a:cxn ang="0">
+                  <a:pos x="connsiteX1" y="connsiteY1"/>
+                </a:cxn>
+                <a:cxn ang="0">
+                  <a:pos x="connsiteX2" y="connsiteY2"/>
+                </a:cxn>
+                <a:cxn ang="0">
+                  <a:pos x="connsiteX3" y="connsiteY3"/>
+                </a:cxn>
+                <a:cxn ang="0">
+                  <a:pos x="connsiteX4" y="connsiteY4"/>
+                </a:cxn>
+              </a:cxnLst>
+              <a:rect l="l" t="t" r="r" b="b"/>
+              <a:pathLst>
+                <a:path w="1841532" h="330710">
+                  <a:moveTo>
+                    <a:pt x="393510" y="1325"/>
+                  </a:moveTo>
+                  <a:lnTo>
+                    <a:pt x="1841532" y="0"/>
+                  </a:lnTo>
+                  <a:lnTo>
+                    <a:pt x="1446950" y="330710"/>
+                  </a:lnTo>
+                  <a:lnTo>
+                    <a:pt x="0" y="325981"/>
+                  </a:lnTo>
+                  <a:lnTo>
+                    <a:pt x="393510" y="1325"/>
+                  </a:lnTo>
+                  <a:close/>
+                </a:path>
+              </a:pathLst>
+            </a:custGeom>
+            <a:solidFill>
+              <a:schemeClr val="bg2"/>
+            </a:solidFill>
+            <a:ln>
+              <a:solidFill>
+                <a:schemeClr val="tx1"/>
+              </a:solidFill>
+            </a:ln>
+          </p:spPr>
+          <p:style>
+            <a:lnRef idx="2">
+              <a:schemeClr val="accent1">
+                <a:shade val="50000"/>
+              </a:schemeClr>
+            </a:lnRef>
+            <a:fillRef idx="1">
+              <a:schemeClr val="accent1"/>
+            </a:fillRef>
+            <a:effectRef idx="0">
+              <a:schemeClr val="accent1"/>
+            </a:effectRef>
+            <a:fontRef idx="minor">
+              <a:schemeClr val="lt1"/>
+            </a:fontRef>
+          </p:style>
+          <p:txBody>
+            <a:bodyPr rtlCol="0" anchor="ctr"/>
+            <a:lstStyle/>
+            <a:p>
+              <a:pPr algn="ctr"/>
+              <a:endParaRPr lang="ko-KR" altLang="en-US" sz="2800" dirty="0">
+                <a:solidFill>
+                  <a:schemeClr val="tx1"/>
+                </a:solidFill>
+              </a:endParaRPr>
+            </a:p>
+          </p:txBody>
+        </p:sp>
+        <p:sp>
+          <p:nvSpPr>
+            <p:cNvPr id="15" name="갈매기형 수장 9">
+              <a:extLst>
+                <a:ext uri="{FF2B5EF4-FFF2-40B4-BE49-F238E27FC236}">
+                  <a16:creationId xmlns:a16="http://schemas.microsoft.com/office/drawing/2014/main" id="{11A45444-23DE-48C6-9216-4B3302CBBA03}"/>
+                </a:ext>
+              </a:extLst>
+            </p:cNvPr>
+            <p:cNvSpPr/>
+            <p:nvPr/>
+          </p:nvSpPr>
+          <p:spPr>
+            <a:xfrm rot="7168053">
+              <a:off x="3508340" y="2701439"/>
+              <a:ext cx="184558" cy="293614"/>
+            </a:xfrm>
+            <a:prstGeom prst="chevron">
+              <a:avLst/>
+            </a:prstGeom>
+            <a:solidFill>
+              <a:srgbClr val="FF0000"/>
+            </a:solidFill>
+            <a:ln>
+              <a:noFill/>
+            </a:ln>
+          </p:spPr>
+          <p:style>
+            <a:lnRef idx="2">
+              <a:schemeClr val="accent1">
+                <a:shade val="50000"/>
+              </a:schemeClr>
+            </a:lnRef>
+            <a:fillRef idx="1">
+              <a:schemeClr val="accent1"/>
+            </a:fillRef>
+            <a:effectRef idx="0">
+              <a:schemeClr val="accent1"/>
+            </a:effectRef>
+            <a:fontRef idx="minor">
+              <a:schemeClr val="lt1"/>
+            </a:fontRef>
+          </p:style>
+          <p:txBody>
+            <a:bodyPr rtlCol="0" anchor="ctr"/>
+            <a:lstStyle/>
+            <a:p>
+              <a:pPr algn="ctr"/>
+              <a:endParaRPr lang="ko-KR" altLang="en-US">
+                <a:solidFill>
+                  <a:schemeClr val="tx1"/>
+                </a:solidFill>
+              </a:endParaRPr>
+            </a:p>
+          </p:txBody>
+        </p:sp>
+        <p:sp>
+          <p:nvSpPr>
+            <p:cNvPr id="16" name="갈매기형 수장 9">
+              <a:extLst>
+                <a:ext uri="{FF2B5EF4-FFF2-40B4-BE49-F238E27FC236}">
+                  <a16:creationId xmlns:a16="http://schemas.microsoft.com/office/drawing/2014/main" id="{C070AB34-F550-4A28-A670-A0CD031B4607}"/>
+                </a:ext>
+              </a:extLst>
+            </p:cNvPr>
+            <p:cNvSpPr/>
+            <p:nvPr/>
+          </p:nvSpPr>
+          <p:spPr>
+            <a:xfrm>
+              <a:off x="4743516" y="3586319"/>
+              <a:ext cx="184558" cy="293614"/>
+            </a:xfrm>
+            <a:prstGeom prst="chevron">
+              <a:avLst/>
+            </a:prstGeom>
+            <a:solidFill>
+              <a:srgbClr val="FF0000"/>
+            </a:solidFill>
+            <a:ln>
+              <a:noFill/>
+            </a:ln>
+          </p:spPr>
+          <p:style>
+            <a:lnRef idx="2">
+              <a:schemeClr val="accent1">
+                <a:shade val="50000"/>
+              </a:schemeClr>
+            </a:lnRef>
+            <a:fillRef idx="1">
+              <a:schemeClr val="accent1"/>
+            </a:fillRef>
+            <a:effectRef idx="0">
+              <a:schemeClr val="accent1"/>
+            </a:effectRef>
+            <a:fontRef idx="minor">
+              <a:schemeClr val="lt1"/>
+            </a:fontRef>
+          </p:style>
+          <p:txBody>
+            <a:bodyPr rtlCol="0" anchor="ctr"/>
+            <a:lstStyle/>
+            <a:p>
+              <a:pPr algn="ctr"/>
+              <a:endParaRPr lang="ko-KR" altLang="en-US">
+                <a:solidFill>
+                  <a:schemeClr val="tx1"/>
+                </a:solidFill>
+              </a:endParaRPr>
+            </a:p>
+          </p:txBody>
+        </p:sp>
+        <p:sp>
+          <p:nvSpPr>
+            <p:cNvPr id="17" name="갈매기형 수장 9">
+              <a:extLst>
+                <a:ext uri="{FF2B5EF4-FFF2-40B4-BE49-F238E27FC236}">
+                  <a16:creationId xmlns:a16="http://schemas.microsoft.com/office/drawing/2014/main" id="{72119E9F-0BA2-4FB5-9FA2-5FD703DE09BA}"/>
+                </a:ext>
+              </a:extLst>
+            </p:cNvPr>
+            <p:cNvSpPr/>
+            <p:nvPr/>
+          </p:nvSpPr>
+          <p:spPr>
+            <a:xfrm rot="18008435">
+              <a:off x="6765211" y="2853999"/>
+              <a:ext cx="184558" cy="293614"/>
+            </a:xfrm>
+            <a:prstGeom prst="chevron">
+              <a:avLst/>
+            </a:prstGeom>
+            <a:solidFill>
+              <a:srgbClr val="FF0000"/>
+            </a:solidFill>
+            <a:ln>
+              <a:noFill/>
+            </a:ln>
+          </p:spPr>
+          <p:style>
+            <a:lnRef idx="2">
+              <a:schemeClr val="accent1">
+                <a:shade val="50000"/>
+              </a:schemeClr>
+            </a:lnRef>
+            <a:fillRef idx="1">
+              <a:schemeClr val="accent1"/>
+            </a:fillRef>
+            <a:effectRef idx="0">
+              <a:schemeClr val="accent1"/>
+            </a:effectRef>
+            <a:fontRef idx="minor">
+              <a:schemeClr val="lt1"/>
+            </a:fontRef>
+          </p:style>
+          <p:txBody>
+            <a:bodyPr rtlCol="0" anchor="ctr"/>
+            <a:lstStyle/>
+            <a:p>
+              <a:pPr algn="ctr"/>
+              <a:endParaRPr lang="ko-KR" altLang="en-US">
+                <a:solidFill>
+                  <a:schemeClr val="tx1"/>
+                </a:solidFill>
+              </a:endParaRPr>
+            </a:p>
+          </p:txBody>
+        </p:sp>
+        <p:sp>
+          <p:nvSpPr>
+            <p:cNvPr id="18" name="갈매기형 수장 9">
+              <a:extLst>
+                <a:ext uri="{FF2B5EF4-FFF2-40B4-BE49-F238E27FC236}">
+                  <a16:creationId xmlns:a16="http://schemas.microsoft.com/office/drawing/2014/main" id="{010AB461-68D9-442A-B7DC-38F70F2F44F2}"/>
+                </a:ext>
+              </a:extLst>
+            </p:cNvPr>
+            <p:cNvSpPr/>
+            <p:nvPr/>
+          </p:nvSpPr>
+          <p:spPr>
+            <a:xfrm rot="10800000">
+              <a:off x="5390262" y="2121679"/>
+              <a:ext cx="184558" cy="293614"/>
+            </a:xfrm>
+            <a:prstGeom prst="chevron">
+              <a:avLst/>
+            </a:prstGeom>
+            <a:solidFill>
+              <a:srgbClr val="FF0000"/>
+            </a:solidFill>
+            <a:ln>
+              <a:noFill/>
+            </a:ln>
+          </p:spPr>
+          <p:style>
+            <a:lnRef idx="2">
+              <a:schemeClr val="accent1">
+                <a:shade val="50000"/>
+              </a:schemeClr>
+            </a:lnRef>
+            <a:fillRef idx="1">
+              <a:schemeClr val="accent1"/>
+            </a:fillRef>
+            <a:effectRef idx="0">
+              <a:schemeClr val="accent1"/>
+            </a:effectRef>
+            <a:fontRef idx="minor">
+              <a:schemeClr val="lt1"/>
+            </a:fontRef>
+          </p:style>
+          <p:txBody>
+            <a:bodyPr rtlCol="0" anchor="ctr"/>
+            <a:lstStyle/>
+            <a:p>
+              <a:pPr algn="ctr"/>
+              <a:endParaRPr lang="ko-KR" altLang="en-US">
+                <a:solidFill>
+                  <a:schemeClr val="tx1"/>
+                </a:solidFill>
+              </a:endParaRPr>
+            </a:p>
+          </p:txBody>
+        </p:sp>
+        <p:pic>
+          <p:nvPicPr>
+            <p:cNvPr id="21" name="그림 20">
+              <a:extLst>
+                <a:ext uri="{FF2B5EF4-FFF2-40B4-BE49-F238E27FC236}">
+                  <a16:creationId xmlns:a16="http://schemas.microsoft.com/office/drawing/2014/main" id="{F40894BB-FA47-42A2-B89A-42F606DE1B84}"/>
+                </a:ext>
+              </a:extLst>
+            </p:cNvPr>
+            <p:cNvPicPr>
+              <a:picLocks noChangeAspect="1"/>
+            </p:cNvPicPr>
+            <p:nvPr/>
+          </p:nvPicPr>
+          <p:blipFill>
+            <a:blip r:embed="rId2">
+              <a:extLst>
+                <a:ext uri="{BEBA8EAE-BF5A-486C-A8C5-ECC9F3942E4B}">
+                  <a14:imgProps xmlns:a14="http://schemas.microsoft.com/office/drawing/2010/main">
+                    <a14:imgLayer r:embed="rId3">
+                      <a14:imgEffect>
+                        <a14:backgroundRemoval t="10000" b="90000" l="10000" r="90000"/>
+                      </a14:imgEffect>
+                    </a14:imgLayer>
+                  </a14:imgProps>
+                </a:ext>
+                <a:ext uri="{28A0092B-C50C-407E-A947-70E740481C1C}">
+                  <a14:useLocalDpi xmlns:a14="http://schemas.microsoft.com/office/drawing/2010/main" val="0"/>
+                </a:ext>
+              </a:extLst>
+            </a:blip>
+            <a:stretch>
+              <a:fillRect/>
+            </a:stretch>
+          </p:blipFill>
+          <p:spPr>
+            <a:xfrm>
+              <a:off x="4255268" y="2238881"/>
+              <a:ext cx="1601522" cy="1523850"/>
+            </a:xfrm>
+            <a:prstGeom prst="rect">
+              <a:avLst/>
+            </a:prstGeom>
+          </p:spPr>
+        </p:pic>
+      </p:grpSp>
+      <mc:AlternateContent xmlns:mc="http://schemas.openxmlformats.org/markup-compatibility/2006">
+        <mc:Choice xmlns:a14="http://schemas.microsoft.com/office/drawing/2010/main" Requires="a14">
+          <p:sp>
+            <p:nvSpPr>
+              <p:cNvPr id="23" name="TextBox 22">
+                <a:extLst>
+                  <a:ext uri="{FF2B5EF4-FFF2-40B4-BE49-F238E27FC236}">
+                    <a16:creationId xmlns:a16="http://schemas.microsoft.com/office/drawing/2014/main" id="{A470AA4E-D463-43DE-A03A-A669ECEECAC4}"/>
+                  </a:ext>
+                </a:extLst>
+              </p:cNvPr>
+              <p:cNvSpPr txBox="1"/>
+              <p:nvPr/>
+            </p:nvSpPr>
+            <p:spPr>
+              <a:xfrm>
+                <a:off x="6337306" y="3786794"/>
+                <a:ext cx="1148456" cy="369332"/>
+              </a:xfrm>
+              <a:prstGeom prst="rect">
+                <a:avLst/>
+              </a:prstGeom>
+              <a:noFill/>
+            </p:spPr>
+            <p:txBody>
+              <a:bodyPr wrap="none" rtlCol="0">
+                <a:spAutoFit/>
+              </a:bodyPr>
+              <a:lstStyle/>
+              <a:p>
+                <a:pPr/>
+                <a14:m>
+                  <m:oMathPara xmlns:m="http://schemas.openxmlformats.org/officeDocument/2006/math">
+                    <m:oMathParaPr>
+                      <m:jc m:val="centerGroup"/>
+                    </m:oMathParaPr>
+                    <m:oMath xmlns:m="http://schemas.openxmlformats.org/officeDocument/2006/math">
+                      <m:sSub>
+                        <m:sSubPr>
+                          <m:ctrlPr>
+                            <a:rPr lang="en-US" altLang="ko-KR" b="0" i="1" smtClean="0">
+                              <a:latin typeface="Cambria Math" panose="02040503050406030204" pitchFamily="18" charset="0"/>
+                            </a:rPr>
+                          </m:ctrlPr>
+                        </m:sSubPr>
+                        <m:e>
+                          <m:r>
+                            <a:rPr lang="en-US" altLang="ko-KR" b="0" i="1" smtClean="0">
+                              <a:latin typeface="Cambria Math" panose="02040503050406030204" pitchFamily="18" charset="0"/>
+                            </a:rPr>
+                            <m:t>𝐴𝑟𝑒𝑎</m:t>
+                          </m:r>
+                          <m:r>
+                            <a:rPr lang="en-US" altLang="ko-KR" b="0" i="1" smtClean="0">
+                              <a:latin typeface="Cambria Math" panose="02040503050406030204" pitchFamily="18" charset="0"/>
+                            </a:rPr>
+                            <m:t>: </m:t>
+                          </m:r>
+                          <m:r>
+                            <a:rPr lang="en-US" altLang="ko-KR" b="0" i="1" smtClean="0">
+                              <a:latin typeface="Cambria Math" panose="02040503050406030204" pitchFamily="18" charset="0"/>
+                            </a:rPr>
+                            <m:t>𝑆</m:t>
+                          </m:r>
+                        </m:e>
+                        <m:sub>
+                          <m:r>
+                            <a:rPr lang="en-US" altLang="ko-KR" b="0" i="1" smtClean="0">
+                              <a:latin typeface="Cambria Math" panose="02040503050406030204" pitchFamily="18" charset="0"/>
+                            </a:rPr>
+                            <m:t>𝑘</m:t>
+                          </m:r>
+                        </m:sub>
+                      </m:sSub>
+                    </m:oMath>
+                  </m:oMathPara>
+                </a14:m>
+                <a:endParaRPr lang="ko-KR" altLang="en-US" dirty="0"/>
+              </a:p>
+            </p:txBody>
+          </p:sp>
+        </mc:Choice>
+        <mc:Fallback>
+          <p:sp>
+            <p:nvSpPr>
+              <p:cNvPr id="23" name="TextBox 22">
+                <a:extLst>
+                  <a:ext uri="{FF2B5EF4-FFF2-40B4-BE49-F238E27FC236}">
+                    <a16:creationId xmlns:a16="http://schemas.microsoft.com/office/drawing/2014/main" id="{A470AA4E-D463-43DE-A03A-A669ECEECAC4}"/>
+                  </a:ext>
+                </a:extLst>
+              </p:cNvPr>
+              <p:cNvSpPr txBox="1">
+                <a:spLocks noRot="1" noChangeAspect="1" noMove="1" noResize="1" noEditPoints="1" noAdjustHandles="1" noChangeArrowheads="1" noChangeShapeType="1" noTextEdit="1"/>
+              </p:cNvSpPr>
+              <p:nvPr/>
+            </p:nvSpPr>
+            <p:spPr>
+              <a:xfrm>
+                <a:off x="6337306" y="3786794"/>
+                <a:ext cx="1148456" cy="369332"/>
+              </a:xfrm>
+              <a:prstGeom prst="rect">
+                <a:avLst/>
+              </a:prstGeom>
+              <a:blipFill>
+                <a:blip r:embed="rId4"/>
+                <a:stretch>
+                  <a:fillRect b="-3279"/>
+                </a:stretch>
+              </a:blipFill>
+            </p:spPr>
+            <p:txBody>
+              <a:bodyPr/>
+              <a:lstStyle/>
+              <a:p>
+                <a:r>
+                  <a:rPr lang="en-US">
+                    <a:noFill/>
+                  </a:rPr>
+                  <a:t> </a:t>
+                </a:r>
+              </a:p>
+            </p:txBody>
+          </p:sp>
+        </mc:Fallback>
+      </mc:AlternateContent>
+    </p:spTree>
+    <p:extLst>
+      <p:ext uri="{BB962C8B-B14F-4D97-AF65-F5344CB8AC3E}">
+        <p14:creationId xmlns:p14="http://schemas.microsoft.com/office/powerpoint/2010/main" val="1844651101"/>
+      </p:ext>
+    </p:extLst>
+  </p:cSld>
+  <p:clrMapOvr>
+    <a:masterClrMapping/>
+  </p:clrMapOvr>
+</p:sld>
+</file>
+
+<file path=ppt/slides/slide5.xml><?xml version="1.0" encoding="utf-8"?>
+<p:sld xmlns:a="http://schemas.openxmlformats.org/drawingml/2006/main" xmlns:r="http://schemas.openxmlformats.org/officeDocument/2006/relationships" xmlns:p="http://schemas.openxmlformats.org/presentationml/2006/main">
+  <p:cSld>
+    <p:spTree>
+      <p:nvGrpSpPr>
+        <p:cNvPr id="1" name=""/>
+        <p:cNvGrpSpPr/>
+        <p:nvPr/>
+      </p:nvGrpSpPr>
+      <p:grpSpPr>
+        <a:xfrm>
+          <a:off x="0" y="0"/>
+          <a:ext cx="0" cy="0"/>
+          <a:chOff x="0" y="0"/>
+          <a:chExt cx="0" cy="0"/>
+        </a:xfrm>
+      </p:grpSpPr>
       <p:pic>
         <p:nvPicPr>
           <p:cNvPr id="4" name="그림 3">
@@ -6437,7 +7186,7 @@
 </p:sld>
 </file>
 
-<file path=ppt/slides/slide5.xml><?xml version="1.0" encoding="utf-8"?>
+<file path=ppt/slides/slide6.xml><?xml version="1.0" encoding="utf-8"?>
 <p:sld xmlns:a="http://schemas.openxmlformats.org/drawingml/2006/main" xmlns:r="http://schemas.openxmlformats.org/officeDocument/2006/relationships" xmlns:p="http://schemas.openxmlformats.org/presentationml/2006/main">
   <p:cSld>
     <p:spTree>
@@ -6484,8 +7233,447 @@
           </a:prstGeom>
         </p:spPr>
       </p:pic>
-      <mc:AlternateContent xmlns:mc="http://schemas.openxmlformats.org/markup-compatibility/2006">
-        <mc:Choice xmlns:a14="http://schemas.microsoft.com/office/drawing/2010/main" Requires="a14">
+      <p:sp>
+        <p:nvSpPr>
+          <p:cNvPr id="5" name="TextBox 4">
+            <a:extLst>
+              <a:ext uri="{FF2B5EF4-FFF2-40B4-BE49-F238E27FC236}">
+                <a16:creationId xmlns:a16="http://schemas.microsoft.com/office/drawing/2014/main" id="{9DCC3473-F53C-4487-95C1-27238F53C85F}"/>
+              </a:ext>
+            </a:extLst>
+          </p:cNvPr>
+          <p:cNvSpPr txBox="1"/>
+          <p:nvPr/>
+        </p:nvSpPr>
+        <p:spPr>
+          <a:xfrm>
+            <a:off x="8439935" y="3621089"/>
+            <a:ext cx="1319753" cy="369332"/>
+          </a:xfrm>
+          <a:prstGeom prst="rect">
+            <a:avLst/>
+          </a:prstGeom>
+          <a:noFill/>
+          <a:ln>
+            <a:solidFill>
+              <a:schemeClr val="tx1"/>
+            </a:solidFill>
+          </a:ln>
+        </p:spPr>
+        <p:txBody>
+          <a:bodyPr wrap="square" rtlCol="0">
+            <a:spAutoFit/>
+          </a:bodyPr>
+          <a:lstStyle/>
+          <a:p>
+            <a:pPr algn="ctr"/>
+            <a:r>
+              <a:rPr lang="en-US" altLang="ko-KR" dirty="0"/>
+              <a:t>Domain</a:t>
+            </a:r>
+            <a:endParaRPr lang="ko-KR" altLang="en-US" dirty="0"/>
+          </a:p>
+        </p:txBody>
+      </p:sp>
+      <p:sp>
+        <p:nvSpPr>
+          <p:cNvPr id="6" name="TextBox 5">
+            <a:extLst>
+              <a:ext uri="{FF2B5EF4-FFF2-40B4-BE49-F238E27FC236}">
+                <a16:creationId xmlns:a16="http://schemas.microsoft.com/office/drawing/2014/main" id="{7DA8295D-E218-4759-81CD-227FBD2E9BB4}"/>
+              </a:ext>
+            </a:extLst>
+          </p:cNvPr>
+          <p:cNvSpPr txBox="1"/>
+          <p:nvPr/>
+        </p:nvSpPr>
+        <p:spPr>
+          <a:xfrm>
+            <a:off x="8153400" y="2345667"/>
+            <a:ext cx="1905000" cy="646331"/>
+          </a:xfrm>
+          <a:prstGeom prst="rect">
+            <a:avLst/>
+          </a:prstGeom>
+          <a:noFill/>
+          <a:ln>
+            <a:solidFill>
+              <a:schemeClr val="tx1"/>
+            </a:solidFill>
+          </a:ln>
+        </p:spPr>
+        <p:txBody>
+          <a:bodyPr wrap="square" rtlCol="0">
+            <a:spAutoFit/>
+          </a:bodyPr>
+          <a:lstStyle/>
+          <a:p>
+            <a:pPr algn="ctr"/>
+            <a:r>
+              <a:rPr lang="en-US" altLang="ko-KR" dirty="0"/>
+              <a:t>Range: </a:t>
+            </a:r>
+          </a:p>
+          <a:p>
+            <a:pPr algn="ctr"/>
+            <a:r>
+              <a:rPr lang="en-US" altLang="ko-KR" dirty="0"/>
+              <a:t>Curved Surface</a:t>
+            </a:r>
+            <a:endParaRPr lang="ko-KR" altLang="en-US" dirty="0"/>
+          </a:p>
+        </p:txBody>
+      </p:sp>
+      <mc:AlternateContent xmlns:mc="http://schemas.openxmlformats.org/markup-compatibility/2006" xmlns:a14="http://schemas.microsoft.com/office/drawing/2010/main">
+        <mc:Choice Requires="a14">
+          <p:sp>
+            <p:nvSpPr>
+              <p:cNvPr id="7" name="TextBox 6">
+                <a:extLst>
+                  <a:ext uri="{FF2B5EF4-FFF2-40B4-BE49-F238E27FC236}">
+                    <a16:creationId xmlns:a16="http://schemas.microsoft.com/office/drawing/2014/main" id="{0DAC4895-9C35-44D7-981F-CADD24F6E366}"/>
+                  </a:ext>
+                </a:extLst>
+              </p:cNvPr>
+              <p:cNvSpPr txBox="1"/>
+              <p:nvPr/>
+            </p:nvSpPr>
+            <p:spPr>
+              <a:xfrm>
+                <a:off x="5313574" y="2345667"/>
+                <a:ext cx="1319753" cy="707886"/>
+              </a:xfrm>
+              <a:prstGeom prst="rect">
+                <a:avLst/>
+              </a:prstGeom>
+              <a:noFill/>
+            </p:spPr>
+            <p:txBody>
+              <a:bodyPr wrap="square" rtlCol="0">
+                <a:spAutoFit/>
+              </a:bodyPr>
+              <a:lstStyle/>
+              <a:p>
+                <a:pPr algn="ctr"/>
+                <a14:m>
+                  <m:oMathPara xmlns:m="http://schemas.openxmlformats.org/officeDocument/2006/math">
+                    <m:oMathParaPr>
+                      <m:jc m:val="centerGroup"/>
+                    </m:oMathParaPr>
+                    <m:oMath xmlns:m="http://schemas.openxmlformats.org/officeDocument/2006/math">
+                      <m:r>
+                        <a:rPr lang="en-US" altLang="ko-KR" sz="4000" b="0" i="1" smtClean="0">
+                          <a:solidFill>
+                            <a:schemeClr val="accent2"/>
+                          </a:solidFill>
+                          <a:latin typeface="Cambria Math" panose="02040503050406030204" pitchFamily="18" charset="0"/>
+                        </a:rPr>
+                        <m:t>𝑆</m:t>
+                      </m:r>
+                    </m:oMath>
+                  </m:oMathPara>
+                </a14:m>
+                <a:endParaRPr lang="ko-KR" altLang="en-US" sz="4000" dirty="0">
+                  <a:solidFill>
+                    <a:schemeClr val="accent2"/>
+                  </a:solidFill>
+                </a:endParaRPr>
+              </a:p>
+            </p:txBody>
+          </p:sp>
+        </mc:Choice>
+        <mc:Fallback xmlns="">
+          <p:sp>
+            <p:nvSpPr>
+              <p:cNvPr id="7" name="TextBox 6">
+                <a:extLst>
+                  <a:ext uri="{FF2B5EF4-FFF2-40B4-BE49-F238E27FC236}">
+                    <a16:creationId xmlns:a16="http://schemas.microsoft.com/office/drawing/2014/main" id="{0DAC4895-9C35-44D7-981F-CADD24F6E366}"/>
+                  </a:ext>
+                </a:extLst>
+              </p:cNvPr>
+              <p:cNvSpPr txBox="1">
+                <a:spLocks noRot="1" noChangeAspect="1" noMove="1" noResize="1" noEditPoints="1" noAdjustHandles="1" noChangeArrowheads="1" noChangeShapeType="1" noTextEdit="1"/>
+              </p:cNvSpPr>
+              <p:nvPr/>
+            </p:nvSpPr>
+            <p:spPr>
+              <a:xfrm>
+                <a:off x="5313574" y="2345667"/>
+                <a:ext cx="1319753" cy="707886"/>
+              </a:xfrm>
+              <a:prstGeom prst="rect">
+                <a:avLst/>
+              </a:prstGeom>
+              <a:blipFill>
+                <a:blip r:embed="rId3"/>
+                <a:stretch>
+                  <a:fillRect/>
+                </a:stretch>
+              </a:blipFill>
+            </p:spPr>
+            <p:txBody>
+              <a:bodyPr/>
+              <a:lstStyle/>
+              <a:p>
+                <a:r>
+                  <a:rPr lang="ko-KR" altLang="en-US">
+                    <a:noFill/>
+                  </a:rPr>
+                  <a:t> </a:t>
+                </a:r>
+              </a:p>
+            </p:txBody>
+          </p:sp>
+        </mc:Fallback>
+      </mc:AlternateContent>
+      <mc:AlternateContent xmlns:mc="http://schemas.openxmlformats.org/markup-compatibility/2006" xmlns:a14="http://schemas.microsoft.com/office/drawing/2010/main">
+        <mc:Choice Requires="a14">
+          <p:sp>
+            <p:nvSpPr>
+              <p:cNvPr id="8" name="TextBox 7">
+                <a:extLst>
+                  <a:ext uri="{FF2B5EF4-FFF2-40B4-BE49-F238E27FC236}">
+                    <a16:creationId xmlns:a16="http://schemas.microsoft.com/office/drawing/2014/main" id="{07460B3E-ABBE-44DE-B502-9DAA8074AB2B}"/>
+                  </a:ext>
+                </a:extLst>
+              </p:cNvPr>
+              <p:cNvSpPr txBox="1"/>
+              <p:nvPr/>
+            </p:nvSpPr>
+            <p:spPr>
+              <a:xfrm>
+                <a:off x="5313574" y="4267420"/>
+                <a:ext cx="1319753" cy="707886"/>
+              </a:xfrm>
+              <a:prstGeom prst="rect">
+                <a:avLst/>
+              </a:prstGeom>
+              <a:noFill/>
+            </p:spPr>
+            <p:txBody>
+              <a:bodyPr wrap="square" rtlCol="0">
+                <a:spAutoFit/>
+              </a:bodyPr>
+              <a:lstStyle/>
+              <a:p>
+                <a:pPr algn="ctr"/>
+                <a14:m>
+                  <m:oMathPara xmlns:m="http://schemas.openxmlformats.org/officeDocument/2006/math">
+                    <m:oMathParaPr>
+                      <m:jc m:val="centerGroup"/>
+                    </m:oMathParaPr>
+                    <m:oMath xmlns:m="http://schemas.openxmlformats.org/officeDocument/2006/math">
+                      <m:r>
+                        <a:rPr lang="en-US" altLang="ko-KR" sz="4000" b="0" i="1" smtClean="0">
+                          <a:solidFill>
+                            <a:schemeClr val="accent1"/>
+                          </a:solidFill>
+                          <a:latin typeface="Cambria Math" panose="02040503050406030204" pitchFamily="18" charset="0"/>
+                        </a:rPr>
+                        <m:t>𝐷</m:t>
+                      </m:r>
+                    </m:oMath>
+                  </m:oMathPara>
+                </a14:m>
+                <a:endParaRPr lang="ko-KR" altLang="en-US" sz="4000" dirty="0">
+                  <a:solidFill>
+                    <a:schemeClr val="accent1"/>
+                  </a:solidFill>
+                </a:endParaRPr>
+              </a:p>
+            </p:txBody>
+          </p:sp>
+        </mc:Choice>
+        <mc:Fallback xmlns="">
+          <p:sp>
+            <p:nvSpPr>
+              <p:cNvPr id="8" name="TextBox 7">
+                <a:extLst>
+                  <a:ext uri="{FF2B5EF4-FFF2-40B4-BE49-F238E27FC236}">
+                    <a16:creationId xmlns:a16="http://schemas.microsoft.com/office/drawing/2014/main" id="{07460B3E-ABBE-44DE-B502-9DAA8074AB2B}"/>
+                  </a:ext>
+                </a:extLst>
+              </p:cNvPr>
+              <p:cNvSpPr txBox="1">
+                <a:spLocks noRot="1" noChangeAspect="1" noMove="1" noResize="1" noEditPoints="1" noAdjustHandles="1" noChangeArrowheads="1" noChangeShapeType="1" noTextEdit="1"/>
+              </p:cNvSpPr>
+              <p:nvPr/>
+            </p:nvSpPr>
+            <p:spPr>
+              <a:xfrm>
+                <a:off x="5313574" y="4267420"/>
+                <a:ext cx="1319753" cy="707886"/>
+              </a:xfrm>
+              <a:prstGeom prst="rect">
+                <a:avLst/>
+              </a:prstGeom>
+              <a:blipFill>
+                <a:blip r:embed="rId4"/>
+                <a:stretch>
+                  <a:fillRect/>
+                </a:stretch>
+              </a:blipFill>
+            </p:spPr>
+            <p:txBody>
+              <a:bodyPr/>
+              <a:lstStyle/>
+              <a:p>
+                <a:r>
+                  <a:rPr lang="ko-KR" altLang="en-US">
+                    <a:noFill/>
+                  </a:rPr>
+                  <a:t> </a:t>
+                </a:r>
+              </a:p>
+            </p:txBody>
+          </p:sp>
+        </mc:Fallback>
+      </mc:AlternateContent>
+      <p:cxnSp>
+        <p:nvCxnSpPr>
+          <p:cNvPr id="10" name="직선 연결선 9">
+            <a:extLst>
+              <a:ext uri="{FF2B5EF4-FFF2-40B4-BE49-F238E27FC236}">
+                <a16:creationId xmlns:a16="http://schemas.microsoft.com/office/drawing/2014/main" id="{698EA2AD-7E03-4FDD-A413-06FDE765EEDB}"/>
+              </a:ext>
+            </a:extLst>
+          </p:cNvPr>
+          <p:cNvCxnSpPr>
+            <a:cxnSpLocks/>
+            <a:endCxn id="6" idx="1"/>
+          </p:cNvCxnSpPr>
+          <p:nvPr/>
+        </p:nvCxnSpPr>
+        <p:spPr>
+          <a:xfrm flipV="1">
+            <a:off x="6466788" y="2668833"/>
+            <a:ext cx="1686612" cy="30777"/>
+          </a:xfrm>
+          <a:prstGeom prst="line">
+            <a:avLst/>
+          </a:prstGeom>
+          <a:ln>
+            <a:solidFill>
+              <a:schemeClr val="tx1"/>
+            </a:solidFill>
+          </a:ln>
+        </p:spPr>
+        <p:style>
+          <a:lnRef idx="1">
+            <a:schemeClr val="accent1"/>
+          </a:lnRef>
+          <a:fillRef idx="0">
+            <a:schemeClr val="accent1"/>
+          </a:fillRef>
+          <a:effectRef idx="0">
+            <a:schemeClr val="accent1"/>
+          </a:effectRef>
+          <a:fontRef idx="minor">
+            <a:schemeClr val="tx1"/>
+          </a:fontRef>
+        </p:style>
+      </p:cxnSp>
+      <p:cxnSp>
+        <p:nvCxnSpPr>
+          <p:cNvPr id="12" name="직선 연결선 11">
+            <a:extLst>
+              <a:ext uri="{FF2B5EF4-FFF2-40B4-BE49-F238E27FC236}">
+                <a16:creationId xmlns:a16="http://schemas.microsoft.com/office/drawing/2014/main" id="{60E41521-62FB-4093-B74D-29B521BC9D9D}"/>
+              </a:ext>
+            </a:extLst>
+          </p:cNvPr>
+          <p:cNvCxnSpPr>
+            <a:endCxn id="5" idx="1"/>
+          </p:cNvCxnSpPr>
+          <p:nvPr/>
+        </p:nvCxnSpPr>
+        <p:spPr>
+          <a:xfrm flipV="1">
+            <a:off x="6353666" y="3805755"/>
+            <a:ext cx="2086269" cy="770316"/>
+          </a:xfrm>
+          <a:prstGeom prst="line">
+            <a:avLst/>
+          </a:prstGeom>
+        </p:spPr>
+        <p:style>
+          <a:lnRef idx="1">
+            <a:schemeClr val="dk1"/>
+          </a:lnRef>
+          <a:fillRef idx="0">
+            <a:schemeClr val="dk1"/>
+          </a:fillRef>
+          <a:effectRef idx="0">
+            <a:schemeClr val="dk1"/>
+          </a:effectRef>
+          <a:fontRef idx="minor">
+            <a:schemeClr val="tx1"/>
+          </a:fontRef>
+        </p:style>
+      </p:cxnSp>
+    </p:spTree>
+    <p:extLst>
+      <p:ext uri="{BB962C8B-B14F-4D97-AF65-F5344CB8AC3E}">
+        <p14:creationId xmlns:p14="http://schemas.microsoft.com/office/powerpoint/2010/main" val="3984126476"/>
+      </p:ext>
+    </p:extLst>
+  </p:cSld>
+  <p:clrMapOvr>
+    <a:masterClrMapping/>
+  </p:clrMapOvr>
+</p:sld>
+</file>
+
+<file path=ppt/slides/slide7.xml><?xml version="1.0" encoding="utf-8"?>
+<p:sld xmlns:a="http://schemas.openxmlformats.org/drawingml/2006/main" xmlns:r="http://schemas.openxmlformats.org/officeDocument/2006/relationships" xmlns:p="http://schemas.openxmlformats.org/presentationml/2006/main">
+  <p:cSld>
+    <p:spTree>
+      <p:nvGrpSpPr>
+        <p:cNvPr id="1" name=""/>
+        <p:cNvGrpSpPr/>
+        <p:nvPr/>
+      </p:nvGrpSpPr>
+      <p:grpSpPr>
+        <a:xfrm>
+          <a:off x="0" y="0"/>
+          <a:ext cx="0" cy="0"/>
+          <a:chOff x="0" y="0"/>
+          <a:chExt cx="0" cy="0"/>
+        </a:xfrm>
+      </p:grpSpPr>
+      <p:pic>
+        <p:nvPicPr>
+          <p:cNvPr id="4" name="그림 3">
+            <a:extLst>
+              <a:ext uri="{FF2B5EF4-FFF2-40B4-BE49-F238E27FC236}">
+                <a16:creationId xmlns:a16="http://schemas.microsoft.com/office/drawing/2014/main" id="{B24244EA-F7B5-42C3-BF65-2E356E771CEC}"/>
+              </a:ext>
+            </a:extLst>
+          </p:cNvPr>
+          <p:cNvPicPr>
+            <a:picLocks noChangeAspect="1"/>
+          </p:cNvPicPr>
+          <p:nvPr/>
+        </p:nvPicPr>
+        <p:blipFill>
+          <a:blip r:embed="rId2"/>
+          <a:stretch>
+            <a:fillRect/>
+          </a:stretch>
+        </p:blipFill>
+        <p:spPr>
+          <a:xfrm>
+            <a:off x="2432312" y="928687"/>
+            <a:ext cx="6667500" cy="5000625"/>
+          </a:xfrm>
+          <a:prstGeom prst="rect">
+            <a:avLst/>
+          </a:prstGeom>
+        </p:spPr>
+      </p:pic>
+      <mc:AlternateContent xmlns:mc="http://schemas.openxmlformats.org/markup-compatibility/2006" xmlns:a14="http://schemas.microsoft.com/office/drawing/2010/main">
+        <mc:Choice Requires="a14">
           <p:sp>
             <p:nvSpPr>
               <p:cNvPr id="5" name="TextBox 4">
@@ -6582,7 +7770,7 @@
             </p:txBody>
           </p:sp>
         </mc:Choice>
-        <mc:Fallback>
+        <mc:Fallback xmlns="">
           <p:sp>
             <p:nvSpPr>
               <p:cNvPr id="5" name="TextBox 4">
@@ -6979,6 +8167,553 @@
     <p:extLst>
       <p:ext uri="{BB962C8B-B14F-4D97-AF65-F5344CB8AC3E}">
         <p14:creationId xmlns:p14="http://schemas.microsoft.com/office/powerpoint/2010/main" val="3249374712"/>
+      </p:ext>
+    </p:extLst>
+  </p:cSld>
+  <p:clrMapOvr>
+    <a:masterClrMapping/>
+  </p:clrMapOvr>
+</p:sld>
+</file>
+
+<file path=ppt/slides/slide8.xml><?xml version="1.0" encoding="utf-8"?>
+<p:sld xmlns:a="http://schemas.openxmlformats.org/drawingml/2006/main" xmlns:r="http://schemas.openxmlformats.org/officeDocument/2006/relationships" xmlns:p="http://schemas.openxmlformats.org/presentationml/2006/main">
+  <p:cSld>
+    <p:spTree>
+      <p:nvGrpSpPr>
+        <p:cNvPr id="1" name=""/>
+        <p:cNvGrpSpPr/>
+        <p:nvPr/>
+      </p:nvGrpSpPr>
+      <p:grpSpPr>
+        <a:xfrm>
+          <a:off x="0" y="0"/>
+          <a:ext cx="0" cy="0"/>
+          <a:chOff x="0" y="0"/>
+          <a:chExt cx="0" cy="0"/>
+        </a:xfrm>
+      </p:grpSpPr>
+      <p:pic>
+        <p:nvPicPr>
+          <p:cNvPr id="4" name="그림 3">
+            <a:extLst>
+              <a:ext uri="{FF2B5EF4-FFF2-40B4-BE49-F238E27FC236}">
+                <a16:creationId xmlns:a16="http://schemas.microsoft.com/office/drawing/2014/main" id="{B24244EA-F7B5-42C3-BF65-2E356E771CEC}"/>
+              </a:ext>
+            </a:extLst>
+          </p:cNvPr>
+          <p:cNvPicPr>
+            <a:picLocks noChangeAspect="1"/>
+          </p:cNvPicPr>
+          <p:nvPr/>
+        </p:nvPicPr>
+        <p:blipFill>
+          <a:blip r:embed="rId2"/>
+          <a:stretch>
+            <a:fillRect/>
+          </a:stretch>
+        </p:blipFill>
+        <p:spPr>
+          <a:xfrm>
+            <a:off x="2432312" y="928687"/>
+            <a:ext cx="6667500" cy="5000625"/>
+          </a:xfrm>
+          <a:prstGeom prst="rect">
+            <a:avLst/>
+          </a:prstGeom>
+        </p:spPr>
+      </p:pic>
+      <mc:AlternateContent xmlns:mc="http://schemas.openxmlformats.org/markup-compatibility/2006">
+        <mc:Choice xmlns:a14="http://schemas.microsoft.com/office/drawing/2010/main" Requires="a14">
+          <p:sp>
+            <p:nvSpPr>
+              <p:cNvPr id="5" name="TextBox 4">
+                <a:extLst>
+                  <a:ext uri="{FF2B5EF4-FFF2-40B4-BE49-F238E27FC236}">
+                    <a16:creationId xmlns:a16="http://schemas.microsoft.com/office/drawing/2014/main" id="{9DCC3473-F53C-4487-95C1-27238F53C85F}"/>
+                  </a:ext>
+                </a:extLst>
+              </p:cNvPr>
+              <p:cNvSpPr txBox="1"/>
+              <p:nvPr/>
+            </p:nvSpPr>
+            <p:spPr>
+              <a:xfrm>
+                <a:off x="8439934" y="3621089"/>
+                <a:ext cx="2787389" cy="646331"/>
+              </a:xfrm>
+              <a:prstGeom prst="rect">
+                <a:avLst/>
+              </a:prstGeom>
+              <a:noFill/>
+              <a:ln>
+                <a:solidFill>
+                  <a:schemeClr val="tx1"/>
+                </a:solidFill>
+              </a:ln>
+            </p:spPr>
+            <p:txBody>
+              <a:bodyPr wrap="square" rtlCol="0">
+                <a:spAutoFit/>
+              </a:bodyPr>
+              <a:lstStyle/>
+              <a:p>
+                <a:pPr algn="ctr"/>
+                <a:r>
+                  <a:rPr lang="en-US" altLang="ko-KR" dirty="0"/>
+                  <a:t>Projection from path C to domain: </a:t>
+                </a:r>
+                <a14:m>
+                  <m:oMath xmlns:m="http://schemas.openxmlformats.org/officeDocument/2006/math">
+                    <m:sSub>
+                      <m:sSubPr>
+                        <m:ctrlPr>
+                          <a:rPr lang="en-US" altLang="ko-KR" b="0" i="1" smtClean="0">
+                            <a:latin typeface="Cambria Math" panose="02040503050406030204" pitchFamily="18" charset="0"/>
+                          </a:rPr>
+                        </m:ctrlPr>
+                      </m:sSubPr>
+                      <m:e>
+                        <m:r>
+                          <a:rPr lang="en-US" altLang="ko-KR" b="0" i="1" smtClean="0">
+                            <a:latin typeface="Cambria Math" panose="02040503050406030204" pitchFamily="18" charset="0"/>
+                          </a:rPr>
+                          <m:t>𝐶</m:t>
+                        </m:r>
+                      </m:e>
+                      <m:sub>
+                        <m:r>
+                          <a:rPr lang="en-US" altLang="ko-KR" b="0" i="1" smtClean="0">
+                            <a:latin typeface="Cambria Math" panose="02040503050406030204" pitchFamily="18" charset="0"/>
+                          </a:rPr>
+                          <m:t>0</m:t>
+                        </m:r>
+                      </m:sub>
+                    </m:sSub>
+                  </m:oMath>
+                </a14:m>
+                <a:endParaRPr lang="ko-KR" altLang="en-US" dirty="0"/>
+              </a:p>
+            </p:txBody>
+          </p:sp>
+        </mc:Choice>
+        <mc:Fallback>
+          <p:sp>
+            <p:nvSpPr>
+              <p:cNvPr id="5" name="TextBox 4">
+                <a:extLst>
+                  <a:ext uri="{FF2B5EF4-FFF2-40B4-BE49-F238E27FC236}">
+                    <a16:creationId xmlns:a16="http://schemas.microsoft.com/office/drawing/2014/main" id="{9DCC3473-F53C-4487-95C1-27238F53C85F}"/>
+                  </a:ext>
+                </a:extLst>
+              </p:cNvPr>
+              <p:cNvSpPr txBox="1">
+                <a:spLocks noRot="1" noChangeAspect="1" noMove="1" noResize="1" noEditPoints="1" noAdjustHandles="1" noChangeArrowheads="1" noChangeShapeType="1" noTextEdit="1"/>
+              </p:cNvSpPr>
+              <p:nvPr/>
+            </p:nvSpPr>
+            <p:spPr>
+              <a:xfrm>
+                <a:off x="8439934" y="3621089"/>
+                <a:ext cx="2787389" cy="646331"/>
+              </a:xfrm>
+              <a:prstGeom prst="rect">
+                <a:avLst/>
+              </a:prstGeom>
+              <a:blipFill>
+                <a:blip r:embed="rId3"/>
+                <a:stretch>
+                  <a:fillRect t="-3704" r="-218" b="-12963"/>
+                </a:stretch>
+              </a:blipFill>
+              <a:ln>
+                <a:solidFill>
+                  <a:schemeClr val="tx1"/>
+                </a:solidFill>
+              </a:ln>
+            </p:spPr>
+            <p:txBody>
+              <a:bodyPr/>
+              <a:lstStyle/>
+              <a:p>
+                <a:r>
+                  <a:rPr lang="en-US">
+                    <a:noFill/>
+                  </a:rPr>
+                  <a:t> </a:t>
+                </a:r>
+              </a:p>
+            </p:txBody>
+          </p:sp>
+        </mc:Fallback>
+      </mc:AlternateContent>
+      <p:sp>
+        <p:nvSpPr>
+          <p:cNvPr id="6" name="TextBox 5">
+            <a:extLst>
+              <a:ext uri="{FF2B5EF4-FFF2-40B4-BE49-F238E27FC236}">
+                <a16:creationId xmlns:a16="http://schemas.microsoft.com/office/drawing/2014/main" id="{7DA8295D-E218-4759-81CD-227FBD2E9BB4}"/>
+              </a:ext>
+            </a:extLst>
+          </p:cNvPr>
+          <p:cNvSpPr txBox="1"/>
+          <p:nvPr/>
+        </p:nvSpPr>
+        <p:spPr>
+          <a:xfrm>
+            <a:off x="8391329" y="2267414"/>
+            <a:ext cx="2095696" cy="646331"/>
+          </a:xfrm>
+          <a:prstGeom prst="rect">
+            <a:avLst/>
+          </a:prstGeom>
+          <a:noFill/>
+          <a:ln>
+            <a:solidFill>
+              <a:schemeClr val="tx1"/>
+            </a:solidFill>
+          </a:ln>
+        </p:spPr>
+        <p:txBody>
+          <a:bodyPr wrap="square" rtlCol="0">
+            <a:spAutoFit/>
+          </a:bodyPr>
+          <a:lstStyle/>
+          <a:p>
+            <a:pPr algn="ctr"/>
+            <a:r>
+              <a:rPr lang="en-US" altLang="ko-KR" dirty="0"/>
+              <a:t>Closed</a:t>
+            </a:r>
+            <a:r>
+              <a:rPr lang="ko-KR" altLang="en-US" dirty="0"/>
+              <a:t> </a:t>
+            </a:r>
+            <a:r>
+              <a:rPr lang="en-US" altLang="ko-KR" dirty="0"/>
+              <a:t>path</a:t>
+            </a:r>
+            <a:r>
+              <a:rPr lang="ko-KR" altLang="en-US" dirty="0"/>
+              <a:t> </a:t>
+            </a:r>
+            <a:r>
+              <a:rPr lang="en-US" altLang="ko-KR" dirty="0"/>
+              <a:t>along</a:t>
+            </a:r>
+            <a:r>
+              <a:rPr lang="ko-KR" altLang="en-US" dirty="0"/>
+              <a:t> </a:t>
+            </a:r>
+            <a:r>
+              <a:rPr lang="en-US" altLang="ko-KR" dirty="0"/>
+              <a:t>Surface</a:t>
+            </a:r>
+            <a:r>
+              <a:rPr lang="ko-KR" altLang="en-US" dirty="0"/>
+              <a:t> </a:t>
+            </a:r>
+            <a:r>
+              <a:rPr lang="en-US" altLang="ko-KR" dirty="0"/>
+              <a:t>S: C</a:t>
+            </a:r>
+            <a:endParaRPr lang="ko-KR" altLang="en-US" dirty="0"/>
+          </a:p>
+        </p:txBody>
+      </p:sp>
+      <mc:AlternateContent xmlns:mc="http://schemas.openxmlformats.org/markup-compatibility/2006" xmlns:a14="http://schemas.microsoft.com/office/drawing/2010/main">
+        <mc:Choice Requires="a14">
+          <p:sp>
+            <p:nvSpPr>
+              <p:cNvPr id="7" name="TextBox 6">
+                <a:extLst>
+                  <a:ext uri="{FF2B5EF4-FFF2-40B4-BE49-F238E27FC236}">
+                    <a16:creationId xmlns:a16="http://schemas.microsoft.com/office/drawing/2014/main" id="{0DAC4895-9C35-44D7-981F-CADD24F6E366}"/>
+                  </a:ext>
+                </a:extLst>
+              </p:cNvPr>
+              <p:cNvSpPr txBox="1"/>
+              <p:nvPr/>
+            </p:nvSpPr>
+            <p:spPr>
+              <a:xfrm>
+                <a:off x="5313574" y="2345667"/>
+                <a:ext cx="1319753" cy="707886"/>
+              </a:xfrm>
+              <a:prstGeom prst="rect">
+                <a:avLst/>
+              </a:prstGeom>
+              <a:noFill/>
+            </p:spPr>
+            <p:txBody>
+              <a:bodyPr wrap="square" rtlCol="0">
+                <a:spAutoFit/>
+              </a:bodyPr>
+              <a:lstStyle/>
+              <a:p>
+                <a:pPr algn="ctr"/>
+                <a14:m>
+                  <m:oMathPara xmlns:m="http://schemas.openxmlformats.org/officeDocument/2006/math">
+                    <m:oMathParaPr>
+                      <m:jc m:val="centerGroup"/>
+                    </m:oMathParaPr>
+                    <m:oMath xmlns:m="http://schemas.openxmlformats.org/officeDocument/2006/math">
+                      <m:r>
+                        <a:rPr lang="en-US" altLang="ko-KR" sz="4000" b="0" i="1" smtClean="0">
+                          <a:solidFill>
+                            <a:schemeClr val="accent2"/>
+                          </a:solidFill>
+                          <a:latin typeface="Cambria Math" panose="02040503050406030204" pitchFamily="18" charset="0"/>
+                        </a:rPr>
+                        <m:t>𝑆</m:t>
+                      </m:r>
+                    </m:oMath>
+                  </m:oMathPara>
+                </a14:m>
+                <a:endParaRPr lang="ko-KR" altLang="en-US" sz="4000" dirty="0">
+                  <a:solidFill>
+                    <a:schemeClr val="accent2"/>
+                  </a:solidFill>
+                </a:endParaRPr>
+              </a:p>
+            </p:txBody>
+          </p:sp>
+        </mc:Choice>
+        <mc:Fallback xmlns="">
+          <p:sp>
+            <p:nvSpPr>
+              <p:cNvPr id="7" name="TextBox 6">
+                <a:extLst>
+                  <a:ext uri="{FF2B5EF4-FFF2-40B4-BE49-F238E27FC236}">
+                    <a16:creationId xmlns:a16="http://schemas.microsoft.com/office/drawing/2014/main" id="{0DAC4895-9C35-44D7-981F-CADD24F6E366}"/>
+                  </a:ext>
+                </a:extLst>
+              </p:cNvPr>
+              <p:cNvSpPr txBox="1">
+                <a:spLocks noRot="1" noChangeAspect="1" noMove="1" noResize="1" noEditPoints="1" noAdjustHandles="1" noChangeArrowheads="1" noChangeShapeType="1" noTextEdit="1"/>
+              </p:cNvSpPr>
+              <p:nvPr/>
+            </p:nvSpPr>
+            <p:spPr>
+              <a:xfrm>
+                <a:off x="5313574" y="2345667"/>
+                <a:ext cx="1319753" cy="707886"/>
+              </a:xfrm>
+              <a:prstGeom prst="rect">
+                <a:avLst/>
+              </a:prstGeom>
+              <a:blipFill>
+                <a:blip r:embed="rId4"/>
+                <a:stretch>
+                  <a:fillRect/>
+                </a:stretch>
+              </a:blipFill>
+            </p:spPr>
+            <p:txBody>
+              <a:bodyPr/>
+              <a:lstStyle/>
+              <a:p>
+                <a:r>
+                  <a:rPr lang="ko-KR" altLang="en-US">
+                    <a:noFill/>
+                  </a:rPr>
+                  <a:t> </a:t>
+                </a:r>
+              </a:p>
+            </p:txBody>
+          </p:sp>
+        </mc:Fallback>
+      </mc:AlternateContent>
+      <mc:AlternateContent xmlns:mc="http://schemas.openxmlformats.org/markup-compatibility/2006" xmlns:a14="http://schemas.microsoft.com/office/drawing/2010/main">
+        <mc:Choice Requires="a14">
+          <p:sp>
+            <p:nvSpPr>
+              <p:cNvPr id="8" name="TextBox 7">
+                <a:extLst>
+                  <a:ext uri="{FF2B5EF4-FFF2-40B4-BE49-F238E27FC236}">
+                    <a16:creationId xmlns:a16="http://schemas.microsoft.com/office/drawing/2014/main" id="{07460B3E-ABBE-44DE-B502-9DAA8074AB2B}"/>
+                  </a:ext>
+                </a:extLst>
+              </p:cNvPr>
+              <p:cNvSpPr txBox="1"/>
+              <p:nvPr/>
+            </p:nvSpPr>
+            <p:spPr>
+              <a:xfrm>
+                <a:off x="5313574" y="4267420"/>
+                <a:ext cx="1319753" cy="707886"/>
+              </a:xfrm>
+              <a:prstGeom prst="rect">
+                <a:avLst/>
+              </a:prstGeom>
+              <a:noFill/>
+            </p:spPr>
+            <p:txBody>
+              <a:bodyPr wrap="square" rtlCol="0">
+                <a:spAutoFit/>
+              </a:bodyPr>
+              <a:lstStyle/>
+              <a:p>
+                <a:pPr algn="ctr"/>
+                <a14:m>
+                  <m:oMathPara xmlns:m="http://schemas.openxmlformats.org/officeDocument/2006/math">
+                    <m:oMathParaPr>
+                      <m:jc m:val="centerGroup"/>
+                    </m:oMathParaPr>
+                    <m:oMath xmlns:m="http://schemas.openxmlformats.org/officeDocument/2006/math">
+                      <m:r>
+                        <a:rPr lang="en-US" altLang="ko-KR" sz="4000" b="0" i="1" smtClean="0">
+                          <a:solidFill>
+                            <a:schemeClr val="accent1"/>
+                          </a:solidFill>
+                          <a:latin typeface="Cambria Math" panose="02040503050406030204" pitchFamily="18" charset="0"/>
+                        </a:rPr>
+                        <m:t>𝐷</m:t>
+                      </m:r>
+                    </m:oMath>
+                  </m:oMathPara>
+                </a14:m>
+                <a:endParaRPr lang="ko-KR" altLang="en-US" sz="4000" dirty="0">
+                  <a:solidFill>
+                    <a:schemeClr val="accent1"/>
+                  </a:solidFill>
+                </a:endParaRPr>
+              </a:p>
+            </p:txBody>
+          </p:sp>
+        </mc:Choice>
+        <mc:Fallback xmlns="">
+          <p:sp>
+            <p:nvSpPr>
+              <p:cNvPr id="8" name="TextBox 7">
+                <a:extLst>
+                  <a:ext uri="{FF2B5EF4-FFF2-40B4-BE49-F238E27FC236}">
+                    <a16:creationId xmlns:a16="http://schemas.microsoft.com/office/drawing/2014/main" id="{07460B3E-ABBE-44DE-B502-9DAA8074AB2B}"/>
+                  </a:ext>
+                </a:extLst>
+              </p:cNvPr>
+              <p:cNvSpPr txBox="1">
+                <a:spLocks noRot="1" noChangeAspect="1" noMove="1" noResize="1" noEditPoints="1" noAdjustHandles="1" noChangeArrowheads="1" noChangeShapeType="1" noTextEdit="1"/>
+              </p:cNvSpPr>
+              <p:nvPr/>
+            </p:nvSpPr>
+            <p:spPr>
+              <a:xfrm>
+                <a:off x="5313574" y="4267420"/>
+                <a:ext cx="1319753" cy="707886"/>
+              </a:xfrm>
+              <a:prstGeom prst="rect">
+                <a:avLst/>
+              </a:prstGeom>
+              <a:blipFill>
+                <a:blip r:embed="rId5"/>
+                <a:stretch>
+                  <a:fillRect/>
+                </a:stretch>
+              </a:blipFill>
+            </p:spPr>
+            <p:txBody>
+              <a:bodyPr/>
+              <a:lstStyle/>
+              <a:p>
+                <a:r>
+                  <a:rPr lang="ko-KR" altLang="en-US">
+                    <a:noFill/>
+                  </a:rPr>
+                  <a:t> </a:t>
+                </a:r>
+              </a:p>
+            </p:txBody>
+          </p:sp>
+        </mc:Fallback>
+      </mc:AlternateContent>
+      <p:cxnSp>
+        <p:nvCxnSpPr>
+          <p:cNvPr id="10" name="직선 연결선 9">
+            <a:extLst>
+              <a:ext uri="{FF2B5EF4-FFF2-40B4-BE49-F238E27FC236}">
+                <a16:creationId xmlns:a16="http://schemas.microsoft.com/office/drawing/2014/main" id="{698EA2AD-7E03-4FDD-A413-06FDE765EEDB}"/>
+              </a:ext>
+            </a:extLst>
+          </p:cNvPr>
+          <p:cNvCxnSpPr>
+            <a:cxnSpLocks/>
+            <a:endCxn id="6" idx="1"/>
+          </p:cNvCxnSpPr>
+          <p:nvPr/>
+        </p:nvCxnSpPr>
+        <p:spPr>
+          <a:xfrm flipV="1">
+            <a:off x="7202078" y="2590580"/>
+            <a:ext cx="1189251" cy="808296"/>
+          </a:xfrm>
+          <a:prstGeom prst="line">
+            <a:avLst/>
+          </a:prstGeom>
+          <a:ln>
+            <a:solidFill>
+              <a:schemeClr val="tx1"/>
+            </a:solidFill>
+          </a:ln>
+        </p:spPr>
+        <p:style>
+          <a:lnRef idx="1">
+            <a:schemeClr val="accent1"/>
+          </a:lnRef>
+          <a:fillRef idx="0">
+            <a:schemeClr val="accent1"/>
+          </a:fillRef>
+          <a:effectRef idx="0">
+            <a:schemeClr val="accent1"/>
+          </a:effectRef>
+          <a:fontRef idx="minor">
+            <a:schemeClr val="tx1"/>
+          </a:fontRef>
+        </p:style>
+      </p:cxnSp>
+      <p:cxnSp>
+        <p:nvCxnSpPr>
+          <p:cNvPr id="12" name="직선 연결선 11">
+            <a:extLst>
+              <a:ext uri="{FF2B5EF4-FFF2-40B4-BE49-F238E27FC236}">
+                <a16:creationId xmlns:a16="http://schemas.microsoft.com/office/drawing/2014/main" id="{60E41521-62FB-4093-B74D-29B521BC9D9D}"/>
+              </a:ext>
+            </a:extLst>
+          </p:cNvPr>
+          <p:cNvCxnSpPr>
+            <a:cxnSpLocks/>
+            <a:endCxn id="5" idx="1"/>
+          </p:cNvCxnSpPr>
+          <p:nvPr/>
+        </p:nvCxnSpPr>
+        <p:spPr>
+          <a:xfrm flipV="1">
+            <a:off x="7098384" y="3944255"/>
+            <a:ext cx="1341550" cy="526284"/>
+          </a:xfrm>
+          <a:prstGeom prst="line">
+            <a:avLst/>
+          </a:prstGeom>
+        </p:spPr>
+        <p:style>
+          <a:lnRef idx="1">
+            <a:schemeClr val="dk1"/>
+          </a:lnRef>
+          <a:fillRef idx="0">
+            <a:schemeClr val="dk1"/>
+          </a:fillRef>
+          <a:effectRef idx="0">
+            <a:schemeClr val="dk1"/>
+          </a:effectRef>
+          <a:fontRef idx="minor">
+            <a:schemeClr val="tx1"/>
+          </a:fontRef>
+        </p:style>
+      </p:cxnSp>
+    </p:spTree>
+    <p:extLst>
+      <p:ext uri="{BB962C8B-B14F-4D97-AF65-F5344CB8AC3E}">
+        <p14:creationId xmlns:p14="http://schemas.microsoft.com/office/powerpoint/2010/main" val="2210319024"/>
       </p:ext>
     </p:extLst>
   </p:cSld>
